--- a/files en-us/presentation-en-us.pptx
+++ b/files en-us/presentation-en-us.pptx
@@ -4597,14 +4597,14 @@
               </a:spcBef>
             </a:pPr>
             <a:r>
-              <a:rPr lang="pt-BR" spc="-90">
+              <a:rPr lang="pt-BR" spc="-90" dirty="0">
                 <a:latin typeface="Cascadia Mono SemiBold" panose="020B0609020000020004" pitchFamily="49" charset="0"/>
                 <a:ea typeface="Cascadia Mono SemiBold" panose="020B0609020000020004" pitchFamily="49" charset="0"/>
                 <a:cs typeface="Cascadia Mono SemiBold" panose="020B0609020000020004" pitchFamily="49" charset="0"/>
               </a:rPr>
-              <a:t>Modelo:</a:t>
-            </a:r>
-            <a:endParaRPr spc="-300">
+              <a:t>Model:</a:t>
+            </a:r>
+            <a:endParaRPr spc="-300" dirty="0">
               <a:latin typeface="Cascadia Mono SemiBold" panose="020B0609020000020004" pitchFamily="49" charset="0"/>
               <a:ea typeface="Cascadia Mono SemiBold" panose="020B0609020000020004" pitchFamily="49" charset="0"/>
               <a:cs typeface="Cascadia Mono SemiBold" panose="020B0609020000020004" pitchFamily="49" charset="0"/>
@@ -4626,8 +4626,8 @@
         </p:nvSpPr>
         <p:spPr>
           <a:xfrm flipH="1">
-            <a:off x="609600" y="1726500"/>
-            <a:ext cx="9555486" cy="5016758"/>
+            <a:off x="609600" y="1592277"/>
+            <a:ext cx="9555486" cy="3539430"/>
           </a:xfrm>
           <a:prstGeom prst="rect">
             <a:avLst/>
@@ -4640,70 +4640,55 @@
           </a:bodyPr>
           <a:lstStyle/>
           <a:p>
-            <a:r>
-              <a:rPr lang="pt-BR" sz="3200"/>
-              <a:t>Escolhi o </a:t>
-            </a:r>
-            <a:r>
-              <a:rPr lang="pt-BR" sz="3200" err="1"/>
+            <a:pPr fontAlgn="base"/>
+            <a:r>
+              <a:rPr lang="en-US" sz="3200" dirty="0"/>
+              <a:t>I'm choosing </a:t>
+            </a:r>
+            <a:r>
+              <a:rPr lang="en-US" sz="3200" dirty="0" err="1"/>
               <a:t>CatBoost</a:t>
             </a:r>
             <a:r>
-              <a:rPr lang="pt-BR" sz="3200"/>
-              <a:t> para análise da importância das variáveis para o cliente efetivar o depósito pelas seguintes razões:</a:t>
+              <a:rPr lang="en-US" sz="3200" dirty="0"/>
+              <a:t> to get feature importances because of the following reasons:</a:t>
             </a:r>
           </a:p>
           <a:p>
-            <a:br>
-              <a:rPr lang="pt-BR" sz="3200"/>
-            </a:br>
-            <a:r>
-              <a:rPr lang="pt-BR" sz="3200">
-                <a:solidFill>
-                  <a:srgbClr val="FF0000"/>
-                </a:solidFill>
-              </a:rPr>
-              <a:t>1.   </a:t>
-            </a:r>
-            <a:r>
-              <a:rPr lang="pt-BR" sz="3200"/>
-              <a:t>Muitas variáveis categóricas nominas e ordinais (não necessito fazer o encoding manual).</a:t>
+            <a:pPr fontAlgn="base"/>
+            <a:r>
+              <a:rPr lang="en-US" sz="3200" dirty="0"/>
+              <a:t>1. Many categorical variables, reducing the need of manually encoding, thus avoiding target leakage or arbitrary </a:t>
+            </a:r>
+            <a:r>
+              <a:rPr lang="en-US" sz="3200" dirty="0" err="1"/>
+              <a:t>atribution</a:t>
+            </a:r>
+            <a:r>
+              <a:rPr lang="en-US" sz="3200" dirty="0"/>
+              <a:t>;</a:t>
             </a:r>
           </a:p>
           <a:p>
-            <a:r>
-              <a:rPr lang="pt-BR" sz="3200">
-                <a:solidFill>
-                  <a:srgbClr val="FF0000"/>
-                </a:solidFill>
-              </a:rPr>
-              <a:t>2.   </a:t>
-            </a:r>
-            <a:r>
-              <a:rPr lang="pt-BR" sz="3200"/>
-              <a:t>Outliers presentes na variável 'saldo' (algoritmos de </a:t>
-            </a:r>
-            <a:r>
-              <a:rPr lang="pt-BR" sz="3200" err="1"/>
-              <a:t>boosting</a:t>
-            </a:r>
-            <a:r>
-              <a:rPr lang="pt-BR" sz="3200"/>
-              <a:t> são robustos contra outliers).</a:t>
+            <a:pPr fontAlgn="base"/>
+            <a:r>
+              <a:rPr lang="en-US" sz="3200" dirty="0"/>
+              <a:t>2. Outliers in the balance </a:t>
+            </a:r>
+            <a:r>
+              <a:rPr lang="en-US" sz="3200" dirty="0" err="1"/>
+              <a:t>colummn</a:t>
+            </a:r>
+            <a:r>
+              <a:rPr lang="en-US" sz="3200" dirty="0"/>
+              <a:t>;</a:t>
             </a:r>
           </a:p>
           <a:p>
-            <a:r>
-              <a:rPr lang="pt-BR" sz="3200">
-                <a:solidFill>
-                  <a:srgbClr val="FF0000"/>
-                </a:solidFill>
-              </a:rPr>
-              <a:t>3.   </a:t>
-            </a:r>
-            <a:r>
-              <a:rPr lang="pt-BR" sz="3200"/>
-              <a:t>Facilidade de conseguir os coeficientes.</a:t>
+            <a:pPr fontAlgn="base"/>
+            <a:r>
+              <a:rPr lang="en-US" sz="3200" dirty="0"/>
+              <a:t>3. It's easy to get the coefficients.</a:t>
             </a:r>
           </a:p>
         </p:txBody>
@@ -4736,8 +4721,8 @@
         </p:blipFill>
         <p:spPr>
           <a:xfrm>
-            <a:off x="762000" y="6800097"/>
-            <a:ext cx="7808796" cy="2934287"/>
+            <a:off x="609599" y="5517207"/>
+            <a:ext cx="9419217" cy="3539430"/>
           </a:xfrm>
           <a:prstGeom prst="rect">
             <a:avLst/>
@@ -4806,8 +4791,8 @@
         </p:nvSpPr>
         <p:spPr>
           <a:xfrm>
-            <a:off x="11218458" y="1325502"/>
-            <a:ext cx="4326342" cy="386003"/>
+            <a:off x="11015814" y="1132500"/>
+            <a:ext cx="4135272" cy="386003"/>
           </a:xfrm>
           <a:prstGeom prst="rect">
             <a:avLst/>
@@ -4836,7 +4821,7 @@
               </a:spcBef>
             </a:pPr>
             <a:r>
-              <a:rPr lang="pt-BR" sz="2400" spc="-90">
+              <a:rPr lang="pt-BR" sz="2400" spc="-90" dirty="0">
                 <a:solidFill>
                   <a:schemeClr val="accent3">
                     <a:lumMod val="50000"/>
@@ -4846,9 +4831,9 @@
                 <a:ea typeface="Cascadia Mono SemiBold" panose="020B0609020000020004" pitchFamily="49" charset="0"/>
                 <a:cs typeface="Cascadia Mono SemiBold" panose="020B0609020000020004" pitchFamily="49" charset="0"/>
               </a:rPr>
-              <a:t>Escolha das variáveis:</a:t>
-            </a:r>
-            <a:endParaRPr lang="pt-BR" sz="2400" spc="-300">
+              <a:t>Model Features:</a:t>
+            </a:r>
+            <a:endParaRPr lang="pt-BR" sz="2400" spc="-300" dirty="0">
               <a:solidFill>
                 <a:schemeClr val="accent3">
                   <a:lumMod val="50000"/>
@@ -4863,28 +4848,65 @@
       </p:sp>
       <p:sp>
         <p:nvSpPr>
-          <p:cNvPr id="12" name="CaixaDeTexto 11">
+          <p:cNvPr id="4" name="Rectangle 1">
             <a:extLst>
               <a:ext uri="{FF2B5EF4-FFF2-40B4-BE49-F238E27FC236}">
-                <a16:creationId xmlns:a16="http://schemas.microsoft.com/office/drawing/2014/main" id="{E9518D04-1EF4-6C8E-CD27-88D4AAE7DEA0}"/>
+                <a16:creationId xmlns:a16="http://schemas.microsoft.com/office/drawing/2014/main" id="{C64375B7-E299-F53E-F6D3-92EFDBDF0DB9}"/>
               </a:ext>
             </a:extLst>
           </p:cNvPr>
-          <p:cNvSpPr txBox="1"/>
+          <p:cNvSpPr>
+            <a:spLocks noChangeArrowheads="1"/>
+          </p:cNvSpPr>
           <p:nvPr/>
         </p:nvSpPr>
-        <p:spPr>
-          <a:xfrm flipH="1">
-            <a:off x="10774482" y="2095501"/>
-            <a:ext cx="6903918" cy="6986528"/>
+        <p:spPr bwMode="auto">
+          <a:xfrm>
+            <a:off x="10894831" y="2571689"/>
+            <a:ext cx="6783569" cy="6494085"/>
           </a:xfrm>
           <a:prstGeom prst="rect">
             <a:avLst/>
           </a:prstGeom>
           <a:noFill/>
+          <a:ln>
+            <a:noFill/>
+          </a:ln>
+          <a:effectLst/>
+          <a:extLst>
+            <a:ext uri="{909E8E84-426E-40DD-AFC4-6F175D3DCCD1}">
+              <a14:hiddenFill xmlns:a14="http://schemas.microsoft.com/office/drawing/2010/main">
+                <a:solidFill>
+                  <a:schemeClr val="accent1"/>
+                </a:solidFill>
+              </a14:hiddenFill>
+            </a:ext>
+            <a:ext uri="{91240B29-F687-4F45-9708-019B960494DF}">
+              <a14:hiddenLine xmlns:a14="http://schemas.microsoft.com/office/drawing/2010/main" w="9525">
+                <a:solidFill>
+                  <a:schemeClr val="tx1"/>
+                </a:solidFill>
+                <a:miter lim="800000"/>
+                <a:headEnd/>
+                <a:tailEnd/>
+              </a14:hiddenLine>
+            </a:ext>
+            <a:ext uri="{AF507438-7753-43E0-B8FC-AC1667EBCBE1}">
+              <a14:hiddenEffects xmlns:a14="http://schemas.microsoft.com/office/drawing/2010/main">
+                <a:effectLst>
+                  <a:outerShdw dist="35921" dir="2700000" algn="ctr" rotWithShape="0">
+                    <a:schemeClr val="bg2"/>
+                  </a:outerShdw>
+                </a:effectLst>
+              </a14:hiddenEffects>
+            </a:ext>
+          </a:extLst>
         </p:spPr>
         <p:txBody>
-          <a:bodyPr wrap="square" rtlCol="0">
+          <a:bodyPr vert="horz" wrap="square" lIns="91440" tIns="45720" rIns="91440" bIns="45720" numCol="1" anchor="ctr" anchorCtr="0" compatLnSpc="1">
+            <a:prstTxWarp prst="textNoShape">
+              <a:avLst/>
+            </a:prstTxWarp>
             <a:spAutoFit/>
           </a:bodyPr>
           <a:lstStyle/>
@@ -4906,66 +4928,102 @@
               <a:tabLst/>
             </a:pPr>
             <a:r>
-              <a:rPr lang="pt-BR" sz="3200"/>
-              <a:t>As features escolhidas para compor o modelo são, para as variáveis independentes: </a:t>
-            </a:r>
-            <a:r>
-              <a:rPr lang="pt-BR" altLang="pt-BR" sz="3200">
-                <a:solidFill>
-                  <a:schemeClr val="tx1"/>
-                </a:solidFill>
-                <a:latin typeface="Arial" panose="020B0604020202020204" pitchFamily="34" charset="0"/>
-              </a:rPr>
-              <a:t>idade,</a:t>
-            </a:r>
-            <a:r>
-              <a:rPr kumimoji="0" lang="pt-BR" altLang="pt-BR" sz="3200" b="0" i="0" u="none" strike="noStrike" cap="none" normalizeH="0" baseline="0">
-                <a:ln>
-                  <a:noFill/>
-                </a:ln>
-                <a:solidFill>
-                  <a:schemeClr val="bg1"/>
-                </a:solidFill>
-                <a:effectLst/>
-                <a:latin typeface="Arial" panose="020B0604020202020204" pitchFamily="34" charset="0"/>
-              </a:rPr>
+              <a:rPr lang="pt-BR" altLang="pt-BR" sz="3200" dirty="0">
+                <a:solidFill>
+                  <a:schemeClr val="tx2">
+                    <a:lumMod val="75000"/>
+                  </a:schemeClr>
+                </a:solidFill>
+              </a:rPr>
+              <a:t>Independent </a:t>
+            </a:r>
+            <a:r>
+              <a:rPr lang="pt-BR" altLang="pt-BR" sz="3200" dirty="0" err="1">
+                <a:solidFill>
+                  <a:schemeClr val="tx2">
+                    <a:lumMod val="75000"/>
+                  </a:schemeClr>
+                </a:solidFill>
+              </a:rPr>
+              <a:t>Variables</a:t>
+            </a:r>
+            <a:r>
+              <a:rPr lang="pt-BR" altLang="pt-BR" sz="3200" dirty="0">
+                <a:solidFill>
+                  <a:schemeClr val="tx2">
+                    <a:lumMod val="75000"/>
+                  </a:schemeClr>
+                </a:solidFill>
+              </a:rPr>
+              <a:t>: </a:t>
+            </a:r>
+            <a:r>
+              <a:rPr lang="pt-BR" altLang="pt-BR" sz="3200" dirty="0"/>
+              <a:t>age, </a:t>
+            </a:r>
+            <a:r>
+              <a:rPr lang="pt-BR" altLang="pt-BR" sz="3200" dirty="0" err="1"/>
+              <a:t>job</a:t>
+            </a:r>
+            <a:r>
+              <a:rPr lang="pt-BR" altLang="pt-BR" sz="3200" dirty="0"/>
+              <a:t>, marital, </a:t>
+            </a:r>
+            <a:r>
+              <a:rPr lang="pt-BR" altLang="pt-BR" sz="3200" dirty="0" err="1"/>
+              <a:t>education</a:t>
+            </a:r>
+            <a:r>
+              <a:rPr lang="pt-BR" altLang="pt-BR" sz="3200" dirty="0"/>
+              <a:t>, balance, </a:t>
+            </a:r>
+            <a:r>
+              <a:rPr lang="pt-BR" altLang="pt-BR" sz="3200" dirty="0" err="1"/>
+              <a:t>housing</a:t>
+            </a:r>
+            <a:r>
+              <a:rPr lang="pt-BR" altLang="pt-BR" sz="3200" dirty="0"/>
               <a:t> </a:t>
             </a:r>
             <a:r>
-              <a:rPr lang="pt-BR" altLang="pt-BR" sz="3200"/>
-              <a:t>trabalho, </a:t>
-            </a:r>
-            <a:r>
-              <a:rPr lang="pt-BR" altLang="pt-BR" sz="3200" err="1"/>
-              <a:t>estado_civil</a:t>
-            </a:r>
-            <a:r>
-              <a:rPr lang="pt-BR" altLang="pt-BR" sz="3200"/>
-              <a:t>, escolaridade, saldo, </a:t>
-            </a:r>
-            <a:r>
-              <a:rPr lang="pt-BR" altLang="pt-BR" sz="3200" err="1"/>
-              <a:t>emp_habitacional</a:t>
-            </a:r>
-            <a:r>
-              <a:rPr lang="pt-BR" altLang="pt-BR" sz="3200"/>
+              <a:rPr lang="pt-BR" altLang="pt-BR" sz="3200" dirty="0" err="1"/>
+              <a:t>loan</a:t>
+            </a:r>
+            <a:r>
+              <a:rPr lang="pt-BR" altLang="pt-BR" sz="3200" dirty="0"/>
+              <a:t>, personal </a:t>
+            </a:r>
+            <a:r>
+              <a:rPr lang="pt-BR" altLang="pt-BR" sz="3200" dirty="0" err="1"/>
+              <a:t>loan</a:t>
+            </a:r>
+            <a:r>
+              <a:rPr lang="pt-BR" altLang="pt-BR" sz="3200" dirty="0"/>
               <a:t>, </a:t>
             </a:r>
             <a:r>
-              <a:rPr lang="pt-BR" altLang="pt-BR" sz="3200" err="1"/>
-              <a:t>emp_pessoal</a:t>
-            </a:r>
-            <a:r>
-              <a:rPr lang="pt-BR" altLang="pt-BR" sz="3200"/>
-              <a:t> e </a:t>
-            </a:r>
-            <a:r>
-              <a:rPr lang="pt-BR" altLang="pt-BR" sz="3200" err="1"/>
-              <a:t>tipo_contato</a:t>
-            </a:r>
-            <a:r>
-              <a:rPr lang="pt-BR" altLang="pt-BR" sz="3200"/>
-              <a:t>. A variável independente é o deposito.</a:t>
+              <a:rPr lang="pt-BR" altLang="pt-BR" sz="3200" dirty="0" err="1"/>
+              <a:t>and</a:t>
+            </a:r>
+            <a:r>
+              <a:rPr lang="pt-BR" altLang="pt-BR" sz="3200" dirty="0"/>
+              <a:t> </a:t>
+            </a:r>
+            <a:r>
+              <a:rPr lang="pt-BR" altLang="pt-BR" sz="3200" dirty="0" err="1"/>
+              <a:t>contact</a:t>
+            </a:r>
+            <a:r>
+              <a:rPr lang="pt-BR" altLang="pt-BR" sz="3200" dirty="0"/>
+              <a:t> </a:t>
+            </a:r>
+            <a:r>
+              <a:rPr lang="pt-BR" altLang="pt-BR" sz="3200" dirty="0" err="1"/>
+              <a:t>type</a:t>
+            </a:r>
+            <a:r>
+              <a:rPr lang="pt-BR" altLang="pt-BR" sz="3200" dirty="0"/>
+              <a:t>.</a:t>
             </a:r>
           </a:p>
           <a:p>
@@ -4983,7 +5041,57 @@
               <a:buSzTx/>
               <a:tabLst/>
             </a:pPr>
-            <a:endParaRPr lang="pt-BR" altLang="pt-BR" sz="3200"/>
+            <a:endParaRPr lang="pt-BR" altLang="pt-BR" sz="3200" dirty="0"/>
+          </a:p>
+          <a:p>
+            <a:pPr marL="0" marR="0" lvl="0" indent="0" algn="l" defTabSz="914400" rtl="0" eaLnBrk="0" fontAlgn="base" latinLnBrk="0" hangingPunct="0">
+              <a:lnSpc>
+                <a:spcPct val="100000"/>
+              </a:lnSpc>
+              <a:spcBef>
+                <a:spcPct val="0"/>
+              </a:spcBef>
+              <a:spcAft>
+                <a:spcPct val="0"/>
+              </a:spcAft>
+              <a:buClrTx/>
+              <a:buSzTx/>
+              <a:buFontTx/>
+              <a:buChar char="•"/>
+              <a:tabLst/>
+            </a:pPr>
+            <a:r>
+              <a:rPr lang="pt-BR" altLang="pt-BR" sz="3200" dirty="0" err="1">
+                <a:solidFill>
+                  <a:schemeClr val="tx2">
+                    <a:lumMod val="75000"/>
+                  </a:schemeClr>
+                </a:solidFill>
+              </a:rPr>
+              <a:t>Dependent</a:t>
+            </a:r>
+            <a:r>
+              <a:rPr lang="pt-BR" altLang="pt-BR" sz="3200" dirty="0">
+                <a:solidFill>
+                  <a:schemeClr val="tx2">
+                    <a:lumMod val="75000"/>
+                  </a:schemeClr>
+                </a:solidFill>
+              </a:rPr>
+              <a:t> Variable:</a:t>
+            </a:r>
+            <a:r>
+              <a:rPr lang="pt-BR" altLang="pt-BR" sz="3200" dirty="0"/>
+              <a:t> </a:t>
+            </a:r>
+            <a:r>
+              <a:rPr lang="pt-BR" altLang="pt-BR" sz="3200" dirty="0" err="1"/>
+              <a:t>deposit</a:t>
+            </a:r>
+            <a:r>
+              <a:rPr lang="pt-BR" altLang="pt-BR" sz="3200" dirty="0"/>
+              <a:t>.</a:t>
+            </a:r>
           </a:p>
           <a:p>
             <a:pPr marL="0" marR="0" lvl="0" indent="0" algn="l" defTabSz="914400" rtl="0" eaLnBrk="0" fontAlgn="base" latinLnBrk="0" hangingPunct="0">
@@ -5000,10 +5108,7 @@
               <a:buSzTx/>
               <a:tabLst/>
             </a:pPr>
-            <a:r>
-              <a:rPr lang="pt-BR" altLang="pt-BR" sz="3200"/>
-              <a:t>Outras variáveis foram removidas</a:t>
-            </a:r>
+            <a:endParaRPr lang="pt-BR" altLang="pt-BR" sz="3200" dirty="0"/>
           </a:p>
           <a:p>
             <a:pPr marL="0" marR="0" lvl="0" indent="0" algn="l" defTabSz="914400" rtl="0" eaLnBrk="0" fontAlgn="base" latinLnBrk="0" hangingPunct="0">
@@ -5018,20 +5123,179 @@
               </a:spcAft>
               <a:buClrTx/>
               <a:buSzTx/>
+              <a:buFontTx/>
+              <a:buChar char="•"/>
               <a:tabLst/>
             </a:pPr>
             <a:r>
-              <a:rPr lang="pt-BR" altLang="pt-BR" sz="3200"/>
-              <a:t>por serem desbalanceadas (como inadimplente), apresentarem baixa correlação com a variável ‘deposito’ ou por conterem vieses, podendo causar </a:t>
-            </a:r>
-            <a:r>
-              <a:rPr lang="pt-BR" altLang="pt-BR" sz="3200" err="1"/>
+              <a:rPr lang="pt-BR" altLang="pt-BR" sz="3200" dirty="0"/>
+              <a:t>Other </a:t>
+            </a:r>
+            <a:r>
+              <a:rPr lang="pt-BR" altLang="pt-BR" sz="3200" dirty="0" err="1"/>
+              <a:t>variables</a:t>
+            </a:r>
+            <a:r>
+              <a:rPr lang="pt-BR" altLang="pt-BR" sz="3200" dirty="0"/>
+              <a:t> </a:t>
+            </a:r>
+            <a:r>
+              <a:rPr lang="pt-BR" altLang="pt-BR" sz="3200" dirty="0" err="1"/>
+              <a:t>were</a:t>
+            </a:r>
+            <a:r>
+              <a:rPr lang="pt-BR" altLang="pt-BR" sz="3200" dirty="0"/>
+              <a:t> </a:t>
+            </a:r>
+            <a:r>
+              <a:rPr lang="pt-BR" altLang="pt-BR" sz="3200" dirty="0" err="1"/>
+              <a:t>removed</a:t>
+            </a:r>
+            <a:r>
+              <a:rPr lang="pt-BR" altLang="pt-BR" sz="3200" dirty="0"/>
+              <a:t> </a:t>
+            </a:r>
+            <a:r>
+              <a:rPr lang="pt-BR" altLang="pt-BR" sz="3200" dirty="0" err="1"/>
+              <a:t>because</a:t>
+            </a:r>
+            <a:r>
+              <a:rPr lang="pt-BR" altLang="pt-BR" sz="3200" dirty="0"/>
+              <a:t> </a:t>
+            </a:r>
+            <a:r>
+              <a:rPr lang="pt-BR" altLang="pt-BR" sz="3200" dirty="0" err="1"/>
+              <a:t>they</a:t>
+            </a:r>
+            <a:r>
+              <a:rPr lang="pt-BR" altLang="pt-BR" sz="3200" dirty="0"/>
+              <a:t> </a:t>
+            </a:r>
+            <a:r>
+              <a:rPr lang="pt-BR" altLang="pt-BR" sz="3200" dirty="0" err="1"/>
+              <a:t>were</a:t>
+            </a:r>
+            <a:r>
+              <a:rPr lang="pt-BR" altLang="pt-BR" sz="3200" dirty="0"/>
+              <a:t> </a:t>
+            </a:r>
+            <a:r>
+              <a:rPr lang="pt-BR" altLang="pt-BR" sz="3200" dirty="0" err="1"/>
+              <a:t>imbalanced</a:t>
+            </a:r>
+            <a:r>
+              <a:rPr lang="pt-BR" altLang="pt-BR" sz="3200" dirty="0"/>
+              <a:t> (e.g., </a:t>
+            </a:r>
+            <a:r>
+              <a:rPr lang="pt-BR" altLang="pt-BR" sz="3200" dirty="0" err="1"/>
+              <a:t>defaulted</a:t>
+            </a:r>
+            <a:r>
+              <a:rPr lang="pt-BR" altLang="pt-BR" sz="3200" dirty="0"/>
+              <a:t>), </a:t>
+            </a:r>
+            <a:r>
+              <a:rPr lang="pt-BR" altLang="pt-BR" sz="3200" dirty="0" err="1"/>
+              <a:t>showed</a:t>
+            </a:r>
+            <a:r>
+              <a:rPr lang="pt-BR" altLang="pt-BR" sz="3200" dirty="0"/>
+              <a:t> a </a:t>
+            </a:r>
+            <a:r>
+              <a:rPr lang="pt-BR" altLang="pt-BR" sz="3200" dirty="0" err="1"/>
+              <a:t>low</a:t>
+            </a:r>
+            <a:r>
+              <a:rPr lang="pt-BR" altLang="pt-BR" sz="3200" dirty="0"/>
+              <a:t> </a:t>
+            </a:r>
+            <a:r>
+              <a:rPr lang="pt-BR" altLang="pt-BR" sz="3200" dirty="0" err="1"/>
+              <a:t>correlation</a:t>
+            </a:r>
+            <a:r>
+              <a:rPr lang="pt-BR" altLang="pt-BR" sz="3200" dirty="0"/>
+              <a:t> </a:t>
+            </a:r>
+            <a:r>
+              <a:rPr lang="pt-BR" altLang="pt-BR" sz="3200" dirty="0" err="1"/>
+              <a:t>with</a:t>
+            </a:r>
+            <a:r>
+              <a:rPr lang="pt-BR" altLang="pt-BR" sz="3200" dirty="0"/>
+              <a:t> </a:t>
+            </a:r>
+            <a:r>
+              <a:rPr lang="pt-BR" altLang="pt-BR" sz="3200" dirty="0" err="1"/>
+              <a:t>the</a:t>
+            </a:r>
+            <a:r>
+              <a:rPr lang="pt-BR" altLang="pt-BR" sz="3200" dirty="0"/>
+              <a:t> '</a:t>
+            </a:r>
+            <a:r>
+              <a:rPr lang="pt-BR" altLang="pt-BR" sz="3200" dirty="0" err="1"/>
+              <a:t>deposit</a:t>
+            </a:r>
+            <a:r>
+              <a:rPr lang="pt-BR" altLang="pt-BR" sz="3200" dirty="0"/>
+              <a:t>' </a:t>
+            </a:r>
+            <a:r>
+              <a:rPr lang="pt-BR" altLang="pt-BR" sz="3200" dirty="0" err="1"/>
+              <a:t>variable</a:t>
+            </a:r>
+            <a:r>
+              <a:rPr lang="pt-BR" altLang="pt-BR" sz="3200" dirty="0"/>
+              <a:t>, </a:t>
+            </a:r>
+            <a:r>
+              <a:rPr lang="pt-BR" altLang="pt-BR" sz="3200" dirty="0" err="1"/>
+              <a:t>or</a:t>
+            </a:r>
+            <a:r>
+              <a:rPr lang="pt-BR" altLang="pt-BR" sz="3200" dirty="0"/>
+              <a:t> </a:t>
+            </a:r>
+            <a:r>
+              <a:rPr lang="pt-BR" altLang="pt-BR" sz="3200" dirty="0" err="1"/>
+              <a:t>contained</a:t>
+            </a:r>
+            <a:r>
+              <a:rPr lang="pt-BR" altLang="pt-BR" sz="3200" dirty="0"/>
+              <a:t> </a:t>
+            </a:r>
+            <a:r>
+              <a:rPr lang="pt-BR" altLang="pt-BR" sz="3200" dirty="0" err="1"/>
+              <a:t>biases</a:t>
+            </a:r>
+            <a:r>
+              <a:rPr lang="pt-BR" altLang="pt-BR" sz="3200" dirty="0"/>
+              <a:t> </a:t>
+            </a:r>
+            <a:r>
+              <a:rPr lang="pt-BR" altLang="pt-BR" sz="3200" dirty="0" err="1"/>
+              <a:t>that</a:t>
+            </a:r>
+            <a:r>
+              <a:rPr lang="pt-BR" altLang="pt-BR" sz="3200" dirty="0"/>
+              <a:t> </a:t>
+            </a:r>
+            <a:r>
+              <a:rPr lang="pt-BR" altLang="pt-BR" sz="3200" dirty="0" err="1"/>
+              <a:t>could</a:t>
+            </a:r>
+            <a:r>
+              <a:rPr lang="pt-BR" altLang="pt-BR" sz="3200" dirty="0"/>
+              <a:t> cause model </a:t>
+            </a:r>
+            <a:r>
+              <a:rPr lang="pt-BR" altLang="pt-BR" sz="3200" dirty="0" err="1"/>
               <a:t>overfitting</a:t>
             </a:r>
-            <a:r>
-              <a:rPr lang="pt-BR" altLang="pt-BR" sz="3200"/>
-              <a:t> no modelo.</a:t>
-            </a:r>
+            <a:endParaRPr lang="pt-BR" altLang="pt-BR" sz="3200" dirty="0"/>
           </a:p>
         </p:txBody>
       </p:sp>
@@ -6723,14 +6987,14 @@
               </a:spcBef>
             </a:pPr>
             <a:r>
-              <a:rPr lang="pt-BR" spc="-90">
+              <a:rPr lang="pt-BR" spc="-90" dirty="0">
                 <a:latin typeface="Cascadia Mono SemiBold" panose="020B0609020000020004" pitchFamily="49" charset="0"/>
                 <a:ea typeface="Cascadia Mono SemiBold" panose="020B0609020000020004" pitchFamily="49" charset="0"/>
                 <a:cs typeface="Cascadia Mono SemiBold" panose="020B0609020000020004" pitchFamily="49" charset="0"/>
               </a:rPr>
-              <a:t>Features mais importantes:</a:t>
-            </a:r>
-            <a:endParaRPr spc="-300">
+              <a:t>Most importante features:</a:t>
+            </a:r>
+            <a:endParaRPr spc="-300" dirty="0">
               <a:latin typeface="Cascadia Mono SemiBold" panose="020B0609020000020004" pitchFamily="49" charset="0"/>
               <a:ea typeface="Cascadia Mono SemiBold" panose="020B0609020000020004" pitchFamily="49" charset="0"/>
               <a:cs typeface="Cascadia Mono SemiBold" panose="020B0609020000020004" pitchFamily="49" charset="0"/>
@@ -6738,12 +7002,109 @@
           </a:p>
         </p:txBody>
       </p:sp>
+      <p:sp>
+        <p:nvSpPr>
+          <p:cNvPr id="13" name="CaixaDeTexto 12">
+            <a:extLst>
+              <a:ext uri="{FF2B5EF4-FFF2-40B4-BE49-F238E27FC236}">
+                <a16:creationId xmlns:a16="http://schemas.microsoft.com/office/drawing/2014/main" id="{4F6415DD-0C1F-BFA0-83EB-55D7EA7796E4}"/>
+              </a:ext>
+            </a:extLst>
+          </p:cNvPr>
+          <p:cNvSpPr txBox="1"/>
+          <p:nvPr/>
+        </p:nvSpPr>
+        <p:spPr>
+          <a:xfrm>
+            <a:off x="12209392" y="1702448"/>
+            <a:ext cx="3335407" cy="2062103"/>
+          </a:xfrm>
+          <a:prstGeom prst="rect">
+            <a:avLst/>
+          </a:prstGeom>
+          <a:noFill/>
+        </p:spPr>
+        <p:txBody>
+          <a:bodyPr wrap="square" rtlCol="0">
+            <a:spAutoFit/>
+          </a:bodyPr>
+          <a:lstStyle/>
+          <a:p>
+            <a:r>
+              <a:rPr lang="pt-BR" sz="3200" b="1" dirty="0">
+                <a:solidFill>
+                  <a:srgbClr val="FF0000"/>
+                </a:solidFill>
+              </a:rPr>
+              <a:t>Most </a:t>
+            </a:r>
+            <a:r>
+              <a:rPr lang="pt-BR" sz="3200" b="1" dirty="0" err="1">
+                <a:solidFill>
+                  <a:srgbClr val="FF0000"/>
+                </a:solidFill>
+              </a:rPr>
+              <a:t>important</a:t>
+            </a:r>
+            <a:r>
+              <a:rPr lang="pt-BR" sz="3200" b="1" dirty="0">
+                <a:solidFill>
+                  <a:srgbClr val="FF0000"/>
+                </a:solidFill>
+              </a:rPr>
+              <a:t>:</a:t>
+            </a:r>
+          </a:p>
+          <a:p>
+            <a:pPr marL="285750" indent="-285750">
+              <a:buFontTx/>
+              <a:buChar char="-"/>
+            </a:pPr>
+            <a:r>
+              <a:rPr lang="pt-BR" sz="3200" dirty="0">
+                <a:latin typeface="Cascadia Mono SemiBold" panose="020B0609020000020004" pitchFamily="49" charset="0"/>
+                <a:ea typeface="Cascadia Mono SemiBold" panose="020B0609020000020004" pitchFamily="49" charset="0"/>
+                <a:cs typeface="Cascadia Mono SemiBold" panose="020B0609020000020004" pitchFamily="49" charset="0"/>
+              </a:rPr>
+              <a:t>BALANCE</a:t>
+            </a:r>
+          </a:p>
+          <a:p>
+            <a:pPr marL="285750" indent="-285750">
+              <a:buFontTx/>
+              <a:buChar char="-"/>
+            </a:pPr>
+            <a:r>
+              <a:rPr lang="pt-BR" sz="3200" dirty="0">
+                <a:latin typeface="Cascadia Mono SemiBold" panose="020B0609020000020004" pitchFamily="49" charset="0"/>
+                <a:ea typeface="Cascadia Mono SemiBold" panose="020B0609020000020004" pitchFamily="49" charset="0"/>
+                <a:cs typeface="Cascadia Mono SemiBold" panose="020B0609020000020004" pitchFamily="49" charset="0"/>
+              </a:rPr>
+              <a:t>JOB</a:t>
+            </a:r>
+          </a:p>
+          <a:p>
+            <a:pPr marL="285750" indent="-285750">
+              <a:buFontTx/>
+              <a:buChar char="-"/>
+            </a:pPr>
+            <a:r>
+              <a:rPr lang="pt-BR" sz="3200" dirty="0">
+                <a:latin typeface="Cascadia Mono SemiBold" panose="020B0609020000020004" pitchFamily="49" charset="0"/>
+                <a:ea typeface="Cascadia Mono SemiBold" panose="020B0609020000020004" pitchFamily="49" charset="0"/>
+                <a:cs typeface="Cascadia Mono SemiBold" panose="020B0609020000020004" pitchFamily="49" charset="0"/>
+              </a:rPr>
+              <a:t>AGE</a:t>
+            </a:r>
+          </a:p>
+        </p:txBody>
+      </p:sp>
       <p:pic>
         <p:nvPicPr>
-          <p:cNvPr id="6" name="Imagem 5">
+          <p:cNvPr id="7" name="Imagem 6">
             <a:extLst>
               <a:ext uri="{FF2B5EF4-FFF2-40B4-BE49-F238E27FC236}">
-                <a16:creationId xmlns:a16="http://schemas.microsoft.com/office/drawing/2014/main" id="{DA44DB2E-0A9F-BF30-0245-C65DEC557447}"/>
+                <a16:creationId xmlns:a16="http://schemas.microsoft.com/office/drawing/2014/main" id="{71E74E8C-F6B3-8C0A-F598-BA8750926FC1}"/>
               </a:ext>
             </a:extLst>
           </p:cNvPr>
@@ -6760,95 +7121,14 @@
         </p:blipFill>
         <p:spPr>
           <a:xfrm>
-            <a:off x="2895600" y="1534164"/>
-            <a:ext cx="9396817" cy="7744179"/>
+            <a:off x="2074460" y="1482423"/>
+            <a:ext cx="10134932" cy="7322154"/>
           </a:xfrm>
           <a:prstGeom prst="rect">
             <a:avLst/>
           </a:prstGeom>
         </p:spPr>
       </p:pic>
-      <p:sp>
-        <p:nvSpPr>
-          <p:cNvPr id="13" name="CaixaDeTexto 12">
-            <a:extLst>
-              <a:ext uri="{FF2B5EF4-FFF2-40B4-BE49-F238E27FC236}">
-                <a16:creationId xmlns:a16="http://schemas.microsoft.com/office/drawing/2014/main" id="{4F6415DD-0C1F-BFA0-83EB-55D7EA7796E4}"/>
-              </a:ext>
-            </a:extLst>
-          </p:cNvPr>
-          <p:cNvSpPr txBox="1"/>
-          <p:nvPr/>
-        </p:nvSpPr>
-        <p:spPr>
-          <a:xfrm>
-            <a:off x="12209392" y="1702448"/>
-            <a:ext cx="3335407" cy="2554545"/>
-          </a:xfrm>
-          <a:prstGeom prst="rect">
-            <a:avLst/>
-          </a:prstGeom>
-          <a:noFill/>
-        </p:spPr>
-        <p:txBody>
-          <a:bodyPr wrap="square" rtlCol="0">
-            <a:spAutoFit/>
-          </a:bodyPr>
-          <a:lstStyle/>
-          <a:p>
-            <a:r>
-              <a:rPr lang="pt-BR" sz="3200" b="1">
-                <a:solidFill>
-                  <a:srgbClr val="FF0000"/>
-                </a:solidFill>
-              </a:rPr>
-              <a:t>Variáveis mais importantes:</a:t>
-            </a:r>
-          </a:p>
-          <a:p>
-            <a:pPr marL="285750" indent="-285750">
-              <a:buFontTx/>
-              <a:buChar char="-"/>
-            </a:pPr>
-            <a:r>
-              <a:rPr lang="pt-BR" sz="3200">
-                <a:latin typeface="Cascadia Mono SemiBold" panose="020B0609020000020004" pitchFamily="49" charset="0"/>
-                <a:ea typeface="Cascadia Mono SemiBold" panose="020B0609020000020004" pitchFamily="49" charset="0"/>
-                <a:cs typeface="Cascadia Mono SemiBold" panose="020B0609020000020004" pitchFamily="49" charset="0"/>
-              </a:rPr>
-              <a:t>SALDO</a:t>
-            </a:r>
-          </a:p>
-          <a:p>
-            <a:pPr marL="285750" indent="-285750">
-              <a:buFontTx/>
-              <a:buChar char="-"/>
-            </a:pPr>
-            <a:r>
-              <a:rPr lang="pt-BR" sz="3200">
-                <a:latin typeface="Cascadia Mono SemiBold" panose="020B0609020000020004" pitchFamily="49" charset="0"/>
-                <a:ea typeface="Cascadia Mono SemiBold" panose="020B0609020000020004" pitchFamily="49" charset="0"/>
-                <a:cs typeface="Cascadia Mono SemiBold" panose="020B0609020000020004" pitchFamily="49" charset="0"/>
-              </a:rPr>
-              <a:t>TRABALHO</a:t>
-            </a:r>
-          </a:p>
-          <a:p>
-            <a:pPr marL="285750" indent="-285750">
-              <a:buFontTx/>
-              <a:buChar char="-"/>
-            </a:pPr>
-            <a:r>
-              <a:rPr lang="pt-BR" sz="3200">
-                <a:latin typeface="Cascadia Mono SemiBold" panose="020B0609020000020004" pitchFamily="49" charset="0"/>
-                <a:ea typeface="Cascadia Mono SemiBold" panose="020B0609020000020004" pitchFamily="49" charset="0"/>
-                <a:cs typeface="Cascadia Mono SemiBold" panose="020B0609020000020004" pitchFamily="49" charset="0"/>
-              </a:rPr>
-              <a:t>IDADE</a:t>
-            </a:r>
-          </a:p>
-        </p:txBody>
-      </p:sp>
     </p:spTree>
     <p:extLst>
       <p:ext uri="{BB962C8B-B14F-4D97-AF65-F5344CB8AC3E}">
@@ -8537,114 +8817,97 @@
               </a:spcBef>
             </a:pPr>
             <a:r>
-              <a:rPr lang="pt-BR" spc="-90">
+              <a:rPr lang="pt-BR" spc="-90" dirty="0" err="1">
                 <a:latin typeface="Cascadia Mono SemiBold" panose="020B0609020000020004" pitchFamily="49" charset="0"/>
                 <a:ea typeface="Cascadia Mono SemiBold" panose="020B0609020000020004" pitchFamily="49" charset="0"/>
                 <a:cs typeface="Cascadia Mono SemiBold" panose="020B0609020000020004" pitchFamily="49" charset="0"/>
               </a:rPr>
-              <a:t>Finalizando</a:t>
+              <a:t>Ending</a:t>
             </a:r>
             <a:br>
-              <a:rPr lang="pt-BR" spc="-90">
+              <a:rPr lang="pt-BR" spc="-90" dirty="0">
                 <a:latin typeface="Cascadia Mono SemiBold" panose="020B0609020000020004" pitchFamily="49" charset="0"/>
                 <a:ea typeface="Cascadia Mono SemiBold" panose="020B0609020000020004" pitchFamily="49" charset="0"/>
                 <a:cs typeface="Cascadia Mono SemiBold" panose="020B0609020000020004" pitchFamily="49" charset="0"/>
               </a:rPr>
             </a:br>
             <a:r>
-              <a:rPr lang="pt-BR" sz="2000" spc="-90">
+              <a:rPr lang="pt-BR" sz="2000" spc="-90" dirty="0">
                 <a:latin typeface="Cascadia Mono SemiBold" panose="020B0609020000020004" pitchFamily="49" charset="0"/>
                 <a:ea typeface="Cascadia Mono SemiBold" panose="020B0609020000020004" pitchFamily="49" charset="0"/>
                 <a:cs typeface="Cascadia Mono SemiBold" panose="020B0609020000020004" pitchFamily="49" charset="0"/>
               </a:rPr>
-              <a:t>(de acordo com os objetivos mencionados):</a:t>
-            </a:r>
-            <a:endParaRPr sz="2000" spc="-300">
+              <a:t>(</a:t>
+            </a:r>
+            <a:r>
+              <a:rPr lang="pt-BR" sz="2000" spc="-90" dirty="0" err="1">
+                <a:latin typeface="Cascadia Mono SemiBold" panose="020B0609020000020004" pitchFamily="49" charset="0"/>
+                <a:ea typeface="Cascadia Mono SemiBold" panose="020B0609020000020004" pitchFamily="49" charset="0"/>
+                <a:cs typeface="Cascadia Mono SemiBold" panose="020B0609020000020004" pitchFamily="49" charset="0"/>
+              </a:rPr>
+              <a:t>according</a:t>
+            </a:r>
+            <a:r>
+              <a:rPr lang="pt-BR" sz="2000" spc="-90" dirty="0">
+                <a:latin typeface="Cascadia Mono SemiBold" panose="020B0609020000020004" pitchFamily="49" charset="0"/>
+                <a:ea typeface="Cascadia Mono SemiBold" panose="020B0609020000020004" pitchFamily="49" charset="0"/>
+                <a:cs typeface="Cascadia Mono SemiBold" panose="020B0609020000020004" pitchFamily="49" charset="0"/>
+              </a:rPr>
+              <a:t> </a:t>
+            </a:r>
+            <a:r>
+              <a:rPr lang="pt-BR" sz="2000" spc="-90" dirty="0" err="1">
+                <a:latin typeface="Cascadia Mono SemiBold" panose="020B0609020000020004" pitchFamily="49" charset="0"/>
+                <a:ea typeface="Cascadia Mono SemiBold" panose="020B0609020000020004" pitchFamily="49" charset="0"/>
+                <a:cs typeface="Cascadia Mono SemiBold" panose="020B0609020000020004" pitchFamily="49" charset="0"/>
+              </a:rPr>
+              <a:t>to</a:t>
+            </a:r>
+            <a:r>
+              <a:rPr lang="pt-BR" sz="2000" spc="-90" dirty="0">
+                <a:latin typeface="Cascadia Mono SemiBold" panose="020B0609020000020004" pitchFamily="49" charset="0"/>
+                <a:ea typeface="Cascadia Mono SemiBold" panose="020B0609020000020004" pitchFamily="49" charset="0"/>
+                <a:cs typeface="Cascadia Mono SemiBold" panose="020B0609020000020004" pitchFamily="49" charset="0"/>
+              </a:rPr>
+              <a:t> </a:t>
+            </a:r>
+            <a:r>
+              <a:rPr lang="pt-BR" sz="2000" spc="-90" dirty="0" err="1">
+                <a:latin typeface="Cascadia Mono SemiBold" panose="020B0609020000020004" pitchFamily="49" charset="0"/>
+                <a:ea typeface="Cascadia Mono SemiBold" panose="020B0609020000020004" pitchFamily="49" charset="0"/>
+                <a:cs typeface="Cascadia Mono SemiBold" panose="020B0609020000020004" pitchFamily="49" charset="0"/>
+              </a:rPr>
+              <a:t>mentioned</a:t>
+            </a:r>
+            <a:r>
+              <a:rPr lang="pt-BR" sz="2000" spc="-90" dirty="0">
+                <a:latin typeface="Cascadia Mono SemiBold" panose="020B0609020000020004" pitchFamily="49" charset="0"/>
+                <a:ea typeface="Cascadia Mono SemiBold" panose="020B0609020000020004" pitchFamily="49" charset="0"/>
+                <a:cs typeface="Cascadia Mono SemiBold" panose="020B0609020000020004" pitchFamily="49" charset="0"/>
+              </a:rPr>
+              <a:t> </a:t>
+            </a:r>
+            <a:r>
+              <a:rPr lang="pt-BR" sz="2000" spc="-90" dirty="0" err="1">
+                <a:latin typeface="Cascadia Mono SemiBold" panose="020B0609020000020004" pitchFamily="49" charset="0"/>
+                <a:ea typeface="Cascadia Mono SemiBold" panose="020B0609020000020004" pitchFamily="49" charset="0"/>
+                <a:cs typeface="Cascadia Mono SemiBold" panose="020B0609020000020004" pitchFamily="49" charset="0"/>
+              </a:rPr>
+              <a:t>objectives</a:t>
+            </a:r>
+            <a:r>
+              <a:rPr lang="pt-BR" sz="2000" spc="-90" dirty="0">
+                <a:latin typeface="Cascadia Mono SemiBold" panose="020B0609020000020004" pitchFamily="49" charset="0"/>
+                <a:ea typeface="Cascadia Mono SemiBold" panose="020B0609020000020004" pitchFamily="49" charset="0"/>
+                <a:cs typeface="Cascadia Mono SemiBold" panose="020B0609020000020004" pitchFamily="49" charset="0"/>
+              </a:rPr>
+              <a:t>):</a:t>
+            </a:r>
+            <a:endParaRPr sz="2000" spc="-300" dirty="0">
               <a:latin typeface="Cascadia Mono SemiBold" panose="020B0609020000020004" pitchFamily="49" charset="0"/>
               <a:ea typeface="Cascadia Mono SemiBold" panose="020B0609020000020004" pitchFamily="49" charset="0"/>
               <a:cs typeface="Cascadia Mono SemiBold" panose="020B0609020000020004" pitchFamily="49" charset="0"/>
             </a:endParaRPr>
-          </a:p>
-        </p:txBody>
-      </p:sp>
-      <p:sp>
-        <p:nvSpPr>
-          <p:cNvPr id="7" name="CaixaDeTexto 6">
-            <a:extLst>
-              <a:ext uri="{FF2B5EF4-FFF2-40B4-BE49-F238E27FC236}">
-                <a16:creationId xmlns:a16="http://schemas.microsoft.com/office/drawing/2014/main" id="{E4740B12-4B1A-2129-4F13-BDD7B922F334}"/>
-              </a:ext>
-            </a:extLst>
-          </p:cNvPr>
-          <p:cNvSpPr txBox="1"/>
-          <p:nvPr/>
-        </p:nvSpPr>
-        <p:spPr>
-          <a:xfrm flipH="1">
-            <a:off x="1493513" y="2324100"/>
-            <a:ext cx="15651486" cy="4031873"/>
-          </a:xfrm>
-          <a:prstGeom prst="rect">
-            <a:avLst/>
-          </a:prstGeom>
-          <a:noFill/>
-        </p:spPr>
-        <p:txBody>
-          <a:bodyPr wrap="square" lIns="91440" tIns="45720" rIns="91440" bIns="45720" rtlCol="0" anchor="t">
-            <a:spAutoFit/>
-          </a:bodyPr>
-          <a:lstStyle/>
-          <a:p>
-            <a:r>
-              <a:rPr lang="pt-BR" sz="3200" dirty="0"/>
-              <a:t>-   Os perfis de clientes mais amplos que o banco possui são de jovens ou idosos, </a:t>
-            </a:r>
-            <a:r>
-              <a:rPr lang="pt-BR" sz="3200"/>
-              <a:t>com um bom capital guardado e sem empréstimo habitacional.  </a:t>
-            </a:r>
-          </a:p>
-          <a:p>
-            <a:endParaRPr lang="pt-BR" sz="3200"/>
-          </a:p>
-          <a:p>
-            <a:pPr marL="457200" indent="-457200">
-              <a:buFontTx/>
-              <a:buChar char="-"/>
-            </a:pPr>
-            <a:r>
-              <a:rPr lang="pt-BR" sz="3200" dirty="0"/>
-              <a:t>Efetiva-se ou não boa parte dos contratos através do primeiro contato com </a:t>
-            </a:r>
-          </a:p>
-          <a:p>
-            <a:r>
-              <a:rPr lang="pt-BR" sz="3200" dirty="0"/>
-              <a:t>o cliente.</a:t>
-            </a:r>
-          </a:p>
-          <a:p>
-            <a:pPr marL="457200" indent="-457200">
-              <a:buFontTx/>
-              <a:buChar char="-"/>
-            </a:pPr>
-            <a:endParaRPr lang="pt-BR" sz="3200"/>
-          </a:p>
-          <a:p>
-            <a:pPr marL="457200" indent="-457200">
-              <a:buFontTx/>
-              <a:buChar char="-"/>
-            </a:pPr>
-            <a:r>
-              <a:rPr lang="pt-BR" sz="3200" dirty="0"/>
-              <a:t>Descobrindo a idade, trabalho e saldo financeiro do cliente, conseguimos obter</a:t>
-            </a:r>
-          </a:p>
-          <a:p>
-            <a:r>
-              <a:rPr lang="pt-BR" sz="3200" dirty="0"/>
-              <a:t>uma boa estimativa acerca da possibilidade do cliente investir através do banco.</a:t>
-            </a:r>
           </a:p>
         </p:txBody>
       </p:sp>
@@ -8664,7 +8927,7 @@
         </p:nvSpPr>
         <p:spPr>
           <a:xfrm>
-            <a:off x="6903085" y="7964606"/>
+            <a:off x="6629400" y="7979637"/>
             <a:ext cx="6409827" cy="755335"/>
           </a:xfrm>
           <a:prstGeom prst="rect">
@@ -8694,16 +8957,16 @@
               </a:spcBef>
             </a:pPr>
             <a:r>
-              <a:rPr lang="pt-BR" b="1" spc="484">
+              <a:rPr lang="pt-BR" b="1" spc="484" dirty="0">
                 <a:solidFill>
                   <a:srgbClr val="000000"/>
                 </a:solidFill>
                 <a:latin typeface="Trebuchet MS"/>
                 <a:cs typeface="Trebuchet MS"/>
               </a:rPr>
-              <a:t>OBRIGADO!</a:t>
-            </a:r>
-            <a:endParaRPr lang="pt-BR">
+              <a:t>THANK YOU!</a:t>
+            </a:r>
+            <a:endParaRPr lang="pt-BR" dirty="0">
               <a:latin typeface="Trebuchet MS"/>
               <a:cs typeface="Trebuchet MS"/>
             </a:endParaRPr>
@@ -8747,22 +9010,576 @@
               </a:spcBef>
             </a:pPr>
             <a:r>
-              <a:rPr lang="pt-BR" sz="2400" spc="-140">
+              <a:rPr lang="pt-BR" sz="2400" spc="-140" dirty="0">
                 <a:solidFill>
                   <a:srgbClr val="FF0000"/>
                 </a:solidFill>
                 <a:latin typeface="Verdana"/>
                 <a:cs typeface="Verdana"/>
               </a:rPr>
-              <a:t>Matheus Felipe, 27/08/2025</a:t>
-            </a:r>
-            <a:endParaRPr lang="pt-BR" sz="2400">
+              <a:t>Matheus Felipe, 04/09/2025</a:t>
+            </a:r>
+            <a:endParaRPr lang="pt-BR" sz="2400" dirty="0">
               <a:solidFill>
                 <a:srgbClr val="FF0000"/>
               </a:solidFill>
               <a:latin typeface="Verdana"/>
               <a:cs typeface="Verdana"/>
             </a:endParaRPr>
+          </a:p>
+        </p:txBody>
+      </p:sp>
+      <p:sp>
+        <p:nvSpPr>
+          <p:cNvPr id="6" name="Rectangle 1">
+            <a:extLst>
+              <a:ext uri="{FF2B5EF4-FFF2-40B4-BE49-F238E27FC236}">
+                <a16:creationId xmlns:a16="http://schemas.microsoft.com/office/drawing/2014/main" id="{88F6BFB5-4B58-7E49-5D1F-105B3EF57A39}"/>
+              </a:ext>
+            </a:extLst>
+          </p:cNvPr>
+          <p:cNvSpPr>
+            <a:spLocks noChangeArrowheads="1"/>
+          </p:cNvSpPr>
+          <p:nvPr/>
+        </p:nvSpPr>
+        <p:spPr bwMode="auto">
+          <a:xfrm>
+            <a:off x="1130891" y="2395672"/>
+            <a:ext cx="16026218" cy="4031873"/>
+          </a:xfrm>
+          <a:prstGeom prst="rect">
+            <a:avLst/>
+          </a:prstGeom>
+          <a:noFill/>
+          <a:ln>
+            <a:noFill/>
+          </a:ln>
+          <a:effectLst/>
+          <a:extLst>
+            <a:ext uri="{909E8E84-426E-40DD-AFC4-6F175D3DCCD1}">
+              <a14:hiddenFill xmlns:a14="http://schemas.microsoft.com/office/drawing/2010/main">
+                <a:solidFill>
+                  <a:schemeClr val="accent1"/>
+                </a:solidFill>
+              </a14:hiddenFill>
+            </a:ext>
+            <a:ext uri="{91240B29-F687-4F45-9708-019B960494DF}">
+              <a14:hiddenLine xmlns:a14="http://schemas.microsoft.com/office/drawing/2010/main" w="9525">
+                <a:solidFill>
+                  <a:schemeClr val="tx1"/>
+                </a:solidFill>
+                <a:miter lim="800000"/>
+                <a:headEnd/>
+                <a:tailEnd/>
+              </a14:hiddenLine>
+            </a:ext>
+            <a:ext uri="{AF507438-7753-43E0-B8FC-AC1667EBCBE1}">
+              <a14:hiddenEffects xmlns:a14="http://schemas.microsoft.com/office/drawing/2010/main">
+                <a:effectLst>
+                  <a:outerShdw dist="35921" dir="2700000" algn="ctr" rotWithShape="0">
+                    <a:schemeClr val="bg2"/>
+                  </a:outerShdw>
+                </a:effectLst>
+              </a14:hiddenEffects>
+            </a:ext>
+          </a:extLst>
+        </p:spPr>
+        <p:txBody>
+          <a:bodyPr vert="horz" wrap="square" lIns="91440" tIns="45720" rIns="91440" bIns="45720" numCol="1" anchor="ctr" anchorCtr="0" compatLnSpc="1">
+            <a:prstTxWarp prst="textNoShape">
+              <a:avLst/>
+            </a:prstTxWarp>
+            <a:spAutoFit/>
+          </a:bodyPr>
+          <a:lstStyle/>
+          <a:p>
+            <a:pPr marL="0" marR="0" lvl="0" indent="0" algn="l" defTabSz="914400" rtl="0" eaLnBrk="0" fontAlgn="base" latinLnBrk="0" hangingPunct="0">
+              <a:lnSpc>
+                <a:spcPct val="100000"/>
+              </a:lnSpc>
+              <a:spcBef>
+                <a:spcPct val="0"/>
+              </a:spcBef>
+              <a:spcAft>
+                <a:spcPct val="0"/>
+              </a:spcAft>
+              <a:buClrTx/>
+              <a:buSzTx/>
+              <a:buFontTx/>
+              <a:buChar char="•"/>
+              <a:tabLst/>
+            </a:pPr>
+            <a:r>
+              <a:rPr lang="pt-BR" altLang="pt-BR" sz="3200" dirty="0"/>
+              <a:t>The </a:t>
+            </a:r>
+            <a:r>
+              <a:rPr lang="pt-BR" altLang="pt-BR" sz="3200" dirty="0" err="1"/>
+              <a:t>broadest</a:t>
+            </a:r>
+            <a:r>
+              <a:rPr lang="pt-BR" altLang="pt-BR" sz="3200" dirty="0"/>
+              <a:t> </a:t>
+            </a:r>
+            <a:r>
+              <a:rPr lang="pt-BR" altLang="pt-BR" sz="3200" dirty="0" err="1"/>
+              <a:t>client</a:t>
+            </a:r>
+            <a:r>
+              <a:rPr lang="pt-BR" altLang="pt-BR" sz="3200" dirty="0"/>
+              <a:t> profiles </a:t>
+            </a:r>
+            <a:r>
+              <a:rPr lang="pt-BR" altLang="pt-BR" sz="3200" dirty="0" err="1"/>
+              <a:t>the</a:t>
+            </a:r>
+            <a:r>
+              <a:rPr lang="pt-BR" altLang="pt-BR" sz="3200" dirty="0"/>
+              <a:t> bank </a:t>
+            </a:r>
+            <a:r>
+              <a:rPr lang="pt-BR" altLang="pt-BR" sz="3200" dirty="0" err="1"/>
+              <a:t>has</a:t>
+            </a:r>
+            <a:r>
+              <a:rPr lang="pt-BR" altLang="pt-BR" sz="3200" dirty="0"/>
+              <a:t> are </a:t>
+            </a:r>
+            <a:r>
+              <a:rPr lang="pt-BR" altLang="pt-BR" sz="3200" dirty="0" err="1"/>
+              <a:t>young</a:t>
+            </a:r>
+            <a:r>
+              <a:rPr lang="pt-BR" altLang="pt-BR" sz="3200" dirty="0"/>
+              <a:t> </a:t>
+            </a:r>
+            <a:r>
+              <a:rPr lang="pt-BR" altLang="pt-BR" sz="3200" dirty="0" err="1"/>
+              <a:t>or</a:t>
+            </a:r>
+            <a:r>
+              <a:rPr lang="pt-BR" altLang="pt-BR" sz="3200" dirty="0"/>
+              <a:t> </a:t>
+            </a:r>
+            <a:r>
+              <a:rPr lang="pt-BR" altLang="pt-BR" sz="3200" dirty="0" err="1"/>
+              <a:t>elderly</a:t>
+            </a:r>
+            <a:r>
+              <a:rPr lang="pt-BR" altLang="pt-BR" sz="3200" dirty="0"/>
+              <a:t> </a:t>
+            </a:r>
+            <a:r>
+              <a:rPr lang="pt-BR" altLang="pt-BR" sz="3200" dirty="0" err="1"/>
+              <a:t>individuals</a:t>
+            </a:r>
+            <a:r>
+              <a:rPr lang="pt-BR" altLang="pt-BR" sz="3200" dirty="0"/>
+              <a:t> </a:t>
+            </a:r>
+            <a:r>
+              <a:rPr lang="pt-BR" altLang="pt-BR" sz="3200" dirty="0" err="1"/>
+              <a:t>with</a:t>
+            </a:r>
+            <a:r>
+              <a:rPr lang="pt-BR" altLang="pt-BR" sz="3200" dirty="0"/>
+              <a:t> a </a:t>
+            </a:r>
+            <a:r>
+              <a:rPr lang="pt-BR" altLang="pt-BR" sz="3200" dirty="0" err="1"/>
+              <a:t>good</a:t>
+            </a:r>
+            <a:r>
+              <a:rPr lang="pt-BR" altLang="pt-BR" sz="3200" dirty="0"/>
+              <a:t> </a:t>
+            </a:r>
+            <a:r>
+              <a:rPr lang="pt-BR" altLang="pt-BR" sz="3200" dirty="0" err="1"/>
+              <a:t>amount</a:t>
+            </a:r>
+            <a:r>
+              <a:rPr lang="pt-BR" altLang="pt-BR" sz="3200" dirty="0"/>
+              <a:t> </a:t>
+            </a:r>
+            <a:r>
+              <a:rPr lang="pt-BR" altLang="pt-BR" sz="3200" dirty="0" err="1"/>
+              <a:t>of</a:t>
+            </a:r>
+            <a:r>
+              <a:rPr lang="pt-BR" altLang="pt-BR" sz="3200" dirty="0"/>
+              <a:t> capital </a:t>
+            </a:r>
+            <a:r>
+              <a:rPr lang="pt-BR" altLang="pt-BR" sz="3200" dirty="0" err="1"/>
+              <a:t>saved</a:t>
+            </a:r>
+            <a:r>
+              <a:rPr lang="pt-BR" altLang="pt-BR" sz="3200" dirty="0"/>
+              <a:t> </a:t>
+            </a:r>
+            <a:r>
+              <a:rPr lang="pt-BR" altLang="pt-BR" sz="3200" dirty="0" err="1"/>
+              <a:t>and</a:t>
+            </a:r>
+            <a:r>
+              <a:rPr lang="pt-BR" altLang="pt-BR" sz="3200" dirty="0"/>
+              <a:t> no </a:t>
+            </a:r>
+            <a:r>
+              <a:rPr lang="pt-BR" altLang="pt-BR" sz="3200" dirty="0" err="1"/>
+              <a:t>housing</a:t>
+            </a:r>
+            <a:r>
+              <a:rPr lang="pt-BR" altLang="pt-BR" sz="3200" dirty="0"/>
+              <a:t> </a:t>
+            </a:r>
+            <a:r>
+              <a:rPr lang="pt-BR" altLang="pt-BR" sz="3200" dirty="0" err="1"/>
+              <a:t>loan</a:t>
+            </a:r>
+            <a:r>
+              <a:rPr lang="pt-BR" altLang="pt-BR" sz="3200" dirty="0"/>
+              <a:t>.</a:t>
+            </a:r>
+          </a:p>
+          <a:p>
+            <a:pPr marL="0" marR="0" lvl="0" indent="0" algn="l" defTabSz="914400" rtl="0" eaLnBrk="0" fontAlgn="base" latinLnBrk="0" hangingPunct="0">
+              <a:lnSpc>
+                <a:spcPct val="100000"/>
+              </a:lnSpc>
+              <a:spcBef>
+                <a:spcPct val="0"/>
+              </a:spcBef>
+              <a:spcAft>
+                <a:spcPct val="0"/>
+              </a:spcAft>
+              <a:buClrTx/>
+              <a:buSzTx/>
+              <a:tabLst/>
+            </a:pPr>
+            <a:endParaRPr lang="pt-BR" altLang="pt-BR" sz="3200" dirty="0"/>
+          </a:p>
+          <a:p>
+            <a:pPr marL="0" marR="0" lvl="0" indent="0" algn="l" defTabSz="914400" rtl="0" eaLnBrk="0" fontAlgn="base" latinLnBrk="0" hangingPunct="0">
+              <a:lnSpc>
+                <a:spcPct val="100000"/>
+              </a:lnSpc>
+              <a:spcBef>
+                <a:spcPct val="0"/>
+              </a:spcBef>
+              <a:spcAft>
+                <a:spcPct val="0"/>
+              </a:spcAft>
+              <a:buClrTx/>
+              <a:buSzTx/>
+              <a:buFontTx/>
+              <a:buChar char="•"/>
+              <a:tabLst/>
+            </a:pPr>
+            <a:r>
+              <a:rPr lang="pt-BR" altLang="pt-BR" sz="3200" dirty="0"/>
+              <a:t>A </a:t>
+            </a:r>
+            <a:r>
+              <a:rPr lang="pt-BR" altLang="pt-BR" sz="3200" dirty="0" err="1"/>
+              <a:t>good</a:t>
+            </a:r>
+            <a:r>
+              <a:rPr lang="pt-BR" altLang="pt-BR" sz="3200" dirty="0"/>
+              <a:t> </a:t>
+            </a:r>
+            <a:r>
+              <a:rPr lang="pt-BR" altLang="pt-BR" sz="3200" dirty="0" err="1"/>
+              <a:t>portion</a:t>
+            </a:r>
+            <a:r>
+              <a:rPr lang="pt-BR" altLang="pt-BR" sz="3200" dirty="0"/>
+              <a:t> </a:t>
+            </a:r>
+            <a:r>
+              <a:rPr lang="pt-BR" altLang="pt-BR" sz="3200" dirty="0" err="1"/>
+              <a:t>of</a:t>
+            </a:r>
+            <a:r>
+              <a:rPr lang="pt-BR" altLang="pt-BR" sz="3200" dirty="0"/>
+              <a:t> </a:t>
+            </a:r>
+            <a:r>
+              <a:rPr lang="pt-BR" altLang="pt-BR" sz="3200" dirty="0" err="1"/>
+              <a:t>contracts</a:t>
+            </a:r>
+            <a:r>
+              <a:rPr lang="pt-BR" altLang="pt-BR" sz="3200" dirty="0"/>
+              <a:t> are </a:t>
+            </a:r>
+            <a:r>
+              <a:rPr lang="pt-BR" altLang="pt-BR" sz="3200" dirty="0" err="1"/>
+              <a:t>either</a:t>
+            </a:r>
+            <a:r>
+              <a:rPr lang="pt-BR" altLang="pt-BR" sz="3200" dirty="0"/>
+              <a:t> </a:t>
+            </a:r>
+            <a:r>
+              <a:rPr lang="pt-BR" altLang="pt-BR" sz="3200" dirty="0" err="1"/>
+              <a:t>signed</a:t>
+            </a:r>
+            <a:r>
+              <a:rPr lang="pt-BR" altLang="pt-BR" sz="3200" dirty="0"/>
+              <a:t> </a:t>
+            </a:r>
+            <a:r>
+              <a:rPr lang="pt-BR" altLang="pt-BR" sz="3200" dirty="0" err="1"/>
+              <a:t>or</a:t>
+            </a:r>
+            <a:r>
+              <a:rPr lang="pt-BR" altLang="pt-BR" sz="3200" dirty="0"/>
+              <a:t> </a:t>
+            </a:r>
+            <a:r>
+              <a:rPr lang="pt-BR" altLang="pt-BR" sz="3200" dirty="0" err="1"/>
+              <a:t>not</a:t>
+            </a:r>
+            <a:r>
+              <a:rPr lang="pt-BR" altLang="pt-BR" sz="3200" dirty="0"/>
+              <a:t> </a:t>
+            </a:r>
+            <a:r>
+              <a:rPr lang="pt-BR" altLang="pt-BR" sz="3200" dirty="0" err="1"/>
+              <a:t>signed</a:t>
+            </a:r>
+            <a:r>
+              <a:rPr lang="pt-BR" altLang="pt-BR" sz="3200" dirty="0"/>
+              <a:t> </a:t>
+            </a:r>
+            <a:r>
+              <a:rPr lang="pt-BR" altLang="pt-BR" sz="3200" dirty="0" err="1"/>
+              <a:t>during</a:t>
+            </a:r>
+            <a:r>
+              <a:rPr lang="pt-BR" altLang="pt-BR" sz="3200" dirty="0"/>
+              <a:t> </a:t>
+            </a:r>
+            <a:r>
+              <a:rPr lang="pt-BR" altLang="pt-BR" sz="3200" dirty="0" err="1"/>
+              <a:t>the</a:t>
+            </a:r>
+            <a:r>
+              <a:rPr lang="pt-BR" altLang="pt-BR" sz="3200" dirty="0"/>
+              <a:t> </a:t>
+            </a:r>
+            <a:r>
+              <a:rPr lang="pt-BR" altLang="pt-BR" sz="3200" dirty="0" err="1"/>
+              <a:t>first</a:t>
+            </a:r>
+            <a:r>
+              <a:rPr lang="pt-BR" altLang="pt-BR" sz="3200" dirty="0"/>
+              <a:t> </a:t>
+            </a:r>
+            <a:r>
+              <a:rPr lang="pt-BR" altLang="pt-BR" sz="3200" dirty="0" err="1"/>
+              <a:t>contact</a:t>
+            </a:r>
+            <a:r>
+              <a:rPr lang="pt-BR" altLang="pt-BR" sz="3200" dirty="0"/>
+              <a:t> </a:t>
+            </a:r>
+            <a:r>
+              <a:rPr lang="pt-BR" altLang="pt-BR" sz="3200" dirty="0" err="1"/>
+              <a:t>with</a:t>
+            </a:r>
+            <a:r>
+              <a:rPr lang="pt-BR" altLang="pt-BR" sz="3200" dirty="0"/>
+              <a:t> </a:t>
+            </a:r>
+            <a:r>
+              <a:rPr lang="pt-BR" altLang="pt-BR" sz="3200" dirty="0" err="1"/>
+              <a:t>the</a:t>
+            </a:r>
+            <a:r>
+              <a:rPr lang="pt-BR" altLang="pt-BR" sz="3200" dirty="0"/>
+              <a:t> </a:t>
+            </a:r>
+            <a:r>
+              <a:rPr lang="pt-BR" altLang="pt-BR" sz="3200" dirty="0" err="1"/>
+              <a:t>client</a:t>
+            </a:r>
+            <a:r>
+              <a:rPr lang="pt-BR" altLang="pt-BR" sz="3200" dirty="0"/>
+              <a:t>.</a:t>
+            </a:r>
+          </a:p>
+          <a:p>
+            <a:pPr marL="0" marR="0" lvl="0" indent="0" algn="l" defTabSz="914400" rtl="0" eaLnBrk="0" fontAlgn="base" latinLnBrk="0" hangingPunct="0">
+              <a:lnSpc>
+                <a:spcPct val="100000"/>
+              </a:lnSpc>
+              <a:spcBef>
+                <a:spcPct val="0"/>
+              </a:spcBef>
+              <a:spcAft>
+                <a:spcPct val="0"/>
+              </a:spcAft>
+              <a:buClrTx/>
+              <a:buSzTx/>
+              <a:tabLst/>
+            </a:pPr>
+            <a:endParaRPr lang="pt-BR" altLang="pt-BR" sz="3200" dirty="0"/>
+          </a:p>
+          <a:p>
+            <a:pPr marL="0" marR="0" lvl="0" indent="0" algn="l" defTabSz="914400" rtl="0" eaLnBrk="0" fontAlgn="base" latinLnBrk="0" hangingPunct="0">
+              <a:lnSpc>
+                <a:spcPct val="100000"/>
+              </a:lnSpc>
+              <a:spcBef>
+                <a:spcPct val="0"/>
+              </a:spcBef>
+              <a:spcAft>
+                <a:spcPct val="0"/>
+              </a:spcAft>
+              <a:buClrTx/>
+              <a:buSzTx/>
+              <a:buFontTx/>
+              <a:buChar char="•"/>
+              <a:tabLst/>
+            </a:pPr>
+            <a:r>
+              <a:rPr lang="pt-BR" altLang="pt-BR" sz="3200" dirty="0" err="1"/>
+              <a:t>By</a:t>
+            </a:r>
+            <a:r>
+              <a:rPr lang="pt-BR" altLang="pt-BR" sz="3200" dirty="0"/>
+              <a:t> </a:t>
+            </a:r>
+            <a:r>
+              <a:rPr lang="pt-BR" altLang="pt-BR" sz="3200" dirty="0" err="1"/>
+              <a:t>knowing</a:t>
+            </a:r>
+            <a:r>
+              <a:rPr lang="pt-BR" altLang="pt-BR" sz="3200" dirty="0"/>
+              <a:t> a </a:t>
+            </a:r>
+            <a:r>
+              <a:rPr lang="pt-BR" altLang="pt-BR" sz="3200" dirty="0" err="1"/>
+              <a:t>client's</a:t>
+            </a:r>
+            <a:r>
+              <a:rPr lang="pt-BR" altLang="pt-BR" sz="3200" dirty="0"/>
+              <a:t> age, </a:t>
+            </a:r>
+            <a:r>
+              <a:rPr lang="pt-BR" altLang="pt-BR" sz="3200" dirty="0" err="1"/>
+              <a:t>job</a:t>
+            </a:r>
+            <a:r>
+              <a:rPr lang="pt-BR" altLang="pt-BR" sz="3200" dirty="0"/>
+              <a:t>, </a:t>
+            </a:r>
+            <a:r>
+              <a:rPr lang="pt-BR" altLang="pt-BR" sz="3200" dirty="0" err="1"/>
+              <a:t>and</a:t>
+            </a:r>
+            <a:r>
+              <a:rPr lang="pt-BR" altLang="pt-BR" sz="3200" dirty="0"/>
+              <a:t> financial balance, </a:t>
+            </a:r>
+            <a:r>
+              <a:rPr lang="pt-BR" altLang="pt-BR" sz="3200" dirty="0" err="1"/>
+              <a:t>we</a:t>
+            </a:r>
+            <a:r>
+              <a:rPr lang="pt-BR" altLang="pt-BR" sz="3200" dirty="0"/>
+              <a:t> </a:t>
+            </a:r>
+            <a:r>
+              <a:rPr lang="pt-BR" altLang="pt-BR" sz="3200" dirty="0" err="1"/>
+              <a:t>can</a:t>
+            </a:r>
+            <a:r>
+              <a:rPr lang="pt-BR" altLang="pt-BR" sz="3200" dirty="0"/>
+              <a:t> </a:t>
+            </a:r>
+            <a:r>
+              <a:rPr lang="pt-BR" altLang="pt-BR" sz="3200" dirty="0" err="1"/>
+              <a:t>get</a:t>
+            </a:r>
+            <a:r>
+              <a:rPr lang="pt-BR" altLang="pt-BR" sz="3200" dirty="0"/>
+              <a:t> a </a:t>
+            </a:r>
+            <a:r>
+              <a:rPr lang="pt-BR" altLang="pt-BR" sz="3200" dirty="0" err="1"/>
+              <a:t>good</a:t>
+            </a:r>
+            <a:r>
+              <a:rPr lang="pt-BR" altLang="pt-BR" sz="3200" dirty="0"/>
+              <a:t> </a:t>
+            </a:r>
+            <a:r>
+              <a:rPr lang="pt-BR" altLang="pt-BR" sz="3200" dirty="0" err="1"/>
+              <a:t>estimate</a:t>
+            </a:r>
+            <a:r>
+              <a:rPr lang="pt-BR" altLang="pt-BR" sz="3200" dirty="0"/>
+              <a:t> </a:t>
+            </a:r>
+            <a:r>
+              <a:rPr lang="pt-BR" altLang="pt-BR" sz="3200" dirty="0" err="1"/>
+              <a:t>of</a:t>
+            </a:r>
+            <a:r>
+              <a:rPr lang="pt-BR" altLang="pt-BR" sz="3200" dirty="0"/>
+              <a:t> </a:t>
+            </a:r>
+            <a:r>
+              <a:rPr lang="pt-BR" altLang="pt-BR" sz="3200" dirty="0" err="1"/>
+              <a:t>their</a:t>
+            </a:r>
+            <a:r>
+              <a:rPr lang="pt-BR" altLang="pt-BR" sz="3200" dirty="0"/>
+              <a:t> </a:t>
+            </a:r>
+            <a:r>
+              <a:rPr lang="pt-BR" altLang="pt-BR" sz="3200" dirty="0" err="1"/>
+              <a:t>likelihood</a:t>
+            </a:r>
+            <a:r>
+              <a:rPr lang="pt-BR" altLang="pt-BR" sz="3200" dirty="0"/>
+              <a:t> </a:t>
+            </a:r>
+            <a:r>
+              <a:rPr lang="pt-BR" altLang="pt-BR" sz="3200" dirty="0" err="1"/>
+              <a:t>of</a:t>
+            </a:r>
+            <a:r>
+              <a:rPr lang="pt-BR" altLang="pt-BR" sz="3200" dirty="0"/>
+              <a:t> </a:t>
+            </a:r>
+            <a:r>
+              <a:rPr lang="pt-BR" altLang="pt-BR" sz="3200" dirty="0" err="1"/>
+              <a:t>investing</a:t>
+            </a:r>
+            <a:r>
+              <a:rPr lang="pt-BR" altLang="pt-BR" sz="3200" dirty="0"/>
+              <a:t> </a:t>
+            </a:r>
+            <a:r>
+              <a:rPr lang="pt-BR" altLang="pt-BR" sz="3200" dirty="0" err="1"/>
+              <a:t>through</a:t>
+            </a:r>
+            <a:r>
+              <a:rPr lang="pt-BR" altLang="pt-BR" sz="3200" dirty="0"/>
+              <a:t> </a:t>
+            </a:r>
+            <a:r>
+              <a:rPr lang="pt-BR" altLang="pt-BR" sz="3200" dirty="0" err="1"/>
+              <a:t>the</a:t>
+            </a:r>
+            <a:r>
+              <a:rPr lang="pt-BR" altLang="pt-BR" sz="3200" dirty="0"/>
+              <a:t> bank.</a:t>
+            </a:r>
           </a:p>
         </p:txBody>
       </p:sp>
@@ -10955,7 +11772,7 @@
               </a:spcBef>
             </a:pPr>
             <a:r>
-              <a:rPr lang="pt-BR" spc="-90">
+              <a:rPr lang="pt-BR" spc="-90" dirty="0" err="1">
                 <a:solidFill>
                   <a:schemeClr val="bg1"/>
                 </a:solidFill>
@@ -10963,9 +11780,20 @@
                 <a:ea typeface="Cascadia Mono SemiBold" panose="020B0609020000020004" pitchFamily="49" charset="0"/>
                 <a:cs typeface="Cascadia Mono SemiBold" panose="020B0609020000020004" pitchFamily="49" charset="0"/>
               </a:rPr>
-              <a:t>Colunas:</a:t>
-            </a:r>
-            <a:endParaRPr spc="-90">
+              <a:t>Columns</a:t>
+            </a:r>
+            <a:r>
+              <a:rPr lang="pt-BR" spc="-90" dirty="0">
+                <a:solidFill>
+                  <a:schemeClr val="bg1"/>
+                </a:solidFill>
+                <a:latin typeface="Cascadia Mono SemiBold" panose="020B0609020000020004" pitchFamily="49" charset="0"/>
+                <a:ea typeface="Cascadia Mono SemiBold" panose="020B0609020000020004" pitchFamily="49" charset="0"/>
+                <a:cs typeface="Cascadia Mono SemiBold" panose="020B0609020000020004" pitchFamily="49" charset="0"/>
+              </a:rPr>
+              <a:t>:</a:t>
+            </a:r>
+            <a:endParaRPr spc="-90" dirty="0">
               <a:solidFill>
                 <a:schemeClr val="bg1"/>
               </a:solidFill>
@@ -10978,10 +11806,10 @@
       </p:sp>
       <p:sp>
         <p:nvSpPr>
-          <p:cNvPr id="7" name="Rectangle 1">
+          <p:cNvPr id="3" name="Rectangle 1">
             <a:extLst>
               <a:ext uri="{FF2B5EF4-FFF2-40B4-BE49-F238E27FC236}">
-                <a16:creationId xmlns:a16="http://schemas.microsoft.com/office/drawing/2014/main" id="{EECB1605-08B7-3B66-D781-9AAE68E391B4}"/>
+                <a16:creationId xmlns:a16="http://schemas.microsoft.com/office/drawing/2014/main" id="{E87F54EE-26D1-F2A1-397B-10F24F952FFF}"/>
               </a:ext>
             </a:extLst>
           </p:cNvPr>
@@ -10992,8 +11820,8 @@
         </p:nvSpPr>
         <p:spPr bwMode="auto">
           <a:xfrm>
-            <a:off x="533400" y="1263133"/>
-            <a:ext cx="4096072" cy="7848302"/>
+            <a:off x="5568286" y="1694020"/>
+            <a:ext cx="10706777" cy="7417415"/>
           </a:xfrm>
           <a:prstGeom prst="rect">
             <a:avLst/>
@@ -11033,7 +11861,7 @@
           </a:extLst>
         </p:spPr>
         <p:txBody>
-          <a:bodyPr vert="horz" wrap="square" lIns="91440" tIns="45720" rIns="91440" bIns="45720" numCol="1" anchor="ctr" anchorCtr="0" compatLnSpc="1">
+          <a:bodyPr vert="horz" wrap="none" lIns="91440" tIns="45720" rIns="91440" bIns="45720" numCol="1" anchor="ctr" anchorCtr="0" compatLnSpc="1">
             <a:prstTxWarp prst="textNoShape">
               <a:avLst/>
             </a:prstTxWarp>
@@ -11041,381 +11869,33 @@
           </a:bodyPr>
           <a:lstStyle/>
           <a:p>
-            <a:pPr marL="0" marR="0" lvl="0" indent="0" algn="l" defTabSz="914400" rtl="0" eaLnBrk="0" fontAlgn="base" latinLnBrk="0" hangingPunct="0">
-              <a:lnSpc>
-                <a:spcPct val="100000"/>
-              </a:lnSpc>
+            <a:pPr algn="l" rtl="0" eaLnBrk="0" fontAlgn="base" hangingPunct="0">
               <a:spcBef>
                 <a:spcPct val="0"/>
               </a:spcBef>
               <a:spcAft>
                 <a:spcPct val="0"/>
               </a:spcAft>
-              <a:buClrTx/>
-              <a:buSzTx/>
-              <a:tabLst/>
-            </a:pPr>
-            <a:endParaRPr kumimoji="0" lang="pt-BR" altLang="pt-BR" sz="2800" b="0" i="0" u="none" strike="noStrike" cap="none" normalizeH="0" baseline="0">
-              <a:ln>
-                <a:noFill/>
-              </a:ln>
-              <a:solidFill>
-                <a:schemeClr val="bg1"/>
-              </a:solidFill>
-              <a:effectLst/>
-              <a:latin typeface="Arial" panose="020B0604020202020204" pitchFamily="34" charset="0"/>
-            </a:endParaRPr>
-          </a:p>
-          <a:p>
-            <a:pPr marL="0" marR="0" lvl="0" indent="0" algn="l" defTabSz="914400" rtl="0" eaLnBrk="0" fontAlgn="base" latinLnBrk="0" hangingPunct="0">
-              <a:lnSpc>
-                <a:spcPct val="100000"/>
-              </a:lnSpc>
-              <a:spcBef>
-                <a:spcPct val="0"/>
-              </a:spcBef>
-              <a:spcAft>
-                <a:spcPct val="0"/>
-              </a:spcAft>
-              <a:buClrTx/>
-              <a:buSzTx/>
               <a:buFontTx/>
               <a:buChar char="•"/>
-              <a:tabLst/>
             </a:pPr>
             <a:r>
-              <a:rPr lang="pt-BR" altLang="pt-BR" sz="2800">
-                <a:solidFill>
-                  <a:schemeClr val="bg1"/>
-                </a:solidFill>
-                <a:latin typeface="Arial" panose="020B0604020202020204" pitchFamily="34" charset="0"/>
-              </a:rPr>
-              <a:t>idade</a:t>
-            </a:r>
-            <a:r>
-              <a:rPr kumimoji="0" lang="pt-BR" altLang="pt-BR" sz="2800" b="0" i="0" u="none" strike="noStrike" cap="none" normalizeH="0" baseline="0">
-                <a:ln>
-                  <a:noFill/>
-                </a:ln>
-                <a:solidFill>
-                  <a:schemeClr val="bg1"/>
-                </a:solidFill>
-                <a:effectLst/>
-                <a:latin typeface="Arial" panose="020B0604020202020204" pitchFamily="34" charset="0"/>
-              </a:rPr>
-              <a:t> </a:t>
-            </a:r>
-            <a:endParaRPr lang="pt-BR" altLang="pt-BR" sz="2800">
-              <a:solidFill>
-                <a:schemeClr val="bg1"/>
-              </a:solidFill>
-              <a:latin typeface="Arial" panose="020B0604020202020204" pitchFamily="34" charset="0"/>
-            </a:endParaRPr>
-          </a:p>
-          <a:p>
-            <a:pPr marL="0" marR="0" lvl="0" indent="0" algn="l" defTabSz="914400" rtl="0" eaLnBrk="0" fontAlgn="base" latinLnBrk="0" hangingPunct="0">
-              <a:lnSpc>
-                <a:spcPct val="100000"/>
-              </a:lnSpc>
-              <a:spcBef>
-                <a:spcPct val="0"/>
-              </a:spcBef>
-              <a:spcAft>
-                <a:spcPct val="0"/>
-              </a:spcAft>
-              <a:buClrTx/>
-              <a:buSzTx/>
-              <a:buFontTx/>
-              <a:buChar char="•"/>
-              <a:tabLst/>
-            </a:pPr>
-            <a:r>
-              <a:rPr lang="pt-BR" altLang="pt-BR" sz="2800">
-                <a:solidFill>
-                  <a:schemeClr val="bg1"/>
-                </a:solidFill>
-                <a:latin typeface="Arial" panose="020B0604020202020204" pitchFamily="34" charset="0"/>
-              </a:rPr>
-              <a:t>trabalho</a:t>
-            </a:r>
-            <a:endParaRPr kumimoji="0" lang="pt-BR" altLang="pt-BR" sz="2800" b="0" i="0" u="none" strike="noStrike" cap="none" normalizeH="0" baseline="0">
-              <a:ln>
-                <a:noFill/>
-              </a:ln>
-              <a:solidFill>
-                <a:schemeClr val="bg1"/>
-              </a:solidFill>
-              <a:effectLst/>
-              <a:latin typeface="Arial" panose="020B0604020202020204" pitchFamily="34" charset="0"/>
-            </a:endParaRPr>
-          </a:p>
-          <a:p>
-            <a:pPr marL="0" marR="0" lvl="0" indent="0" algn="l" defTabSz="914400" rtl="0" eaLnBrk="0" fontAlgn="base" latinLnBrk="0" hangingPunct="0">
-              <a:lnSpc>
-                <a:spcPct val="100000"/>
-              </a:lnSpc>
-              <a:spcBef>
-                <a:spcPct val="0"/>
-              </a:spcBef>
-              <a:spcAft>
-                <a:spcPct val="0"/>
-              </a:spcAft>
-              <a:buClrTx/>
-              <a:buSzTx/>
-              <a:buFontTx/>
-              <a:buChar char="•"/>
-              <a:tabLst/>
-            </a:pPr>
-            <a:r>
-              <a:rPr kumimoji="0" lang="pt-BR" altLang="pt-BR" sz="2800" b="0" i="0" u="none" strike="noStrike" cap="none" normalizeH="0" baseline="0" err="1">
-                <a:ln>
-                  <a:noFill/>
-                </a:ln>
-                <a:solidFill>
-                  <a:schemeClr val="bg1"/>
-                </a:solidFill>
-                <a:effectLst/>
-                <a:latin typeface="Arial" panose="020B0604020202020204" pitchFamily="34" charset="0"/>
-              </a:rPr>
-              <a:t>estado_civil</a:t>
-            </a:r>
-            <a:r>
-              <a:rPr kumimoji="0" lang="pt-BR" altLang="pt-BR" sz="2800" b="0" i="0" u="none" strike="noStrike" cap="none" normalizeH="0" baseline="0">
-                <a:ln>
-                  <a:noFill/>
-                </a:ln>
-                <a:solidFill>
-                  <a:schemeClr val="bg1"/>
-                </a:solidFill>
-                <a:effectLst/>
-                <a:latin typeface="Arial" panose="020B0604020202020204" pitchFamily="34" charset="0"/>
-              </a:rPr>
-              <a:t> </a:t>
-            </a:r>
-          </a:p>
-          <a:p>
-            <a:pPr marL="0" marR="0" lvl="0" indent="0" algn="l" defTabSz="914400" rtl="0" eaLnBrk="0" fontAlgn="base" latinLnBrk="0" hangingPunct="0">
-              <a:lnSpc>
-                <a:spcPct val="100000"/>
-              </a:lnSpc>
-              <a:spcBef>
-                <a:spcPct val="0"/>
-              </a:spcBef>
-              <a:spcAft>
-                <a:spcPct val="0"/>
-              </a:spcAft>
-              <a:buClrTx/>
-              <a:buSzTx/>
-              <a:buFontTx/>
-              <a:buChar char="•"/>
-              <a:tabLst/>
-            </a:pPr>
-            <a:r>
-              <a:rPr kumimoji="0" lang="pt-BR" altLang="pt-BR" sz="2800" b="0" i="0" u="none" strike="noStrike" cap="none" normalizeH="0" baseline="0">
-                <a:ln>
-                  <a:noFill/>
-                </a:ln>
-                <a:solidFill>
-                  <a:schemeClr val="bg1"/>
-                </a:solidFill>
-                <a:effectLst/>
-                <a:latin typeface="Arial" panose="020B0604020202020204" pitchFamily="34" charset="0"/>
-              </a:rPr>
-              <a:t>escolaridade </a:t>
-            </a:r>
-          </a:p>
-          <a:p>
-            <a:pPr marL="0" marR="0" lvl="0" indent="0" algn="l" defTabSz="914400" rtl="0" eaLnBrk="0" fontAlgn="base" latinLnBrk="0" hangingPunct="0">
-              <a:lnSpc>
-                <a:spcPct val="100000"/>
-              </a:lnSpc>
-              <a:spcBef>
-                <a:spcPct val="0"/>
-              </a:spcBef>
-              <a:spcAft>
-                <a:spcPct val="0"/>
-              </a:spcAft>
-              <a:buClrTx/>
-              <a:buSzTx/>
-              <a:buFontTx/>
-              <a:buChar char="•"/>
-              <a:tabLst/>
-            </a:pPr>
-            <a:r>
-              <a:rPr kumimoji="0" lang="pt-BR" altLang="pt-BR" sz="2800" b="0" i="0" u="none" strike="noStrike" cap="none" normalizeH="0" baseline="0">
-                <a:ln>
-                  <a:noFill/>
-                </a:ln>
-                <a:solidFill>
-                  <a:schemeClr val="bg1"/>
-                </a:solidFill>
-                <a:effectLst/>
-                <a:latin typeface="Arial" panose="020B0604020202020204" pitchFamily="34" charset="0"/>
-              </a:rPr>
-              <a:t>inadimplente </a:t>
-            </a:r>
-          </a:p>
-          <a:p>
-            <a:pPr marL="0" marR="0" lvl="0" indent="0" algn="l" defTabSz="914400" rtl="0" eaLnBrk="0" fontAlgn="base" latinLnBrk="0" hangingPunct="0">
-              <a:lnSpc>
-                <a:spcPct val="100000"/>
-              </a:lnSpc>
-              <a:spcBef>
-                <a:spcPct val="0"/>
-              </a:spcBef>
-              <a:spcAft>
-                <a:spcPct val="0"/>
-              </a:spcAft>
-              <a:buClrTx/>
-              <a:buSzTx/>
-              <a:buFontTx/>
-              <a:buChar char="•"/>
-              <a:tabLst/>
-            </a:pPr>
-            <a:r>
-              <a:rPr kumimoji="0" lang="pt-BR" altLang="pt-BR" sz="2800" b="0" i="0" u="none" strike="noStrike" cap="none" normalizeH="0" baseline="0">
-                <a:ln>
-                  <a:noFill/>
-                </a:ln>
-                <a:solidFill>
-                  <a:schemeClr val="bg1"/>
-                </a:solidFill>
-                <a:effectLst/>
-                <a:latin typeface="Arial" panose="020B0604020202020204" pitchFamily="34" charset="0"/>
-              </a:rPr>
-              <a:t>saldo </a:t>
-            </a:r>
-          </a:p>
-          <a:p>
-            <a:pPr marL="0" marR="0" lvl="0" indent="0" algn="l" defTabSz="914400" rtl="0" eaLnBrk="0" fontAlgn="base" latinLnBrk="0" hangingPunct="0">
-              <a:lnSpc>
-                <a:spcPct val="100000"/>
-              </a:lnSpc>
-              <a:spcBef>
-                <a:spcPct val="0"/>
-              </a:spcBef>
-              <a:spcAft>
-                <a:spcPct val="0"/>
-              </a:spcAft>
-              <a:buClrTx/>
-              <a:buSzTx/>
-              <a:buFontTx/>
-              <a:buChar char="•"/>
-              <a:tabLst/>
-            </a:pPr>
-            <a:r>
-              <a:rPr kumimoji="0" lang="pt-BR" altLang="pt-BR" sz="2800" b="0" i="0" u="none" strike="noStrike" cap="none" normalizeH="0" baseline="0" err="1">
-                <a:ln>
-                  <a:noFill/>
-                </a:ln>
-                <a:solidFill>
-                  <a:schemeClr val="bg1"/>
-                </a:solidFill>
-                <a:effectLst/>
-                <a:latin typeface="Arial" panose="020B0604020202020204" pitchFamily="34" charset="0"/>
-              </a:rPr>
-              <a:t>emp_habitacional</a:t>
-            </a:r>
-            <a:r>
-              <a:rPr kumimoji="0" lang="pt-BR" altLang="pt-BR" sz="2800" b="0" i="0" u="none" strike="noStrike" cap="none" normalizeH="0" baseline="0">
-                <a:ln>
-                  <a:noFill/>
-                </a:ln>
-                <a:solidFill>
-                  <a:schemeClr val="bg1"/>
-                </a:solidFill>
-                <a:effectLst/>
-                <a:latin typeface="Arial" panose="020B0604020202020204" pitchFamily="34" charset="0"/>
-              </a:rPr>
-              <a:t> </a:t>
-            </a:r>
-          </a:p>
-          <a:p>
-            <a:pPr marL="0" marR="0" lvl="0" indent="0" algn="l" defTabSz="914400" rtl="0" eaLnBrk="0" fontAlgn="base" latinLnBrk="0" hangingPunct="0">
-              <a:lnSpc>
-                <a:spcPct val="100000"/>
-              </a:lnSpc>
-              <a:spcBef>
-                <a:spcPct val="0"/>
-              </a:spcBef>
-              <a:spcAft>
-                <a:spcPct val="0"/>
-              </a:spcAft>
-              <a:buClrTx/>
-              <a:buSzTx/>
-              <a:buFontTx/>
-              <a:buChar char="•"/>
-              <a:tabLst/>
-            </a:pPr>
-            <a:r>
-              <a:rPr kumimoji="0" lang="pt-BR" altLang="pt-BR" sz="2800" b="0" i="0" u="none" strike="noStrike" cap="none" normalizeH="0" baseline="0" err="1">
-                <a:ln>
-                  <a:noFill/>
-                </a:ln>
-                <a:solidFill>
-                  <a:schemeClr val="bg1"/>
-                </a:solidFill>
-                <a:effectLst/>
-                <a:latin typeface="Arial" panose="020B0604020202020204" pitchFamily="34" charset="0"/>
-              </a:rPr>
-              <a:t>emp_pessoal</a:t>
-            </a:r>
-            <a:r>
-              <a:rPr kumimoji="0" lang="pt-BR" altLang="pt-BR" sz="2800" b="0" i="0" u="none" strike="noStrike" cap="none" normalizeH="0" baseline="0">
-                <a:ln>
-                  <a:noFill/>
-                </a:ln>
-                <a:solidFill>
-                  <a:schemeClr val="bg1"/>
-                </a:solidFill>
-                <a:effectLst/>
-                <a:latin typeface="Arial" panose="020B0604020202020204" pitchFamily="34" charset="0"/>
-              </a:rPr>
-              <a:t> </a:t>
-            </a:r>
-          </a:p>
-          <a:p>
-            <a:pPr marL="0" marR="0" lvl="0" indent="0" algn="l" defTabSz="914400" rtl="0" eaLnBrk="0" fontAlgn="base" latinLnBrk="0" hangingPunct="0">
-              <a:lnSpc>
-                <a:spcPct val="100000"/>
-              </a:lnSpc>
-              <a:spcBef>
-                <a:spcPct val="0"/>
-              </a:spcBef>
-              <a:spcAft>
-                <a:spcPct val="0"/>
-              </a:spcAft>
-              <a:buClrTx/>
-              <a:buSzTx/>
-              <a:buFontTx/>
-              <a:buChar char="•"/>
-              <a:tabLst/>
-            </a:pPr>
-            <a:r>
-              <a:rPr kumimoji="0" lang="pt-BR" altLang="pt-BR" sz="2800" b="0" i="0" u="none" strike="noStrike" cap="none" normalizeH="0" baseline="0" err="1">
-                <a:ln>
-                  <a:noFill/>
-                </a:ln>
-                <a:solidFill>
-                  <a:schemeClr val="bg1"/>
-                </a:solidFill>
-                <a:effectLst/>
-                <a:latin typeface="Arial" panose="020B0604020202020204" pitchFamily="34" charset="0"/>
-              </a:rPr>
-              <a:t>tipo_contato</a:t>
-            </a:r>
-            <a:r>
-              <a:rPr kumimoji="0" lang="pt-BR" altLang="pt-BR" sz="2800" b="0" i="0" u="none" strike="noStrike" cap="none" normalizeH="0" baseline="0">
-                <a:ln>
-                  <a:noFill/>
-                </a:ln>
-                <a:solidFill>
-                  <a:schemeClr val="bg1"/>
-                </a:solidFill>
-                <a:effectLst/>
-                <a:latin typeface="Arial" panose="020B0604020202020204" pitchFamily="34" charset="0"/>
-              </a:rPr>
-              <a:t> </a:t>
+              <a:rPr lang="pt-BR" altLang="pt-BR" sz="2800" dirty="0" err="1">
+                <a:solidFill>
+                  <a:schemeClr val="tx1"/>
+                </a:solidFill>
+                <a:latin typeface="Arial" panose="020B0604020202020204" pitchFamily="34" charset="0"/>
+              </a:rPr>
+              <a:t>Customer's</a:t>
+            </a:r>
+            <a:r>
+              <a:rPr lang="pt-BR" altLang="pt-BR" sz="2800" dirty="0">
+                <a:solidFill>
+                  <a:schemeClr val="tx1"/>
+                </a:solidFill>
+                <a:latin typeface="Arial" panose="020B0604020202020204" pitchFamily="34" charset="0"/>
+              </a:rPr>
+              <a:t> age</a:t>
             </a:r>
           </a:p>
           <a:p>
@@ -11430,322 +11910,1448 @@
               <a:buChar char="•"/>
             </a:pPr>
             <a:r>
-              <a:rPr kumimoji="0" lang="pt-BR" altLang="pt-BR" sz="2800" b="0" i="0" u="none" strike="noStrike" cap="none" normalizeH="0" baseline="0">
-                <a:ln>
-                  <a:noFill/>
-                </a:ln>
-                <a:solidFill>
-                  <a:schemeClr val="bg1"/>
-                </a:solidFill>
-                <a:effectLst/>
-                <a:latin typeface="Arial" panose="020B0604020202020204" pitchFamily="34" charset="0"/>
-              </a:rPr>
-              <a:t>dia </a:t>
-            </a:r>
+              <a:rPr lang="pt-BR" altLang="pt-BR" sz="2800" dirty="0" err="1">
+                <a:solidFill>
+                  <a:schemeClr val="tx1"/>
+                </a:solidFill>
+                <a:latin typeface="Arial" panose="020B0604020202020204" pitchFamily="34" charset="0"/>
+              </a:rPr>
+              <a:t>Type</a:t>
+            </a:r>
+            <a:r>
+              <a:rPr lang="pt-BR" altLang="pt-BR" sz="2800" dirty="0">
+                <a:solidFill>
+                  <a:schemeClr val="tx1"/>
+                </a:solidFill>
+                <a:latin typeface="Arial" panose="020B0604020202020204" pitchFamily="34" charset="0"/>
+              </a:rPr>
+              <a:t> </a:t>
+            </a:r>
+            <a:r>
+              <a:rPr lang="pt-BR" altLang="pt-BR" sz="2800" dirty="0" err="1">
+                <a:solidFill>
+                  <a:schemeClr val="tx1"/>
+                </a:solidFill>
+                <a:latin typeface="Arial" panose="020B0604020202020204" pitchFamily="34" charset="0"/>
+              </a:rPr>
+              <a:t>of</a:t>
+            </a:r>
+            <a:r>
+              <a:rPr lang="pt-BR" altLang="pt-BR" sz="2800" dirty="0">
+                <a:solidFill>
+                  <a:schemeClr val="tx1"/>
+                </a:solidFill>
+                <a:latin typeface="Arial" panose="020B0604020202020204" pitchFamily="34" charset="0"/>
+              </a:rPr>
+              <a:t> </a:t>
+            </a:r>
+            <a:r>
+              <a:rPr lang="pt-BR" altLang="pt-BR" sz="2800" dirty="0" err="1">
+                <a:solidFill>
+                  <a:schemeClr val="tx1"/>
+                </a:solidFill>
+                <a:latin typeface="Arial" panose="020B0604020202020204" pitchFamily="34" charset="0"/>
+              </a:rPr>
+              <a:t>job</a:t>
+            </a:r>
+            <a:endParaRPr lang="pt-BR" altLang="pt-BR" sz="2800" dirty="0">
+              <a:solidFill>
+                <a:schemeClr val="tx1"/>
+              </a:solidFill>
+              <a:latin typeface="Arial" panose="020B0604020202020204" pitchFamily="34" charset="0"/>
+            </a:endParaRPr>
           </a:p>
           <a:p>
-            <a:pPr marL="0" marR="0" lvl="0" indent="0" algn="l" defTabSz="914400" rtl="0" eaLnBrk="0" fontAlgn="base" latinLnBrk="0" hangingPunct="0">
-              <a:lnSpc>
-                <a:spcPct val="100000"/>
-              </a:lnSpc>
+            <a:pPr algn="l" rtl="0" eaLnBrk="0" fontAlgn="base" hangingPunct="0">
               <a:spcBef>
                 <a:spcPct val="0"/>
               </a:spcBef>
               <a:spcAft>
                 <a:spcPct val="0"/>
               </a:spcAft>
-              <a:buClrTx/>
-              <a:buSzTx/>
               <a:buFontTx/>
               <a:buChar char="•"/>
-              <a:tabLst/>
             </a:pPr>
             <a:r>
-              <a:rPr kumimoji="0" lang="pt-BR" altLang="pt-BR" sz="2800" b="0" i="0" u="none" strike="noStrike" cap="none" normalizeH="0" baseline="0" err="1">
-                <a:ln>
-                  <a:noFill/>
-                </a:ln>
-                <a:solidFill>
-                  <a:schemeClr val="bg1"/>
-                </a:solidFill>
-                <a:effectLst/>
-                <a:latin typeface="Arial" panose="020B0604020202020204" pitchFamily="34" charset="0"/>
-              </a:rPr>
-              <a:t>mes</a:t>
-            </a:r>
-            <a:r>
-              <a:rPr kumimoji="0" lang="pt-BR" altLang="pt-BR" sz="2800" b="0" i="0" u="none" strike="noStrike" cap="none" normalizeH="0" baseline="0">
-                <a:ln>
-                  <a:noFill/>
-                </a:ln>
-                <a:solidFill>
-                  <a:schemeClr val="bg1"/>
-                </a:solidFill>
-                <a:effectLst/>
-                <a:latin typeface="Arial" panose="020B0604020202020204" pitchFamily="34" charset="0"/>
-              </a:rPr>
-              <a:t> </a:t>
+              <a:rPr lang="pt-BR" altLang="pt-BR" sz="2800" dirty="0">
+                <a:solidFill>
+                  <a:schemeClr val="tx1"/>
+                </a:solidFill>
+                <a:latin typeface="Arial" panose="020B0604020202020204" pitchFamily="34" charset="0"/>
+              </a:rPr>
+              <a:t>Marital status</a:t>
             </a:r>
           </a:p>
           <a:p>
-            <a:pPr marL="0" marR="0" lvl="0" indent="0" algn="l" defTabSz="914400" rtl="0" eaLnBrk="0" fontAlgn="base" latinLnBrk="0" hangingPunct="0">
-              <a:lnSpc>
-                <a:spcPct val="100000"/>
-              </a:lnSpc>
+            <a:pPr algn="l" rtl="0" eaLnBrk="0" fontAlgn="base" hangingPunct="0">
               <a:spcBef>
                 <a:spcPct val="0"/>
               </a:spcBef>
               <a:spcAft>
                 <a:spcPct val="0"/>
               </a:spcAft>
-              <a:buClrTx/>
-              <a:buSzTx/>
               <a:buFontTx/>
               <a:buChar char="•"/>
-              <a:tabLst/>
             </a:pPr>
             <a:r>
-              <a:rPr kumimoji="0" lang="pt-BR" altLang="pt-BR" sz="2800" b="0" i="0" u="none" strike="noStrike" cap="none" normalizeH="0" baseline="0" err="1">
-                <a:ln>
-                  <a:noFill/>
-                </a:ln>
-                <a:solidFill>
-                  <a:schemeClr val="bg1"/>
-                </a:solidFill>
-                <a:effectLst/>
-                <a:latin typeface="Arial" panose="020B0604020202020204" pitchFamily="34" charset="0"/>
-              </a:rPr>
-              <a:t>tempo_chamada</a:t>
-            </a:r>
-            <a:r>
-              <a:rPr kumimoji="0" lang="pt-BR" altLang="pt-BR" sz="2800" b="0" i="0" u="none" strike="noStrike" cap="none" normalizeH="0" baseline="0">
-                <a:ln>
-                  <a:noFill/>
-                </a:ln>
-                <a:solidFill>
-                  <a:schemeClr val="bg1"/>
-                </a:solidFill>
-                <a:effectLst/>
+              <a:rPr lang="pt-BR" altLang="pt-BR" sz="2800" dirty="0" err="1">
+                <a:solidFill>
+                  <a:schemeClr val="tx1"/>
+                </a:solidFill>
+                <a:latin typeface="Arial" panose="020B0604020202020204" pitchFamily="34" charset="0"/>
+              </a:rPr>
+              <a:t>Education</a:t>
+            </a:r>
+            <a:r>
+              <a:rPr lang="pt-BR" altLang="pt-BR" sz="2800" dirty="0">
+                <a:solidFill>
+                  <a:schemeClr val="tx1"/>
+                </a:solidFill>
                 <a:latin typeface="Arial" panose="020B0604020202020204" pitchFamily="34" charset="0"/>
               </a:rPr>
               <a:t> </a:t>
             </a:r>
+            <a:r>
+              <a:rPr lang="pt-BR" altLang="pt-BR" sz="2800" dirty="0" err="1">
+                <a:solidFill>
+                  <a:schemeClr val="tx1"/>
+                </a:solidFill>
+                <a:latin typeface="Arial" panose="020B0604020202020204" pitchFamily="34" charset="0"/>
+              </a:rPr>
+              <a:t>level</a:t>
+            </a:r>
+            <a:endParaRPr lang="pt-BR" altLang="pt-BR" sz="2800" dirty="0">
+              <a:solidFill>
+                <a:schemeClr val="tx1"/>
+              </a:solidFill>
+              <a:latin typeface="Arial" panose="020B0604020202020204" pitchFamily="34" charset="0"/>
+            </a:endParaRPr>
           </a:p>
           <a:p>
-            <a:pPr marL="0" marR="0" lvl="0" indent="0" algn="l" defTabSz="914400" rtl="0" eaLnBrk="0" fontAlgn="base" latinLnBrk="0" hangingPunct="0">
-              <a:lnSpc>
-                <a:spcPct val="100000"/>
-              </a:lnSpc>
+            <a:pPr algn="l" rtl="0" eaLnBrk="0" fontAlgn="base" hangingPunct="0">
               <a:spcBef>
                 <a:spcPct val="0"/>
               </a:spcBef>
               <a:spcAft>
                 <a:spcPct val="0"/>
               </a:spcAft>
-              <a:buClrTx/>
-              <a:buSzTx/>
               <a:buFontTx/>
               <a:buChar char="•"/>
-              <a:tabLst/>
             </a:pPr>
             <a:r>
-              <a:rPr kumimoji="0" lang="pt-BR" altLang="pt-BR" sz="2800" b="0" i="0" u="none" strike="noStrike" cap="none" normalizeH="0" baseline="0" err="1">
-                <a:ln>
-                  <a:noFill/>
-                </a:ln>
-                <a:solidFill>
-                  <a:schemeClr val="bg1"/>
-                </a:solidFill>
-                <a:effectLst/>
-                <a:latin typeface="Arial" panose="020B0604020202020204" pitchFamily="34" charset="0"/>
-              </a:rPr>
-              <a:t>campanha_atual</a:t>
-            </a:r>
-            <a:r>
-              <a:rPr kumimoji="0" lang="pt-BR" altLang="pt-BR" sz="2800" b="0" i="0" u="none" strike="noStrike" cap="none" normalizeH="0" baseline="0">
-                <a:ln>
-                  <a:noFill/>
-                </a:ln>
-                <a:solidFill>
-                  <a:schemeClr val="bg1"/>
-                </a:solidFill>
-                <a:effectLst/>
+              <a:rPr lang="pt-BR" altLang="pt-BR" sz="2800" dirty="0" err="1">
+                <a:solidFill>
+                  <a:schemeClr val="tx1"/>
+                </a:solidFill>
+                <a:latin typeface="Arial" panose="020B0604020202020204" pitchFamily="34" charset="0"/>
+              </a:rPr>
+              <a:t>Has</a:t>
+            </a:r>
+            <a:r>
+              <a:rPr lang="pt-BR" altLang="pt-BR" sz="2800" dirty="0">
+                <a:solidFill>
+                  <a:schemeClr val="tx1"/>
+                </a:solidFill>
                 <a:latin typeface="Arial" panose="020B0604020202020204" pitchFamily="34" charset="0"/>
               </a:rPr>
               <a:t> </a:t>
+            </a:r>
+            <a:r>
+              <a:rPr lang="pt-BR" altLang="pt-BR" sz="2800" dirty="0" err="1">
+                <a:solidFill>
+                  <a:schemeClr val="tx1"/>
+                </a:solidFill>
+                <a:latin typeface="Arial" panose="020B0604020202020204" pitchFamily="34" charset="0"/>
+              </a:rPr>
+              <a:t>credit</a:t>
+            </a:r>
+            <a:r>
+              <a:rPr lang="pt-BR" altLang="pt-BR" sz="2800" dirty="0">
+                <a:solidFill>
+                  <a:schemeClr val="tx1"/>
+                </a:solidFill>
+                <a:latin typeface="Arial" panose="020B0604020202020204" pitchFamily="34" charset="0"/>
+              </a:rPr>
+              <a:t> in default?</a:t>
             </a:r>
           </a:p>
           <a:p>
-            <a:pPr marL="0" marR="0" lvl="0" indent="0" algn="l" defTabSz="914400" rtl="0" eaLnBrk="0" fontAlgn="base" latinLnBrk="0" hangingPunct="0">
-              <a:lnSpc>
-                <a:spcPct val="100000"/>
-              </a:lnSpc>
+            <a:pPr algn="l" rtl="0" eaLnBrk="0" fontAlgn="base" hangingPunct="0">
               <a:spcBef>
                 <a:spcPct val="0"/>
               </a:spcBef>
               <a:spcAft>
                 <a:spcPct val="0"/>
               </a:spcAft>
-              <a:buClrTx/>
-              <a:buSzTx/>
               <a:buFontTx/>
               <a:buChar char="•"/>
-              <a:tabLst/>
             </a:pPr>
             <a:r>
-              <a:rPr kumimoji="0" lang="pt-BR" altLang="pt-BR" sz="2800" b="0" i="0" u="none" strike="noStrike" cap="none" normalizeH="0" baseline="0" err="1">
-                <a:ln>
-                  <a:noFill/>
-                </a:ln>
-                <a:solidFill>
-                  <a:schemeClr val="bg1"/>
-                </a:solidFill>
-                <a:effectLst/>
-                <a:latin typeface="Arial" panose="020B0604020202020204" pitchFamily="34" charset="0"/>
-              </a:rPr>
-              <a:t>dias_prévios</a:t>
-            </a:r>
-            <a:r>
-              <a:rPr kumimoji="0" lang="pt-BR" altLang="pt-BR" sz="2800" b="0" i="0" u="none" strike="noStrike" cap="none" normalizeH="0" baseline="0">
-                <a:ln>
-                  <a:noFill/>
-                </a:ln>
-                <a:solidFill>
-                  <a:schemeClr val="bg1"/>
-                </a:solidFill>
-                <a:effectLst/>
+              <a:rPr lang="pt-BR" altLang="pt-BR" sz="2800" dirty="0" err="1">
+                <a:solidFill>
+                  <a:schemeClr val="tx1"/>
+                </a:solidFill>
+                <a:latin typeface="Arial" panose="020B0604020202020204" pitchFamily="34" charset="0"/>
+              </a:rPr>
+              <a:t>Average</a:t>
+            </a:r>
+            <a:r>
+              <a:rPr lang="pt-BR" altLang="pt-BR" sz="2800" dirty="0">
+                <a:solidFill>
+                  <a:schemeClr val="tx1"/>
+                </a:solidFill>
                 <a:latin typeface="Arial" panose="020B0604020202020204" pitchFamily="34" charset="0"/>
               </a:rPr>
               <a:t> </a:t>
+            </a:r>
+            <a:r>
+              <a:rPr lang="pt-BR" altLang="pt-BR" sz="2800" dirty="0" err="1">
+                <a:solidFill>
+                  <a:schemeClr val="tx1"/>
+                </a:solidFill>
+                <a:latin typeface="Arial" panose="020B0604020202020204" pitchFamily="34" charset="0"/>
+              </a:rPr>
+              <a:t>yearly</a:t>
+            </a:r>
+            <a:r>
+              <a:rPr lang="pt-BR" altLang="pt-BR" sz="2800" dirty="0">
+                <a:solidFill>
+                  <a:schemeClr val="tx1"/>
+                </a:solidFill>
+                <a:latin typeface="Arial" panose="020B0604020202020204" pitchFamily="34" charset="0"/>
+              </a:rPr>
+              <a:t> balance (in euros)</a:t>
             </a:r>
           </a:p>
           <a:p>
-            <a:pPr marL="0" marR="0" lvl="0" indent="0" algn="l" defTabSz="914400" rtl="0" eaLnBrk="0" fontAlgn="base" latinLnBrk="0" hangingPunct="0">
-              <a:lnSpc>
-                <a:spcPct val="100000"/>
-              </a:lnSpc>
+            <a:pPr algn="l" rtl="0" eaLnBrk="0" fontAlgn="base" hangingPunct="0">
               <a:spcBef>
                 <a:spcPct val="0"/>
               </a:spcBef>
               <a:spcAft>
                 <a:spcPct val="0"/>
               </a:spcAft>
-              <a:buClrTx/>
-              <a:buSzTx/>
               <a:buFontTx/>
               <a:buChar char="•"/>
-              <a:tabLst/>
             </a:pPr>
             <a:r>
-              <a:rPr kumimoji="0" lang="pt-BR" altLang="pt-BR" sz="2800" b="0" i="0" u="none" strike="noStrike" cap="none" normalizeH="0" baseline="0" err="1">
-                <a:ln>
-                  <a:noFill/>
-                </a:ln>
-                <a:solidFill>
-                  <a:schemeClr val="bg1"/>
-                </a:solidFill>
-                <a:effectLst/>
-                <a:latin typeface="Arial" panose="020B0604020202020204" pitchFamily="34" charset="0"/>
-              </a:rPr>
-              <a:t>campanha_anterior</a:t>
-            </a:r>
-            <a:r>
-              <a:rPr kumimoji="0" lang="pt-BR" altLang="pt-BR" sz="2800" b="0" i="0" u="none" strike="noStrike" cap="none" normalizeH="0" baseline="0">
-                <a:ln>
-                  <a:noFill/>
-                </a:ln>
-                <a:solidFill>
-                  <a:schemeClr val="bg1"/>
-                </a:solidFill>
-                <a:effectLst/>
+              <a:rPr lang="pt-BR" altLang="pt-BR" sz="2800" dirty="0" err="1">
+                <a:solidFill>
+                  <a:schemeClr val="tx1"/>
+                </a:solidFill>
+                <a:latin typeface="Arial" panose="020B0604020202020204" pitchFamily="34" charset="0"/>
+              </a:rPr>
+              <a:t>Has</a:t>
+            </a:r>
+            <a:r>
+              <a:rPr lang="pt-BR" altLang="pt-BR" sz="2800" dirty="0">
+                <a:solidFill>
+                  <a:schemeClr val="tx1"/>
+                </a:solidFill>
+                <a:latin typeface="Arial" panose="020B0604020202020204" pitchFamily="34" charset="0"/>
+              </a:rPr>
+              <a:t> a </a:t>
+            </a:r>
+            <a:r>
+              <a:rPr lang="pt-BR" altLang="pt-BR" sz="2800" dirty="0" err="1">
+                <a:solidFill>
+                  <a:schemeClr val="tx1"/>
+                </a:solidFill>
+                <a:latin typeface="Arial" panose="020B0604020202020204" pitchFamily="34" charset="0"/>
+              </a:rPr>
+              <a:t>housing</a:t>
+            </a:r>
+            <a:r>
+              <a:rPr lang="pt-BR" altLang="pt-BR" sz="2800" dirty="0">
+                <a:solidFill>
+                  <a:schemeClr val="tx1"/>
+                </a:solidFill>
                 <a:latin typeface="Arial" panose="020B0604020202020204" pitchFamily="34" charset="0"/>
               </a:rPr>
               <a:t> </a:t>
+            </a:r>
+            <a:r>
+              <a:rPr lang="pt-BR" altLang="pt-BR" sz="2800" dirty="0" err="1">
+                <a:solidFill>
+                  <a:schemeClr val="tx1"/>
+                </a:solidFill>
+                <a:latin typeface="Arial" panose="020B0604020202020204" pitchFamily="34" charset="0"/>
+              </a:rPr>
+              <a:t>loan</a:t>
+            </a:r>
+            <a:r>
+              <a:rPr lang="pt-BR" altLang="pt-BR" sz="2800" dirty="0">
+                <a:solidFill>
+                  <a:schemeClr val="tx1"/>
+                </a:solidFill>
+                <a:latin typeface="Arial" panose="020B0604020202020204" pitchFamily="34" charset="0"/>
+              </a:rPr>
+              <a:t>?</a:t>
             </a:r>
           </a:p>
           <a:p>
-            <a:pPr marL="0" marR="0" lvl="0" indent="0" algn="l" defTabSz="914400" rtl="0" eaLnBrk="0" fontAlgn="base" latinLnBrk="0" hangingPunct="0">
-              <a:lnSpc>
-                <a:spcPct val="100000"/>
-              </a:lnSpc>
+            <a:pPr algn="l" rtl="0" eaLnBrk="0" fontAlgn="base" hangingPunct="0">
               <a:spcBef>
                 <a:spcPct val="0"/>
               </a:spcBef>
               <a:spcAft>
                 <a:spcPct val="0"/>
               </a:spcAft>
-              <a:buClrTx/>
-              <a:buSzTx/>
               <a:buFontTx/>
               <a:buChar char="•"/>
-              <a:tabLst/>
             </a:pPr>
             <a:r>
-              <a:rPr kumimoji="0" lang="pt-BR" altLang="pt-BR" sz="2800" b="0" i="0" u="none" strike="noStrike" cap="none" normalizeH="0" baseline="0" err="1">
-                <a:ln>
-                  <a:noFill/>
-                </a:ln>
-                <a:solidFill>
-                  <a:schemeClr val="bg1"/>
-                </a:solidFill>
-                <a:effectLst/>
-                <a:latin typeface="Arial" panose="020B0604020202020204" pitchFamily="34" charset="0"/>
-              </a:rPr>
-              <a:t>res_campanha</a:t>
-            </a:r>
-            <a:r>
-              <a:rPr kumimoji="0" lang="pt-BR" altLang="pt-BR" sz="2800" b="0" i="0" u="none" strike="noStrike" cap="none" normalizeH="0" baseline="0">
-                <a:ln>
-                  <a:noFill/>
-                </a:ln>
-                <a:solidFill>
-                  <a:schemeClr val="bg1"/>
-                </a:solidFill>
-                <a:effectLst/>
-                <a:latin typeface="Arial" panose="020B0604020202020204" pitchFamily="34" charset="0"/>
-              </a:rPr>
-              <a:t> </a:t>
+              <a:rPr lang="pt-BR" altLang="pt-BR" sz="2800" dirty="0" err="1">
+                <a:solidFill>
+                  <a:schemeClr val="tx1"/>
+                </a:solidFill>
+                <a:latin typeface="Arial" panose="020B0604020202020204" pitchFamily="34" charset="0"/>
+              </a:rPr>
+              <a:t>Has</a:t>
+            </a:r>
+            <a:r>
+              <a:rPr lang="pt-BR" altLang="pt-BR" sz="2800" dirty="0">
+                <a:solidFill>
+                  <a:schemeClr val="tx1"/>
+                </a:solidFill>
+                <a:latin typeface="Arial" panose="020B0604020202020204" pitchFamily="34" charset="0"/>
+              </a:rPr>
+              <a:t> a personal </a:t>
+            </a:r>
+            <a:r>
+              <a:rPr lang="pt-BR" altLang="pt-BR" sz="2800" dirty="0" err="1">
+                <a:solidFill>
+                  <a:schemeClr val="tx1"/>
+                </a:solidFill>
+                <a:latin typeface="Arial" panose="020B0604020202020204" pitchFamily="34" charset="0"/>
+              </a:rPr>
+              <a:t>loan</a:t>
+            </a:r>
+            <a:r>
+              <a:rPr lang="pt-BR" altLang="pt-BR" sz="2800" dirty="0">
+                <a:solidFill>
+                  <a:schemeClr val="tx1"/>
+                </a:solidFill>
+                <a:latin typeface="Arial" panose="020B0604020202020204" pitchFamily="34" charset="0"/>
+              </a:rPr>
+              <a:t>?</a:t>
             </a:r>
           </a:p>
           <a:p>
-            <a:pPr marL="0" marR="0" lvl="0" indent="0" algn="l" defTabSz="914400" rtl="0" eaLnBrk="0" fontAlgn="base" latinLnBrk="0" hangingPunct="0">
-              <a:lnSpc>
-                <a:spcPct val="100000"/>
-              </a:lnSpc>
+            <a:pPr algn="l" rtl="0" eaLnBrk="0" fontAlgn="base" hangingPunct="0">
               <a:spcBef>
                 <a:spcPct val="0"/>
               </a:spcBef>
               <a:spcAft>
                 <a:spcPct val="0"/>
               </a:spcAft>
-              <a:buClrTx/>
-              <a:buSzTx/>
               <a:buFontTx/>
               <a:buChar char="•"/>
-              <a:tabLst/>
             </a:pPr>
             <a:r>
-              <a:rPr kumimoji="0" lang="pt-BR" altLang="pt-BR" sz="2800" b="0" i="0" u="none" strike="noStrike" cap="none" normalizeH="0" baseline="0">
-                <a:ln>
-                  <a:noFill/>
-                </a:ln>
-                <a:solidFill>
-                  <a:schemeClr val="bg1"/>
-                </a:solidFill>
-                <a:effectLst/>
-                <a:latin typeface="Arial" panose="020B0604020202020204" pitchFamily="34" charset="0"/>
-              </a:rPr>
-              <a:t>deposito </a:t>
+              <a:rPr lang="pt-BR" altLang="pt-BR" sz="2800" dirty="0">
+                <a:solidFill>
+                  <a:schemeClr val="tx1"/>
+                </a:solidFill>
+                <a:latin typeface="Arial" panose="020B0604020202020204" pitchFamily="34" charset="0"/>
+              </a:rPr>
+              <a:t>Contact communication </a:t>
+            </a:r>
+            <a:r>
+              <a:rPr lang="pt-BR" altLang="pt-BR" sz="2800" dirty="0" err="1">
+                <a:solidFill>
+                  <a:schemeClr val="tx1"/>
+                </a:solidFill>
+                <a:latin typeface="Arial" panose="020B0604020202020204" pitchFamily="34" charset="0"/>
+              </a:rPr>
+              <a:t>type</a:t>
+            </a:r>
+            <a:endParaRPr lang="pt-BR" altLang="pt-BR" sz="2800" dirty="0">
+              <a:solidFill>
+                <a:schemeClr val="tx1"/>
+              </a:solidFill>
+              <a:latin typeface="Arial" panose="020B0604020202020204" pitchFamily="34" charset="0"/>
+            </a:endParaRPr>
+          </a:p>
+          <a:p>
+            <a:pPr algn="l" rtl="0" eaLnBrk="0" fontAlgn="base" hangingPunct="0">
+              <a:spcBef>
+                <a:spcPct val="0"/>
+              </a:spcBef>
+              <a:spcAft>
+                <a:spcPct val="0"/>
+              </a:spcAft>
+              <a:buFontTx/>
+              <a:buChar char="•"/>
+            </a:pPr>
+            <a:r>
+              <a:rPr lang="pt-BR" altLang="pt-BR" sz="2800" dirty="0" err="1">
+                <a:solidFill>
+                  <a:schemeClr val="tx1"/>
+                </a:solidFill>
+                <a:latin typeface="Arial" panose="020B0604020202020204" pitchFamily="34" charset="0"/>
+              </a:rPr>
+              <a:t>Last</a:t>
+            </a:r>
+            <a:r>
+              <a:rPr lang="pt-BR" altLang="pt-BR" sz="2800" dirty="0">
+                <a:solidFill>
+                  <a:schemeClr val="tx1"/>
+                </a:solidFill>
+                <a:latin typeface="Arial" panose="020B0604020202020204" pitchFamily="34" charset="0"/>
+              </a:rPr>
+              <a:t> </a:t>
+            </a:r>
+            <a:r>
+              <a:rPr lang="pt-BR" altLang="pt-BR" sz="2800" dirty="0" err="1">
+                <a:solidFill>
+                  <a:schemeClr val="tx1"/>
+                </a:solidFill>
+                <a:latin typeface="Arial" panose="020B0604020202020204" pitchFamily="34" charset="0"/>
+              </a:rPr>
+              <a:t>contact</a:t>
+            </a:r>
+            <a:r>
+              <a:rPr lang="pt-BR" altLang="pt-BR" sz="2800" dirty="0">
+                <a:solidFill>
+                  <a:schemeClr val="tx1"/>
+                </a:solidFill>
+                <a:latin typeface="Arial" panose="020B0604020202020204" pitchFamily="34" charset="0"/>
+              </a:rPr>
+              <a:t> </a:t>
+            </a:r>
+            <a:r>
+              <a:rPr lang="pt-BR" altLang="pt-BR" sz="2800" dirty="0" err="1">
+                <a:solidFill>
+                  <a:schemeClr val="tx1"/>
+                </a:solidFill>
+                <a:latin typeface="Arial" panose="020B0604020202020204" pitchFamily="34" charset="0"/>
+              </a:rPr>
+              <a:t>day</a:t>
+            </a:r>
+            <a:r>
+              <a:rPr lang="pt-BR" altLang="pt-BR" sz="2800" dirty="0">
+                <a:solidFill>
+                  <a:schemeClr val="tx1"/>
+                </a:solidFill>
+                <a:latin typeface="Arial" panose="020B0604020202020204" pitchFamily="34" charset="0"/>
+              </a:rPr>
+              <a:t> </a:t>
+            </a:r>
+            <a:r>
+              <a:rPr lang="pt-BR" altLang="pt-BR" sz="2800" dirty="0" err="1">
+                <a:solidFill>
+                  <a:schemeClr val="tx1"/>
+                </a:solidFill>
+                <a:latin typeface="Arial" panose="020B0604020202020204" pitchFamily="34" charset="0"/>
+              </a:rPr>
+              <a:t>of</a:t>
+            </a:r>
+            <a:r>
+              <a:rPr lang="pt-BR" altLang="pt-BR" sz="2800" dirty="0">
+                <a:solidFill>
+                  <a:schemeClr val="tx1"/>
+                </a:solidFill>
+                <a:latin typeface="Arial" panose="020B0604020202020204" pitchFamily="34" charset="0"/>
+              </a:rPr>
+              <a:t> </a:t>
+            </a:r>
+            <a:r>
+              <a:rPr lang="pt-BR" altLang="pt-BR" sz="2800" dirty="0" err="1">
+                <a:solidFill>
+                  <a:schemeClr val="tx1"/>
+                </a:solidFill>
+                <a:latin typeface="Arial" panose="020B0604020202020204" pitchFamily="34" charset="0"/>
+              </a:rPr>
+              <a:t>the</a:t>
+            </a:r>
+            <a:r>
+              <a:rPr lang="pt-BR" altLang="pt-BR" sz="2800" dirty="0">
+                <a:solidFill>
+                  <a:schemeClr val="tx1"/>
+                </a:solidFill>
+                <a:latin typeface="Arial" panose="020B0604020202020204" pitchFamily="34" charset="0"/>
+              </a:rPr>
+              <a:t> </a:t>
+            </a:r>
+            <a:r>
+              <a:rPr lang="pt-BR" altLang="pt-BR" sz="2800" dirty="0" err="1">
+                <a:solidFill>
+                  <a:schemeClr val="tx1"/>
+                </a:solidFill>
+                <a:latin typeface="Arial" panose="020B0604020202020204" pitchFamily="34" charset="0"/>
+              </a:rPr>
+              <a:t>week</a:t>
+            </a:r>
+            <a:endParaRPr lang="pt-BR" altLang="pt-BR" sz="2800" dirty="0">
+              <a:solidFill>
+                <a:schemeClr val="tx1"/>
+              </a:solidFill>
+              <a:latin typeface="Arial" panose="020B0604020202020204" pitchFamily="34" charset="0"/>
+            </a:endParaRPr>
+          </a:p>
+          <a:p>
+            <a:pPr algn="l" rtl="0" eaLnBrk="0" fontAlgn="base" hangingPunct="0">
+              <a:spcBef>
+                <a:spcPct val="0"/>
+              </a:spcBef>
+              <a:spcAft>
+                <a:spcPct val="0"/>
+              </a:spcAft>
+              <a:buFontTx/>
+              <a:buChar char="•"/>
+            </a:pPr>
+            <a:r>
+              <a:rPr lang="pt-BR" altLang="pt-BR" sz="2800" dirty="0" err="1">
+                <a:solidFill>
+                  <a:schemeClr val="tx1"/>
+                </a:solidFill>
+                <a:latin typeface="Arial" panose="020B0604020202020204" pitchFamily="34" charset="0"/>
+              </a:rPr>
+              <a:t>Last</a:t>
+            </a:r>
+            <a:r>
+              <a:rPr lang="pt-BR" altLang="pt-BR" sz="2800" dirty="0">
+                <a:solidFill>
+                  <a:schemeClr val="tx1"/>
+                </a:solidFill>
+                <a:latin typeface="Arial" panose="020B0604020202020204" pitchFamily="34" charset="0"/>
+              </a:rPr>
+              <a:t> </a:t>
+            </a:r>
+            <a:r>
+              <a:rPr lang="pt-BR" altLang="pt-BR" sz="2800" dirty="0" err="1">
+                <a:solidFill>
+                  <a:schemeClr val="tx1"/>
+                </a:solidFill>
+                <a:latin typeface="Arial" panose="020B0604020202020204" pitchFamily="34" charset="0"/>
+              </a:rPr>
+              <a:t>contact</a:t>
+            </a:r>
+            <a:r>
+              <a:rPr lang="pt-BR" altLang="pt-BR" sz="2800" dirty="0">
+                <a:solidFill>
+                  <a:schemeClr val="tx1"/>
+                </a:solidFill>
+                <a:latin typeface="Arial" panose="020B0604020202020204" pitchFamily="34" charset="0"/>
+              </a:rPr>
+              <a:t> </a:t>
+            </a:r>
+            <a:r>
+              <a:rPr lang="pt-BR" altLang="pt-BR" sz="2800" dirty="0" err="1">
+                <a:solidFill>
+                  <a:schemeClr val="tx1"/>
+                </a:solidFill>
+                <a:latin typeface="Arial" panose="020B0604020202020204" pitchFamily="34" charset="0"/>
+              </a:rPr>
+              <a:t>month</a:t>
+            </a:r>
+            <a:r>
+              <a:rPr lang="pt-BR" altLang="pt-BR" sz="2800" dirty="0">
+                <a:solidFill>
+                  <a:schemeClr val="tx1"/>
+                </a:solidFill>
+                <a:latin typeface="Arial" panose="020B0604020202020204" pitchFamily="34" charset="0"/>
+              </a:rPr>
+              <a:t> </a:t>
+            </a:r>
+            <a:r>
+              <a:rPr lang="pt-BR" altLang="pt-BR" sz="2800" dirty="0" err="1">
+                <a:solidFill>
+                  <a:schemeClr val="tx1"/>
+                </a:solidFill>
+                <a:latin typeface="Arial" panose="020B0604020202020204" pitchFamily="34" charset="0"/>
+              </a:rPr>
+              <a:t>of</a:t>
+            </a:r>
+            <a:r>
+              <a:rPr lang="pt-BR" altLang="pt-BR" sz="2800" dirty="0">
+                <a:solidFill>
+                  <a:schemeClr val="tx1"/>
+                </a:solidFill>
+                <a:latin typeface="Arial" panose="020B0604020202020204" pitchFamily="34" charset="0"/>
+              </a:rPr>
+              <a:t> </a:t>
+            </a:r>
+            <a:r>
+              <a:rPr lang="pt-BR" altLang="pt-BR" sz="2800" dirty="0" err="1">
+                <a:solidFill>
+                  <a:schemeClr val="tx1"/>
+                </a:solidFill>
+                <a:latin typeface="Arial" panose="020B0604020202020204" pitchFamily="34" charset="0"/>
+              </a:rPr>
+              <a:t>the</a:t>
+            </a:r>
+            <a:r>
+              <a:rPr lang="pt-BR" altLang="pt-BR" sz="2800" dirty="0">
+                <a:solidFill>
+                  <a:schemeClr val="tx1"/>
+                </a:solidFill>
+                <a:latin typeface="Arial" panose="020B0604020202020204" pitchFamily="34" charset="0"/>
+              </a:rPr>
+              <a:t> </a:t>
+            </a:r>
+            <a:r>
+              <a:rPr lang="pt-BR" altLang="pt-BR" sz="2800" dirty="0" err="1">
+                <a:solidFill>
+                  <a:schemeClr val="tx1"/>
+                </a:solidFill>
+                <a:latin typeface="Arial" panose="020B0604020202020204" pitchFamily="34" charset="0"/>
+              </a:rPr>
+              <a:t>year</a:t>
+            </a:r>
+            <a:endParaRPr lang="pt-BR" altLang="pt-BR" sz="2800" dirty="0">
+              <a:solidFill>
+                <a:schemeClr val="tx1"/>
+              </a:solidFill>
+              <a:latin typeface="Arial" panose="020B0604020202020204" pitchFamily="34" charset="0"/>
+            </a:endParaRPr>
+          </a:p>
+          <a:p>
+            <a:pPr algn="l" rtl="0" eaLnBrk="0" fontAlgn="base" hangingPunct="0">
+              <a:spcBef>
+                <a:spcPct val="0"/>
+              </a:spcBef>
+              <a:spcAft>
+                <a:spcPct val="0"/>
+              </a:spcAft>
+              <a:buFontTx/>
+              <a:buChar char="•"/>
+            </a:pPr>
+            <a:r>
+              <a:rPr lang="pt-BR" altLang="pt-BR" sz="2800" dirty="0" err="1">
+                <a:solidFill>
+                  <a:schemeClr val="tx1"/>
+                </a:solidFill>
+                <a:latin typeface="Arial" panose="020B0604020202020204" pitchFamily="34" charset="0"/>
+              </a:rPr>
+              <a:t>Last</a:t>
+            </a:r>
+            <a:r>
+              <a:rPr lang="pt-BR" altLang="pt-BR" sz="2800" dirty="0">
+                <a:solidFill>
+                  <a:schemeClr val="tx1"/>
+                </a:solidFill>
+                <a:latin typeface="Arial" panose="020B0604020202020204" pitchFamily="34" charset="0"/>
+              </a:rPr>
+              <a:t> </a:t>
+            </a:r>
+            <a:r>
+              <a:rPr lang="pt-BR" altLang="pt-BR" sz="2800" dirty="0" err="1">
+                <a:solidFill>
+                  <a:schemeClr val="tx1"/>
+                </a:solidFill>
+                <a:latin typeface="Arial" panose="020B0604020202020204" pitchFamily="34" charset="0"/>
+              </a:rPr>
+              <a:t>contact</a:t>
+            </a:r>
+            <a:r>
+              <a:rPr lang="pt-BR" altLang="pt-BR" sz="2800" dirty="0">
+                <a:solidFill>
+                  <a:schemeClr val="tx1"/>
+                </a:solidFill>
+                <a:latin typeface="Arial" panose="020B0604020202020204" pitchFamily="34" charset="0"/>
+              </a:rPr>
+              <a:t> </a:t>
+            </a:r>
+            <a:r>
+              <a:rPr lang="pt-BR" altLang="pt-BR" sz="2800" dirty="0" err="1">
+                <a:solidFill>
+                  <a:schemeClr val="tx1"/>
+                </a:solidFill>
+                <a:latin typeface="Arial" panose="020B0604020202020204" pitchFamily="34" charset="0"/>
+              </a:rPr>
+              <a:t>duration</a:t>
+            </a:r>
+            <a:r>
+              <a:rPr lang="pt-BR" altLang="pt-BR" sz="2800" dirty="0">
+                <a:solidFill>
+                  <a:schemeClr val="tx1"/>
+                </a:solidFill>
+                <a:latin typeface="Arial" panose="020B0604020202020204" pitchFamily="34" charset="0"/>
+              </a:rPr>
+              <a:t>, in </a:t>
+            </a:r>
+            <a:r>
+              <a:rPr lang="pt-BR" altLang="pt-BR" sz="2800" dirty="0" err="1">
+                <a:solidFill>
+                  <a:schemeClr val="tx1"/>
+                </a:solidFill>
+                <a:latin typeface="Arial" panose="020B0604020202020204" pitchFamily="34" charset="0"/>
+              </a:rPr>
+              <a:t>seconds</a:t>
+            </a:r>
+            <a:r>
+              <a:rPr lang="pt-BR" altLang="pt-BR" sz="2800" dirty="0">
+                <a:solidFill>
+                  <a:schemeClr val="tx1"/>
+                </a:solidFill>
+                <a:latin typeface="Arial" panose="020B0604020202020204" pitchFamily="34" charset="0"/>
+              </a:rPr>
+              <a:t> (</a:t>
+            </a:r>
+            <a:r>
+              <a:rPr lang="pt-BR" altLang="pt-BR" sz="2800" dirty="0" err="1">
+                <a:solidFill>
+                  <a:schemeClr val="tx1"/>
+                </a:solidFill>
+                <a:latin typeface="Arial" panose="020B0604020202020204" pitchFamily="34" charset="0"/>
+              </a:rPr>
+              <a:t>integer</a:t>
+            </a:r>
+            <a:r>
+              <a:rPr lang="pt-BR" altLang="pt-BR" sz="2800" dirty="0">
+                <a:solidFill>
+                  <a:schemeClr val="tx1"/>
+                </a:solidFill>
+                <a:latin typeface="Arial" panose="020B0604020202020204" pitchFamily="34" charset="0"/>
+              </a:rPr>
+              <a:t>)</a:t>
+            </a:r>
+          </a:p>
+          <a:p>
+            <a:pPr algn="l" rtl="0" eaLnBrk="0" fontAlgn="base" hangingPunct="0">
+              <a:spcBef>
+                <a:spcPct val="0"/>
+              </a:spcBef>
+              <a:spcAft>
+                <a:spcPct val="0"/>
+              </a:spcAft>
+              <a:buFontTx/>
+              <a:buChar char="•"/>
+            </a:pPr>
+            <a:r>
+              <a:rPr lang="pt-BR" altLang="pt-BR" sz="2800" dirty="0" err="1">
+                <a:solidFill>
+                  <a:schemeClr val="tx1"/>
+                </a:solidFill>
+                <a:latin typeface="Arial" panose="020B0604020202020204" pitchFamily="34" charset="0"/>
+              </a:rPr>
+              <a:t>Number</a:t>
+            </a:r>
+            <a:r>
+              <a:rPr lang="pt-BR" altLang="pt-BR" sz="2800" dirty="0">
+                <a:solidFill>
+                  <a:schemeClr val="tx1"/>
+                </a:solidFill>
+                <a:latin typeface="Arial" panose="020B0604020202020204" pitchFamily="34" charset="0"/>
+              </a:rPr>
+              <a:t> </a:t>
+            </a:r>
+            <a:r>
+              <a:rPr lang="pt-BR" altLang="pt-BR" sz="2800" dirty="0" err="1">
+                <a:solidFill>
+                  <a:schemeClr val="tx1"/>
+                </a:solidFill>
+                <a:latin typeface="Arial" panose="020B0604020202020204" pitchFamily="34" charset="0"/>
+              </a:rPr>
+              <a:t>of</a:t>
+            </a:r>
+            <a:r>
+              <a:rPr lang="pt-BR" altLang="pt-BR" sz="2800" dirty="0">
+                <a:solidFill>
+                  <a:schemeClr val="tx1"/>
+                </a:solidFill>
+                <a:latin typeface="Arial" panose="020B0604020202020204" pitchFamily="34" charset="0"/>
+              </a:rPr>
+              <a:t> </a:t>
+            </a:r>
+            <a:r>
+              <a:rPr lang="pt-BR" altLang="pt-BR" sz="2800" dirty="0" err="1">
+                <a:solidFill>
+                  <a:schemeClr val="tx1"/>
+                </a:solidFill>
+                <a:latin typeface="Arial" panose="020B0604020202020204" pitchFamily="34" charset="0"/>
+              </a:rPr>
+              <a:t>contacts</a:t>
+            </a:r>
+            <a:r>
+              <a:rPr lang="pt-BR" altLang="pt-BR" sz="2800" dirty="0">
+                <a:solidFill>
+                  <a:schemeClr val="tx1"/>
+                </a:solidFill>
+                <a:latin typeface="Arial" panose="020B0604020202020204" pitchFamily="34" charset="0"/>
+              </a:rPr>
+              <a:t> </a:t>
+            </a:r>
+            <a:r>
+              <a:rPr lang="pt-BR" altLang="pt-BR" sz="2800" dirty="0" err="1">
+                <a:solidFill>
+                  <a:schemeClr val="tx1"/>
+                </a:solidFill>
+                <a:latin typeface="Arial" panose="020B0604020202020204" pitchFamily="34" charset="0"/>
+              </a:rPr>
+              <a:t>performed</a:t>
+            </a:r>
+            <a:r>
+              <a:rPr lang="pt-BR" altLang="pt-BR" sz="2800" dirty="0">
+                <a:solidFill>
+                  <a:schemeClr val="tx1"/>
+                </a:solidFill>
+                <a:latin typeface="Arial" panose="020B0604020202020204" pitchFamily="34" charset="0"/>
+              </a:rPr>
+              <a:t> </a:t>
+            </a:r>
+            <a:r>
+              <a:rPr lang="pt-BR" altLang="pt-BR" sz="2800" dirty="0" err="1">
+                <a:solidFill>
+                  <a:schemeClr val="tx1"/>
+                </a:solidFill>
+                <a:latin typeface="Arial" panose="020B0604020202020204" pitchFamily="34" charset="0"/>
+              </a:rPr>
+              <a:t>during</a:t>
+            </a:r>
+            <a:r>
+              <a:rPr lang="pt-BR" altLang="pt-BR" sz="2800" dirty="0">
+                <a:solidFill>
+                  <a:schemeClr val="tx1"/>
+                </a:solidFill>
+                <a:latin typeface="Arial" panose="020B0604020202020204" pitchFamily="34" charset="0"/>
+              </a:rPr>
+              <a:t> </a:t>
+            </a:r>
+            <a:r>
+              <a:rPr lang="pt-BR" altLang="pt-BR" sz="2800" dirty="0" err="1">
+                <a:solidFill>
+                  <a:schemeClr val="tx1"/>
+                </a:solidFill>
+                <a:latin typeface="Arial" panose="020B0604020202020204" pitchFamily="34" charset="0"/>
+              </a:rPr>
+              <a:t>this</a:t>
+            </a:r>
+            <a:r>
+              <a:rPr lang="pt-BR" altLang="pt-BR" sz="2800" dirty="0">
+                <a:solidFill>
+                  <a:schemeClr val="tx1"/>
+                </a:solidFill>
+                <a:latin typeface="Arial" panose="020B0604020202020204" pitchFamily="34" charset="0"/>
+              </a:rPr>
+              <a:t> </a:t>
+            </a:r>
+            <a:r>
+              <a:rPr lang="pt-BR" altLang="pt-BR" sz="2800" dirty="0" err="1">
+                <a:solidFill>
+                  <a:schemeClr val="tx1"/>
+                </a:solidFill>
+                <a:latin typeface="Arial" panose="020B0604020202020204" pitchFamily="34" charset="0"/>
+              </a:rPr>
+              <a:t>campaign</a:t>
+            </a:r>
+            <a:r>
+              <a:rPr lang="pt-BR" altLang="pt-BR" sz="2800" dirty="0">
+                <a:solidFill>
+                  <a:schemeClr val="tx1"/>
+                </a:solidFill>
+                <a:latin typeface="Arial" panose="020B0604020202020204" pitchFamily="34" charset="0"/>
+              </a:rPr>
+              <a:t> for </a:t>
+            </a:r>
+            <a:r>
+              <a:rPr lang="pt-BR" altLang="pt-BR" sz="2800" dirty="0" err="1">
+                <a:solidFill>
+                  <a:schemeClr val="tx1"/>
+                </a:solidFill>
+                <a:latin typeface="Arial" panose="020B0604020202020204" pitchFamily="34" charset="0"/>
+              </a:rPr>
+              <a:t>this</a:t>
+            </a:r>
+            <a:r>
+              <a:rPr lang="pt-BR" altLang="pt-BR" sz="2800" dirty="0">
+                <a:solidFill>
+                  <a:schemeClr val="tx1"/>
+                </a:solidFill>
+                <a:latin typeface="Arial" panose="020B0604020202020204" pitchFamily="34" charset="0"/>
+              </a:rPr>
+              <a:t> </a:t>
+            </a:r>
+            <a:r>
+              <a:rPr lang="pt-BR" altLang="pt-BR" sz="2800" dirty="0" err="1">
+                <a:solidFill>
+                  <a:schemeClr val="tx1"/>
+                </a:solidFill>
+                <a:latin typeface="Arial" panose="020B0604020202020204" pitchFamily="34" charset="0"/>
+              </a:rPr>
+              <a:t>client</a:t>
+            </a:r>
+            <a:endParaRPr lang="pt-BR" altLang="pt-BR" sz="2800" dirty="0">
+              <a:solidFill>
+                <a:schemeClr val="tx1"/>
+              </a:solidFill>
+              <a:latin typeface="Arial" panose="020B0604020202020204" pitchFamily="34" charset="0"/>
+            </a:endParaRPr>
+          </a:p>
+          <a:p>
+            <a:pPr algn="l" rtl="0" eaLnBrk="0" fontAlgn="base" hangingPunct="0">
+              <a:spcBef>
+                <a:spcPct val="0"/>
+              </a:spcBef>
+              <a:spcAft>
+                <a:spcPct val="0"/>
+              </a:spcAft>
+              <a:buFontTx/>
+              <a:buChar char="•"/>
+            </a:pPr>
+            <a:r>
+              <a:rPr lang="pt-BR" altLang="pt-BR" sz="2800" dirty="0" err="1">
+                <a:solidFill>
+                  <a:schemeClr val="tx1"/>
+                </a:solidFill>
+                <a:latin typeface="Arial" panose="020B0604020202020204" pitchFamily="34" charset="0"/>
+              </a:rPr>
+              <a:t>Days</a:t>
+            </a:r>
+            <a:r>
+              <a:rPr lang="pt-BR" altLang="pt-BR" sz="2800" dirty="0">
+                <a:solidFill>
+                  <a:schemeClr val="tx1"/>
+                </a:solidFill>
+                <a:latin typeface="Arial" panose="020B0604020202020204" pitchFamily="34" charset="0"/>
+              </a:rPr>
+              <a:t> </a:t>
+            </a:r>
+            <a:r>
+              <a:rPr lang="pt-BR" altLang="pt-BR" sz="2800" dirty="0" err="1">
+                <a:solidFill>
+                  <a:schemeClr val="tx1"/>
+                </a:solidFill>
+                <a:latin typeface="Arial" panose="020B0604020202020204" pitchFamily="34" charset="0"/>
+              </a:rPr>
+              <a:t>passed</a:t>
+            </a:r>
+            <a:r>
+              <a:rPr lang="pt-BR" altLang="pt-BR" sz="2800" dirty="0">
+                <a:solidFill>
+                  <a:schemeClr val="tx1"/>
+                </a:solidFill>
+                <a:latin typeface="Arial" panose="020B0604020202020204" pitchFamily="34" charset="0"/>
+              </a:rPr>
+              <a:t> </a:t>
+            </a:r>
+            <a:r>
+              <a:rPr lang="pt-BR" altLang="pt-BR" sz="2800" dirty="0" err="1">
+                <a:solidFill>
+                  <a:schemeClr val="tx1"/>
+                </a:solidFill>
+                <a:latin typeface="Arial" panose="020B0604020202020204" pitchFamily="34" charset="0"/>
+              </a:rPr>
+              <a:t>since</a:t>
+            </a:r>
+            <a:r>
+              <a:rPr lang="pt-BR" altLang="pt-BR" sz="2800" dirty="0">
+                <a:solidFill>
+                  <a:schemeClr val="tx1"/>
+                </a:solidFill>
+                <a:latin typeface="Arial" panose="020B0604020202020204" pitchFamily="34" charset="0"/>
+              </a:rPr>
+              <a:t> </a:t>
+            </a:r>
+            <a:r>
+              <a:rPr lang="pt-BR" altLang="pt-BR" sz="2800" dirty="0" err="1">
+                <a:solidFill>
+                  <a:schemeClr val="tx1"/>
+                </a:solidFill>
+                <a:latin typeface="Arial" panose="020B0604020202020204" pitchFamily="34" charset="0"/>
+              </a:rPr>
+              <a:t>last</a:t>
+            </a:r>
+            <a:r>
+              <a:rPr lang="pt-BR" altLang="pt-BR" sz="2800" dirty="0">
+                <a:solidFill>
+                  <a:schemeClr val="tx1"/>
+                </a:solidFill>
+                <a:latin typeface="Arial" panose="020B0604020202020204" pitchFamily="34" charset="0"/>
+              </a:rPr>
+              <a:t> </a:t>
+            </a:r>
+            <a:r>
+              <a:rPr lang="pt-BR" altLang="pt-BR" sz="2800" dirty="0" err="1">
+                <a:solidFill>
+                  <a:schemeClr val="tx1"/>
+                </a:solidFill>
+                <a:latin typeface="Arial" panose="020B0604020202020204" pitchFamily="34" charset="0"/>
+              </a:rPr>
+              <a:t>contact</a:t>
+            </a:r>
+            <a:r>
+              <a:rPr lang="pt-BR" altLang="pt-BR" sz="2800" dirty="0">
+                <a:solidFill>
+                  <a:schemeClr val="tx1"/>
+                </a:solidFill>
+                <a:latin typeface="Arial" panose="020B0604020202020204" pitchFamily="34" charset="0"/>
+              </a:rPr>
+              <a:t> </a:t>
+            </a:r>
+            <a:r>
+              <a:rPr lang="pt-BR" altLang="pt-BR" sz="2800" dirty="0" err="1">
+                <a:solidFill>
+                  <a:schemeClr val="tx1"/>
+                </a:solidFill>
+                <a:latin typeface="Arial" panose="020B0604020202020204" pitchFamily="34" charset="0"/>
+              </a:rPr>
+              <a:t>from</a:t>
+            </a:r>
+            <a:r>
+              <a:rPr lang="pt-BR" altLang="pt-BR" sz="2800" dirty="0">
+                <a:solidFill>
+                  <a:schemeClr val="tx1"/>
+                </a:solidFill>
+                <a:latin typeface="Arial" panose="020B0604020202020204" pitchFamily="34" charset="0"/>
+              </a:rPr>
+              <a:t> a </a:t>
+            </a:r>
+            <a:r>
+              <a:rPr lang="pt-BR" altLang="pt-BR" sz="2800" dirty="0" err="1">
+                <a:solidFill>
+                  <a:schemeClr val="tx1"/>
+                </a:solidFill>
+                <a:latin typeface="Arial" panose="020B0604020202020204" pitchFamily="34" charset="0"/>
+              </a:rPr>
+              <a:t>previous</a:t>
+            </a:r>
+            <a:r>
+              <a:rPr lang="pt-BR" altLang="pt-BR" sz="2800" dirty="0">
+                <a:solidFill>
+                  <a:schemeClr val="tx1"/>
+                </a:solidFill>
+                <a:latin typeface="Arial" panose="020B0604020202020204" pitchFamily="34" charset="0"/>
+              </a:rPr>
+              <a:t> </a:t>
+            </a:r>
+            <a:r>
+              <a:rPr lang="pt-BR" altLang="pt-BR" sz="2800" dirty="0" err="1">
+                <a:solidFill>
+                  <a:schemeClr val="tx1"/>
+                </a:solidFill>
+                <a:latin typeface="Arial" panose="020B0604020202020204" pitchFamily="34" charset="0"/>
+              </a:rPr>
+              <a:t>campaign</a:t>
+            </a:r>
+            <a:endParaRPr lang="pt-BR" altLang="pt-BR" sz="2800" dirty="0">
+              <a:solidFill>
+                <a:schemeClr val="tx1"/>
+              </a:solidFill>
+              <a:latin typeface="Arial" panose="020B0604020202020204" pitchFamily="34" charset="0"/>
+            </a:endParaRPr>
+          </a:p>
+          <a:p>
+            <a:pPr algn="l" rtl="0" eaLnBrk="0" fontAlgn="base" hangingPunct="0">
+              <a:spcBef>
+                <a:spcPct val="0"/>
+              </a:spcBef>
+              <a:spcAft>
+                <a:spcPct val="0"/>
+              </a:spcAft>
+              <a:buFontTx/>
+              <a:buChar char="•"/>
+            </a:pPr>
+            <a:r>
+              <a:rPr lang="pt-BR" altLang="pt-BR" sz="2800" dirty="0" err="1">
+                <a:solidFill>
+                  <a:schemeClr val="tx1"/>
+                </a:solidFill>
+                <a:latin typeface="Arial" panose="020B0604020202020204" pitchFamily="34" charset="0"/>
+              </a:rPr>
+              <a:t>Number</a:t>
+            </a:r>
+            <a:r>
+              <a:rPr lang="pt-BR" altLang="pt-BR" sz="2800" dirty="0">
+                <a:solidFill>
+                  <a:schemeClr val="tx1"/>
+                </a:solidFill>
+                <a:latin typeface="Arial" panose="020B0604020202020204" pitchFamily="34" charset="0"/>
+              </a:rPr>
+              <a:t> </a:t>
+            </a:r>
+            <a:r>
+              <a:rPr lang="pt-BR" altLang="pt-BR" sz="2800" dirty="0" err="1">
+                <a:solidFill>
+                  <a:schemeClr val="tx1"/>
+                </a:solidFill>
+                <a:latin typeface="Arial" panose="020B0604020202020204" pitchFamily="34" charset="0"/>
+              </a:rPr>
+              <a:t>of</a:t>
+            </a:r>
+            <a:r>
+              <a:rPr lang="pt-BR" altLang="pt-BR" sz="2800" dirty="0">
+                <a:solidFill>
+                  <a:schemeClr val="tx1"/>
+                </a:solidFill>
+                <a:latin typeface="Arial" panose="020B0604020202020204" pitchFamily="34" charset="0"/>
+              </a:rPr>
+              <a:t> </a:t>
+            </a:r>
+            <a:r>
+              <a:rPr lang="pt-BR" altLang="pt-BR" sz="2800" dirty="0" err="1">
+                <a:solidFill>
+                  <a:schemeClr val="tx1"/>
+                </a:solidFill>
+                <a:latin typeface="Arial" panose="020B0604020202020204" pitchFamily="34" charset="0"/>
+              </a:rPr>
+              <a:t>contacts</a:t>
+            </a:r>
+            <a:r>
+              <a:rPr lang="pt-BR" altLang="pt-BR" sz="2800" dirty="0">
+                <a:solidFill>
+                  <a:schemeClr val="tx1"/>
+                </a:solidFill>
+                <a:latin typeface="Arial" panose="020B0604020202020204" pitchFamily="34" charset="0"/>
+              </a:rPr>
+              <a:t> </a:t>
+            </a:r>
+            <a:r>
+              <a:rPr lang="pt-BR" altLang="pt-BR" sz="2800" dirty="0" err="1">
+                <a:solidFill>
+                  <a:schemeClr val="tx1"/>
+                </a:solidFill>
+                <a:latin typeface="Arial" panose="020B0604020202020204" pitchFamily="34" charset="0"/>
+              </a:rPr>
+              <a:t>before</a:t>
+            </a:r>
+            <a:r>
+              <a:rPr lang="pt-BR" altLang="pt-BR" sz="2800" dirty="0">
+                <a:solidFill>
+                  <a:schemeClr val="tx1"/>
+                </a:solidFill>
+                <a:latin typeface="Arial" panose="020B0604020202020204" pitchFamily="34" charset="0"/>
+              </a:rPr>
+              <a:t> </a:t>
+            </a:r>
+            <a:r>
+              <a:rPr lang="pt-BR" altLang="pt-BR" sz="2800" dirty="0" err="1">
+                <a:solidFill>
+                  <a:schemeClr val="tx1"/>
+                </a:solidFill>
+                <a:latin typeface="Arial" panose="020B0604020202020204" pitchFamily="34" charset="0"/>
+              </a:rPr>
+              <a:t>this</a:t>
+            </a:r>
+            <a:r>
+              <a:rPr lang="pt-BR" altLang="pt-BR" sz="2800" dirty="0">
+                <a:solidFill>
+                  <a:schemeClr val="tx1"/>
+                </a:solidFill>
+                <a:latin typeface="Arial" panose="020B0604020202020204" pitchFamily="34" charset="0"/>
+              </a:rPr>
+              <a:t> </a:t>
+            </a:r>
+            <a:r>
+              <a:rPr lang="pt-BR" altLang="pt-BR" sz="2800" dirty="0" err="1">
+                <a:solidFill>
+                  <a:schemeClr val="tx1"/>
+                </a:solidFill>
+                <a:latin typeface="Arial" panose="020B0604020202020204" pitchFamily="34" charset="0"/>
+              </a:rPr>
+              <a:t>campaign</a:t>
+            </a:r>
+            <a:r>
+              <a:rPr lang="pt-BR" altLang="pt-BR" sz="2800" dirty="0">
+                <a:solidFill>
+                  <a:schemeClr val="tx1"/>
+                </a:solidFill>
+                <a:latin typeface="Arial" panose="020B0604020202020204" pitchFamily="34" charset="0"/>
+              </a:rPr>
+              <a:t> for </a:t>
+            </a:r>
+            <a:r>
+              <a:rPr lang="pt-BR" altLang="pt-BR" sz="2800" dirty="0" err="1">
+                <a:solidFill>
+                  <a:schemeClr val="tx1"/>
+                </a:solidFill>
+                <a:latin typeface="Arial" panose="020B0604020202020204" pitchFamily="34" charset="0"/>
+              </a:rPr>
+              <a:t>this</a:t>
+            </a:r>
+            <a:r>
+              <a:rPr lang="pt-BR" altLang="pt-BR" sz="2800" dirty="0">
+                <a:solidFill>
+                  <a:schemeClr val="tx1"/>
+                </a:solidFill>
+                <a:latin typeface="Arial" panose="020B0604020202020204" pitchFamily="34" charset="0"/>
+              </a:rPr>
+              <a:t> </a:t>
+            </a:r>
+            <a:r>
+              <a:rPr lang="pt-BR" altLang="pt-BR" sz="2800" dirty="0" err="1">
+                <a:solidFill>
+                  <a:schemeClr val="tx1"/>
+                </a:solidFill>
+                <a:latin typeface="Arial" panose="020B0604020202020204" pitchFamily="34" charset="0"/>
+              </a:rPr>
+              <a:t>client</a:t>
+            </a:r>
+            <a:r>
+              <a:rPr lang="pt-BR" altLang="pt-BR" sz="2800" dirty="0">
+                <a:solidFill>
+                  <a:schemeClr val="tx1"/>
+                </a:solidFill>
+                <a:latin typeface="Arial" panose="020B0604020202020204" pitchFamily="34" charset="0"/>
+              </a:rPr>
+              <a:t> (</a:t>
+            </a:r>
+            <a:r>
+              <a:rPr lang="pt-BR" altLang="pt-BR" sz="2800" dirty="0" err="1">
+                <a:solidFill>
+                  <a:schemeClr val="tx1"/>
+                </a:solidFill>
+                <a:latin typeface="Arial" panose="020B0604020202020204" pitchFamily="34" charset="0"/>
+              </a:rPr>
+              <a:t>integer</a:t>
+            </a:r>
+            <a:r>
+              <a:rPr lang="pt-BR" altLang="pt-BR" sz="2800" dirty="0">
+                <a:solidFill>
+                  <a:schemeClr val="tx1"/>
+                </a:solidFill>
+                <a:latin typeface="Arial" panose="020B0604020202020204" pitchFamily="34" charset="0"/>
+              </a:rPr>
+              <a:t>)</a:t>
+            </a:r>
+          </a:p>
+          <a:p>
+            <a:pPr algn="l" rtl="0" eaLnBrk="0" fontAlgn="base" hangingPunct="0">
+              <a:spcBef>
+                <a:spcPct val="0"/>
+              </a:spcBef>
+              <a:spcAft>
+                <a:spcPct val="0"/>
+              </a:spcAft>
+              <a:buFontTx/>
+              <a:buChar char="•"/>
+            </a:pPr>
+            <a:r>
+              <a:rPr lang="pt-BR" altLang="pt-BR" sz="2800" dirty="0" err="1">
+                <a:solidFill>
+                  <a:schemeClr val="tx1"/>
+                </a:solidFill>
+                <a:latin typeface="Arial" panose="020B0604020202020204" pitchFamily="34" charset="0"/>
+              </a:rPr>
+              <a:t>Outcome</a:t>
+            </a:r>
+            <a:r>
+              <a:rPr lang="pt-BR" altLang="pt-BR" sz="2800" dirty="0">
+                <a:solidFill>
+                  <a:schemeClr val="tx1"/>
+                </a:solidFill>
+                <a:latin typeface="Arial" panose="020B0604020202020204" pitchFamily="34" charset="0"/>
+              </a:rPr>
+              <a:t> </a:t>
+            </a:r>
+            <a:r>
+              <a:rPr lang="pt-BR" altLang="pt-BR" sz="2800" dirty="0" err="1">
+                <a:solidFill>
+                  <a:schemeClr val="tx1"/>
+                </a:solidFill>
+                <a:latin typeface="Arial" panose="020B0604020202020204" pitchFamily="34" charset="0"/>
+              </a:rPr>
+              <a:t>of</a:t>
+            </a:r>
+            <a:r>
+              <a:rPr lang="pt-BR" altLang="pt-BR" sz="2800" dirty="0">
+                <a:solidFill>
+                  <a:schemeClr val="tx1"/>
+                </a:solidFill>
+                <a:latin typeface="Arial" panose="020B0604020202020204" pitchFamily="34" charset="0"/>
+              </a:rPr>
+              <a:t> </a:t>
+            </a:r>
+            <a:r>
+              <a:rPr lang="pt-BR" altLang="pt-BR" sz="2800" dirty="0" err="1">
+                <a:solidFill>
+                  <a:schemeClr val="tx1"/>
+                </a:solidFill>
+                <a:latin typeface="Arial" panose="020B0604020202020204" pitchFamily="34" charset="0"/>
+              </a:rPr>
+              <a:t>the</a:t>
+            </a:r>
+            <a:r>
+              <a:rPr lang="pt-BR" altLang="pt-BR" sz="2800" dirty="0">
+                <a:solidFill>
+                  <a:schemeClr val="tx1"/>
+                </a:solidFill>
+                <a:latin typeface="Arial" panose="020B0604020202020204" pitchFamily="34" charset="0"/>
+              </a:rPr>
+              <a:t> </a:t>
+            </a:r>
+            <a:r>
+              <a:rPr lang="pt-BR" altLang="pt-BR" sz="2800" dirty="0" err="1">
+                <a:solidFill>
+                  <a:schemeClr val="tx1"/>
+                </a:solidFill>
+                <a:latin typeface="Arial" panose="020B0604020202020204" pitchFamily="34" charset="0"/>
+              </a:rPr>
+              <a:t>previous</a:t>
+            </a:r>
+            <a:r>
+              <a:rPr lang="pt-BR" altLang="pt-BR" sz="2800" dirty="0">
+                <a:solidFill>
+                  <a:schemeClr val="tx1"/>
+                </a:solidFill>
+                <a:latin typeface="Arial" panose="020B0604020202020204" pitchFamily="34" charset="0"/>
+              </a:rPr>
+              <a:t> marketing </a:t>
+            </a:r>
+            <a:r>
+              <a:rPr lang="pt-BR" altLang="pt-BR" sz="2800" dirty="0" err="1">
+                <a:solidFill>
+                  <a:schemeClr val="tx1"/>
+                </a:solidFill>
+                <a:latin typeface="Arial" panose="020B0604020202020204" pitchFamily="34" charset="0"/>
+              </a:rPr>
+              <a:t>campaign</a:t>
+            </a:r>
+            <a:endParaRPr lang="pt-BR" altLang="pt-BR" sz="2800" dirty="0">
+              <a:solidFill>
+                <a:schemeClr val="tx1"/>
+              </a:solidFill>
+              <a:latin typeface="Arial" panose="020B0604020202020204" pitchFamily="34" charset="0"/>
+            </a:endParaRPr>
+          </a:p>
+          <a:p>
+            <a:pPr algn="l" rtl="0" eaLnBrk="0" fontAlgn="base" hangingPunct="0">
+              <a:spcBef>
+                <a:spcPct val="0"/>
+              </a:spcBef>
+              <a:spcAft>
+                <a:spcPct val="0"/>
+              </a:spcAft>
+              <a:buFontTx/>
+              <a:buChar char="•"/>
+            </a:pPr>
+            <a:r>
+              <a:rPr lang="pt-BR" altLang="pt-BR" sz="2800" dirty="0" err="1">
+                <a:solidFill>
+                  <a:schemeClr val="tx1"/>
+                </a:solidFill>
+                <a:latin typeface="Arial" panose="020B0604020202020204" pitchFamily="34" charset="0"/>
+              </a:rPr>
+              <a:t>Has</a:t>
+            </a:r>
+            <a:r>
+              <a:rPr lang="pt-BR" altLang="pt-BR" sz="2800" dirty="0">
+                <a:solidFill>
+                  <a:schemeClr val="tx1"/>
+                </a:solidFill>
+                <a:latin typeface="Arial" panose="020B0604020202020204" pitchFamily="34" charset="0"/>
+              </a:rPr>
+              <a:t> </a:t>
+            </a:r>
+            <a:r>
+              <a:rPr lang="pt-BR" altLang="pt-BR" sz="2800" dirty="0" err="1">
+                <a:solidFill>
+                  <a:schemeClr val="tx1"/>
+                </a:solidFill>
+                <a:latin typeface="Arial" panose="020B0604020202020204" pitchFamily="34" charset="0"/>
+              </a:rPr>
+              <a:t>the</a:t>
+            </a:r>
+            <a:r>
+              <a:rPr lang="pt-BR" altLang="pt-BR" sz="2800" dirty="0">
+                <a:solidFill>
+                  <a:schemeClr val="tx1"/>
+                </a:solidFill>
+                <a:latin typeface="Arial" panose="020B0604020202020204" pitchFamily="34" charset="0"/>
+              </a:rPr>
+              <a:t> </a:t>
+            </a:r>
+            <a:r>
+              <a:rPr lang="pt-BR" altLang="pt-BR" sz="2800" dirty="0" err="1">
+                <a:solidFill>
+                  <a:schemeClr val="tx1"/>
+                </a:solidFill>
+                <a:latin typeface="Arial" panose="020B0604020202020204" pitchFamily="34" charset="0"/>
+              </a:rPr>
+              <a:t>client</a:t>
+            </a:r>
+            <a:r>
+              <a:rPr lang="pt-BR" altLang="pt-BR" sz="2800" dirty="0">
+                <a:solidFill>
+                  <a:schemeClr val="tx1"/>
+                </a:solidFill>
+                <a:latin typeface="Arial" panose="020B0604020202020204" pitchFamily="34" charset="0"/>
+              </a:rPr>
+              <a:t> </a:t>
+            </a:r>
+            <a:r>
+              <a:rPr lang="pt-BR" altLang="pt-BR" sz="2800" dirty="0" err="1">
+                <a:solidFill>
+                  <a:schemeClr val="tx1"/>
+                </a:solidFill>
+                <a:latin typeface="Arial" panose="020B0604020202020204" pitchFamily="34" charset="0"/>
+              </a:rPr>
+              <a:t>subscribed</a:t>
+            </a:r>
+            <a:r>
+              <a:rPr lang="pt-BR" altLang="pt-BR" sz="2800" dirty="0">
+                <a:solidFill>
+                  <a:schemeClr val="tx1"/>
+                </a:solidFill>
+                <a:latin typeface="Arial" panose="020B0604020202020204" pitchFamily="34" charset="0"/>
+              </a:rPr>
+              <a:t> </a:t>
+            </a:r>
+            <a:r>
+              <a:rPr lang="pt-BR" altLang="pt-BR" sz="2800" dirty="0" err="1">
+                <a:solidFill>
+                  <a:schemeClr val="tx1"/>
+                </a:solidFill>
+                <a:latin typeface="Arial" panose="020B0604020202020204" pitchFamily="34" charset="0"/>
+              </a:rPr>
+              <a:t>to</a:t>
+            </a:r>
+            <a:r>
+              <a:rPr lang="pt-BR" altLang="pt-BR" sz="2800" dirty="0">
+                <a:solidFill>
+                  <a:schemeClr val="tx1"/>
+                </a:solidFill>
+                <a:latin typeface="Arial" panose="020B0604020202020204" pitchFamily="34" charset="0"/>
+              </a:rPr>
+              <a:t> a </a:t>
+            </a:r>
+            <a:r>
+              <a:rPr lang="pt-BR" altLang="pt-BR" sz="2800" dirty="0" err="1">
+                <a:solidFill>
+                  <a:schemeClr val="tx1"/>
+                </a:solidFill>
+                <a:latin typeface="Arial" panose="020B0604020202020204" pitchFamily="34" charset="0"/>
+              </a:rPr>
+              <a:t>term</a:t>
+            </a:r>
+            <a:r>
+              <a:rPr lang="pt-BR" altLang="pt-BR" sz="2800" dirty="0">
+                <a:solidFill>
+                  <a:schemeClr val="tx1"/>
+                </a:solidFill>
+                <a:latin typeface="Arial" panose="020B0604020202020204" pitchFamily="34" charset="0"/>
+              </a:rPr>
+              <a:t> </a:t>
+            </a:r>
+            <a:r>
+              <a:rPr lang="pt-BR" altLang="pt-BR" sz="2800" dirty="0" err="1">
+                <a:solidFill>
+                  <a:schemeClr val="tx1"/>
+                </a:solidFill>
+                <a:latin typeface="Arial" panose="020B0604020202020204" pitchFamily="34" charset="0"/>
+              </a:rPr>
+              <a:t>deposit</a:t>
+            </a:r>
+            <a:r>
+              <a:rPr lang="pt-BR" altLang="pt-BR" sz="2800" dirty="0">
+                <a:solidFill>
+                  <a:schemeClr val="tx1"/>
+                </a:solidFill>
+                <a:latin typeface="Arial" panose="020B0604020202020204" pitchFamily="34" charset="0"/>
+              </a:rPr>
+              <a:t>?</a:t>
             </a:r>
           </a:p>
         </p:txBody>
       </p:sp>
       <p:sp>
         <p:nvSpPr>
-          <p:cNvPr id="8" name="Rectangle 2">
+          <p:cNvPr id="4" name="Rectangle 2">
             <a:extLst>
               <a:ext uri="{FF2B5EF4-FFF2-40B4-BE49-F238E27FC236}">
-                <a16:creationId xmlns:a16="http://schemas.microsoft.com/office/drawing/2014/main" id="{94F2992E-ADEF-C02A-AEF2-EF4F52917744}"/>
+                <a16:creationId xmlns:a16="http://schemas.microsoft.com/office/drawing/2014/main" id="{325C55DE-7F7D-7407-7CD6-FA1D74D9BCA2}"/>
               </a:ext>
             </a:extLst>
           </p:cNvPr>
@@ -11756,8 +13362,8 @@
         </p:nvSpPr>
         <p:spPr bwMode="auto">
           <a:xfrm>
-            <a:off x="5543806" y="1263133"/>
-            <a:ext cx="11163634" cy="7848302"/>
+            <a:off x="381000" y="1694020"/>
+            <a:ext cx="1890261" cy="7417415"/>
           </a:xfrm>
           <a:prstGeom prst="rect">
             <a:avLst/>
@@ -11818,17 +13424,49 @@
               <a:buClrTx/>
               <a:buSzTx/>
               <a:buFontTx/>
-              <a:buNone/>
+              <a:buChar char="•"/>
               <a:tabLst/>
             </a:pPr>
-            <a:endParaRPr kumimoji="0" lang="pt-BR" altLang="pt-BR" sz="2800" b="0" i="0" u="none" strike="noStrike" cap="none" normalizeH="0" baseline="0">
-              <a:ln>
-                <a:noFill/>
-              </a:ln>
+            <a:r>
+              <a:rPr lang="pt-BR" altLang="pt-BR" sz="2800" dirty="0">
+                <a:solidFill>
+                  <a:schemeClr val="bg1"/>
+                </a:solidFill>
+                <a:latin typeface="Arial" panose="020B0604020202020204" pitchFamily="34" charset="0"/>
+              </a:rPr>
+              <a:t>age</a:t>
+            </a:r>
+          </a:p>
+          <a:p>
+            <a:pPr marL="0" marR="0" lvl="0" indent="0" algn="l" defTabSz="914400" rtl="0" eaLnBrk="0" fontAlgn="base" latinLnBrk="0" hangingPunct="0">
+              <a:lnSpc>
+                <a:spcPct val="100000"/>
+              </a:lnSpc>
+              <a:spcBef>
+                <a:spcPct val="0"/>
+              </a:spcBef>
+              <a:spcAft>
+                <a:spcPct val="0"/>
+              </a:spcAft>
+              <a:buClrTx/>
+              <a:buSzTx/>
+              <a:buFontTx/>
+              <a:buChar char="•"/>
+              <a:tabLst/>
+            </a:pPr>
+            <a:r>
+              <a:rPr lang="pt-BR" altLang="pt-BR" sz="2800" dirty="0" err="1">
+                <a:solidFill>
+                  <a:schemeClr val="bg1"/>
+                </a:solidFill>
+                <a:latin typeface="Arial" panose="020B0604020202020204" pitchFamily="34" charset="0"/>
+              </a:rPr>
+              <a:t>job</a:t>
+            </a:r>
+            <a:endParaRPr lang="pt-BR" altLang="pt-BR" sz="2800" dirty="0">
               <a:solidFill>
-                <a:schemeClr val="tx1"/>
+                <a:schemeClr val="bg1"/>
               </a:solidFill>
-              <a:effectLst/>
               <a:latin typeface="Arial" panose="020B0604020202020204" pitchFamily="34" charset="0"/>
             </a:endParaRPr>
           </a:p>
@@ -11845,20 +13483,18 @@
               </a:spcAft>
               <a:buClrTx/>
               <a:buSzTx/>
+              <a:buFontTx/>
+              <a:buChar char="•"/>
               <a:tabLst/>
             </a:pPr>
             <a:r>
-              <a:rPr kumimoji="0" lang="pt-BR" altLang="pt-BR" sz="2800" b="0" i="0" u="none" strike="noStrike" cap="none" normalizeH="0" baseline="0">
-                <a:ln>
-                  <a:noFill/>
-                </a:ln>
-                <a:solidFill>
-                  <a:schemeClr val="tx1"/>
-                </a:solidFill>
-                <a:effectLst/>
-                <a:latin typeface="Arial" panose="020B0604020202020204" pitchFamily="34" charset="0"/>
-              </a:rPr>
-              <a:t>- Idade do cliente.</a:t>
+              <a:rPr lang="pt-BR" altLang="pt-BR" sz="2800" dirty="0">
+                <a:solidFill>
+                  <a:schemeClr val="bg1"/>
+                </a:solidFill>
+                <a:latin typeface="Arial" panose="020B0604020202020204" pitchFamily="34" charset="0"/>
+              </a:rPr>
+              <a:t>marital</a:t>
             </a:r>
           </a:p>
           <a:p>
@@ -11874,21 +13510,25 @@
               </a:spcAft>
               <a:buClrTx/>
               <a:buSzTx/>
+              <a:buFontTx/>
+              <a:buChar char="•"/>
               <a:tabLst/>
             </a:pPr>
             <a:r>
-              <a:rPr kumimoji="0" lang="pt-BR" altLang="pt-BR" sz="2800" b="0" i="0" u="none" strike="noStrike" cap="none" normalizeH="0" baseline="0">
-                <a:ln>
-                  <a:noFill/>
-                </a:ln>
-                <a:solidFill>
-                  <a:schemeClr val="tx1"/>
-                </a:solidFill>
-                <a:effectLst/>
-                <a:latin typeface="Arial" panose="020B0604020202020204" pitchFamily="34" charset="0"/>
-              </a:rPr>
-              <a:t>- Tipo de emprego.</a:t>
-            </a:r>
+              <a:rPr lang="pt-BR" altLang="pt-BR" sz="2800" dirty="0" err="1">
+                <a:solidFill>
+                  <a:schemeClr val="bg1"/>
+                </a:solidFill>
+                <a:latin typeface="Arial" panose="020B0604020202020204" pitchFamily="34" charset="0"/>
+              </a:rPr>
+              <a:t>education</a:t>
+            </a:r>
+            <a:endParaRPr lang="pt-BR" altLang="pt-BR" sz="2800" dirty="0">
+              <a:solidFill>
+                <a:schemeClr val="bg1"/>
+              </a:solidFill>
+              <a:latin typeface="Arial" panose="020B0604020202020204" pitchFamily="34" charset="0"/>
+            </a:endParaRPr>
           </a:p>
           <a:p>
             <a:pPr marL="0" marR="0" lvl="0" indent="0" algn="l" defTabSz="914400" rtl="0" eaLnBrk="0" fontAlgn="base" latinLnBrk="0" hangingPunct="0">
@@ -11903,20 +13543,18 @@
               </a:spcAft>
               <a:buClrTx/>
               <a:buSzTx/>
+              <a:buFontTx/>
+              <a:buChar char="•"/>
               <a:tabLst/>
             </a:pPr>
             <a:r>
-              <a:rPr kumimoji="0" lang="pt-BR" altLang="pt-BR" sz="2800" b="0" i="0" u="none" strike="noStrike" cap="none" normalizeH="0" baseline="0">
-                <a:ln>
-                  <a:noFill/>
-                </a:ln>
-                <a:solidFill>
-                  <a:schemeClr val="tx1"/>
-                </a:solidFill>
-                <a:effectLst/>
-                <a:latin typeface="Arial" panose="020B0604020202020204" pitchFamily="34" charset="0"/>
-              </a:rPr>
-              <a:t>- Estado civil.</a:t>
+              <a:rPr lang="pt-BR" altLang="pt-BR" sz="2800" dirty="0">
+                <a:solidFill>
+                  <a:schemeClr val="bg1"/>
+                </a:solidFill>
+                <a:latin typeface="Arial" panose="020B0604020202020204" pitchFamily="34" charset="0"/>
+              </a:rPr>
+              <a:t>default</a:t>
             </a:r>
           </a:p>
           <a:p>
@@ -11932,20 +13570,18 @@
               </a:spcAft>
               <a:buClrTx/>
               <a:buSzTx/>
+              <a:buFontTx/>
+              <a:buChar char="•"/>
               <a:tabLst/>
             </a:pPr>
             <a:r>
-              <a:rPr kumimoji="0" lang="pt-BR" altLang="pt-BR" sz="2800" b="0" i="0" u="none" strike="noStrike" cap="none" normalizeH="0" baseline="0">
-                <a:ln>
-                  <a:noFill/>
-                </a:ln>
-                <a:solidFill>
-                  <a:schemeClr val="tx1"/>
-                </a:solidFill>
-                <a:effectLst/>
-                <a:latin typeface="Arial" panose="020B0604020202020204" pitchFamily="34" charset="0"/>
-              </a:rPr>
-              <a:t>- Nível de educação.</a:t>
+              <a:rPr lang="pt-BR" altLang="pt-BR" sz="2800" dirty="0">
+                <a:solidFill>
+                  <a:schemeClr val="bg1"/>
+                </a:solidFill>
+                <a:latin typeface="Arial" panose="020B0604020202020204" pitchFamily="34" charset="0"/>
+              </a:rPr>
+              <a:t>balance</a:t>
             </a:r>
           </a:p>
           <a:p>
@@ -11961,21 +13597,25 @@
               </a:spcAft>
               <a:buClrTx/>
               <a:buSzTx/>
+              <a:buFontTx/>
+              <a:buChar char="•"/>
               <a:tabLst/>
             </a:pPr>
             <a:r>
-              <a:rPr kumimoji="0" lang="pt-BR" altLang="pt-BR" sz="2800" b="0" i="0" u="none" strike="noStrike" cap="none" normalizeH="0" baseline="0">
-                <a:ln>
-                  <a:noFill/>
-                </a:ln>
-                <a:solidFill>
-                  <a:schemeClr val="tx1"/>
-                </a:solidFill>
-                <a:effectLst/>
-                <a:latin typeface="Arial" panose="020B0604020202020204" pitchFamily="34" charset="0"/>
-              </a:rPr>
-              <a:t>- Possui crédito em inadimplência? </a:t>
-            </a:r>
+              <a:rPr lang="pt-BR" altLang="pt-BR" sz="2800" dirty="0" err="1">
+                <a:solidFill>
+                  <a:schemeClr val="bg1"/>
+                </a:solidFill>
+                <a:latin typeface="Arial" panose="020B0604020202020204" pitchFamily="34" charset="0"/>
+              </a:rPr>
+              <a:t>housing</a:t>
+            </a:r>
+            <a:endParaRPr lang="pt-BR" altLang="pt-BR" sz="2800" dirty="0">
+              <a:solidFill>
+                <a:schemeClr val="bg1"/>
+              </a:solidFill>
+              <a:latin typeface="Arial" panose="020B0604020202020204" pitchFamily="34" charset="0"/>
+            </a:endParaRPr>
           </a:p>
           <a:p>
             <a:pPr marL="0" marR="0" lvl="0" indent="0" algn="l" defTabSz="914400" rtl="0" eaLnBrk="0" fontAlgn="base" latinLnBrk="0" hangingPunct="0">
@@ -11990,21 +13630,25 @@
               </a:spcAft>
               <a:buClrTx/>
               <a:buSzTx/>
+              <a:buFontTx/>
+              <a:buChar char="•"/>
               <a:tabLst/>
             </a:pPr>
             <a:r>
-              <a:rPr kumimoji="0" lang="pt-BR" altLang="pt-BR" sz="2800" b="0" i="0" u="none" strike="noStrike" cap="none" normalizeH="0" baseline="0">
-                <a:ln>
-                  <a:noFill/>
-                </a:ln>
-                <a:solidFill>
-                  <a:schemeClr val="tx1"/>
-                </a:solidFill>
-                <a:effectLst/>
-                <a:latin typeface="Arial" panose="020B0604020202020204" pitchFamily="34" charset="0"/>
-              </a:rPr>
-              <a:t>- Saldo médio anual (em euros).</a:t>
-            </a:r>
+              <a:rPr lang="pt-BR" altLang="pt-BR" sz="2800" dirty="0" err="1">
+                <a:solidFill>
+                  <a:schemeClr val="bg1"/>
+                </a:solidFill>
+                <a:latin typeface="Arial" panose="020B0604020202020204" pitchFamily="34" charset="0"/>
+              </a:rPr>
+              <a:t>loan</a:t>
+            </a:r>
+            <a:endParaRPr lang="pt-BR" altLang="pt-BR" sz="2800" dirty="0">
+              <a:solidFill>
+                <a:schemeClr val="bg1"/>
+              </a:solidFill>
+              <a:latin typeface="Arial" panose="020B0604020202020204" pitchFamily="34" charset="0"/>
+            </a:endParaRPr>
           </a:p>
           <a:p>
             <a:pPr marL="0" marR="0" lvl="0" indent="0" algn="l" defTabSz="914400" rtl="0" eaLnBrk="0" fontAlgn="base" latinLnBrk="0" hangingPunct="0">
@@ -12019,21 +13663,25 @@
               </a:spcAft>
               <a:buClrTx/>
               <a:buSzTx/>
+              <a:buFontTx/>
+              <a:buChar char="•"/>
               <a:tabLst/>
             </a:pPr>
             <a:r>
-              <a:rPr kumimoji="0" lang="pt-BR" altLang="pt-BR" sz="2800" b="0" i="0" u="none" strike="noStrike" cap="none" normalizeH="0" baseline="0">
-                <a:ln>
-                  <a:noFill/>
-                </a:ln>
-                <a:solidFill>
-                  <a:schemeClr val="tx1"/>
-                </a:solidFill>
-                <a:effectLst/>
-                <a:latin typeface="Arial" panose="020B0604020202020204" pitchFamily="34" charset="0"/>
-              </a:rPr>
-              <a:t>- Possui empréstimo habitacional? </a:t>
-            </a:r>
+              <a:rPr lang="pt-BR" altLang="pt-BR" sz="2800" dirty="0" err="1">
+                <a:solidFill>
+                  <a:schemeClr val="bg1"/>
+                </a:solidFill>
+                <a:latin typeface="Arial" panose="020B0604020202020204" pitchFamily="34" charset="0"/>
+              </a:rPr>
+              <a:t>contact</a:t>
+            </a:r>
+            <a:endParaRPr lang="pt-BR" altLang="pt-BR" sz="2800" dirty="0">
+              <a:solidFill>
+                <a:schemeClr val="bg1"/>
+              </a:solidFill>
+              <a:latin typeface="Arial" panose="020B0604020202020204" pitchFamily="34" charset="0"/>
+            </a:endParaRPr>
           </a:p>
           <a:p>
             <a:pPr marL="0" marR="0" lvl="0" indent="0" algn="l" defTabSz="914400" rtl="0" eaLnBrk="0" fontAlgn="base" latinLnBrk="0" hangingPunct="0">
@@ -12048,21 +13696,25 @@
               </a:spcAft>
               <a:buClrTx/>
               <a:buSzTx/>
+              <a:buFontTx/>
+              <a:buChar char="•"/>
               <a:tabLst/>
             </a:pPr>
             <a:r>
-              <a:rPr kumimoji="0" lang="pt-BR" altLang="pt-BR" sz="2800" b="0" i="0" u="none" strike="noStrike" cap="none" normalizeH="0" baseline="0">
-                <a:ln>
-                  <a:noFill/>
-                </a:ln>
-                <a:solidFill>
-                  <a:schemeClr val="tx1"/>
-                </a:solidFill>
-                <a:effectLst/>
-                <a:latin typeface="Arial" panose="020B0604020202020204" pitchFamily="34" charset="0"/>
-              </a:rPr>
-              <a:t>- Possui empréstimo pessoal? </a:t>
-            </a:r>
+              <a:rPr lang="pt-BR" altLang="pt-BR" sz="2800" dirty="0" err="1">
+                <a:solidFill>
+                  <a:schemeClr val="bg1"/>
+                </a:solidFill>
+                <a:latin typeface="Arial" panose="020B0604020202020204" pitchFamily="34" charset="0"/>
+              </a:rPr>
+              <a:t>day</a:t>
+            </a:r>
+            <a:endParaRPr lang="pt-BR" altLang="pt-BR" sz="2800" dirty="0">
+              <a:solidFill>
+                <a:schemeClr val="bg1"/>
+              </a:solidFill>
+              <a:latin typeface="Arial" panose="020B0604020202020204" pitchFamily="34" charset="0"/>
+            </a:endParaRPr>
           </a:p>
           <a:p>
             <a:pPr marL="0" marR="0" lvl="0" indent="0" algn="l" defTabSz="914400" rtl="0" eaLnBrk="0" fontAlgn="base" latinLnBrk="0" hangingPunct="0">
@@ -12077,21 +13729,25 @@
               </a:spcAft>
               <a:buClrTx/>
               <a:buSzTx/>
+              <a:buFontTx/>
+              <a:buChar char="•"/>
               <a:tabLst/>
             </a:pPr>
             <a:r>
-              <a:rPr kumimoji="0" lang="pt-BR" altLang="pt-BR" sz="2800" b="0" i="0" u="none" strike="noStrike" cap="none" normalizeH="0" baseline="0">
-                <a:ln>
-                  <a:noFill/>
-                </a:ln>
-                <a:solidFill>
-                  <a:schemeClr val="tx1"/>
-                </a:solidFill>
-                <a:effectLst/>
-                <a:latin typeface="Arial" panose="020B0604020202020204" pitchFamily="34" charset="0"/>
-              </a:rPr>
-              <a:t>- Tipo de comunicação de contato.</a:t>
-            </a:r>
+              <a:rPr lang="pt-BR" altLang="pt-BR" sz="2800" dirty="0" err="1">
+                <a:solidFill>
+                  <a:schemeClr val="bg1"/>
+                </a:solidFill>
+                <a:latin typeface="Arial" panose="020B0604020202020204" pitchFamily="34" charset="0"/>
+              </a:rPr>
+              <a:t>month</a:t>
+            </a:r>
+            <a:endParaRPr lang="pt-BR" altLang="pt-BR" sz="2800" dirty="0">
+              <a:solidFill>
+                <a:schemeClr val="bg1"/>
+              </a:solidFill>
+              <a:latin typeface="Arial" panose="020B0604020202020204" pitchFamily="34" charset="0"/>
+            </a:endParaRPr>
           </a:p>
           <a:p>
             <a:pPr marL="0" marR="0" lvl="0" indent="0" algn="l" defTabSz="914400" rtl="0" eaLnBrk="0" fontAlgn="base" latinLnBrk="0" hangingPunct="0">
@@ -12106,30 +13762,25 @@
               </a:spcAft>
               <a:buClrTx/>
               <a:buSzTx/>
+              <a:buFontTx/>
+              <a:buChar char="•"/>
               <a:tabLst/>
             </a:pPr>
             <a:r>
-              <a:rPr lang="pt-BR" altLang="pt-BR" sz="2800">
-                <a:solidFill>
-                  <a:schemeClr val="tx1"/>
-                </a:solidFill>
-                <a:latin typeface="Arial" panose="020B0604020202020204" pitchFamily="34" charset="0"/>
-              </a:rPr>
-              <a:t>- </a:t>
-            </a:r>
-            <a:r>
-              <a:rPr kumimoji="0" lang="pt-BR" altLang="pt-BR" sz="2800" b="0" i="0" u="none" strike="noStrike" cap="none" normalizeH="0" baseline="0">
-                <a:ln>
-                  <a:noFill/>
-                </a:ln>
-                <a:solidFill>
-                  <a:schemeClr val="tx1"/>
-                </a:solidFill>
-                <a:effectLst/>
-                <a:latin typeface="Arial" panose="020B0604020202020204" pitchFamily="34" charset="0"/>
-              </a:rPr>
-              <a:t>Último dia de contato da semana. </a:t>
-            </a:r>
+              <a:rPr lang="pt-BR" altLang="pt-BR" sz="2800" dirty="0" err="1">
+                <a:solidFill>
+                  <a:schemeClr val="bg1"/>
+                </a:solidFill>
+                <a:latin typeface="Arial" panose="020B0604020202020204" pitchFamily="34" charset="0"/>
+              </a:rPr>
+              <a:t>duration</a:t>
+            </a:r>
+            <a:endParaRPr lang="pt-BR" altLang="pt-BR" sz="2800" dirty="0">
+              <a:solidFill>
+                <a:schemeClr val="bg1"/>
+              </a:solidFill>
+              <a:latin typeface="Arial" panose="020B0604020202020204" pitchFamily="34" charset="0"/>
+            </a:endParaRPr>
           </a:p>
           <a:p>
             <a:pPr marL="0" marR="0" lvl="0" indent="0" algn="l" defTabSz="914400" rtl="0" eaLnBrk="0" fontAlgn="base" latinLnBrk="0" hangingPunct="0">
@@ -12144,30 +13795,25 @@
               </a:spcAft>
               <a:buClrTx/>
               <a:buSzTx/>
+              <a:buFontTx/>
+              <a:buChar char="•"/>
               <a:tabLst/>
             </a:pPr>
             <a:r>
-              <a:rPr lang="pt-BR" altLang="pt-BR" sz="2800">
-                <a:solidFill>
-                  <a:schemeClr val="tx1"/>
-                </a:solidFill>
-                <a:latin typeface="Arial" panose="020B0604020202020204" pitchFamily="34" charset="0"/>
-              </a:rPr>
-              <a:t>- </a:t>
-            </a:r>
-            <a:r>
-              <a:rPr kumimoji="0" lang="pt-BR" altLang="pt-BR" sz="2800" b="0" i="0" u="none" strike="noStrike" cap="none" normalizeH="0" baseline="0">
-                <a:ln>
-                  <a:noFill/>
-                </a:ln>
-                <a:solidFill>
-                  <a:schemeClr val="tx1"/>
-                </a:solidFill>
-                <a:effectLst/>
-                <a:latin typeface="Arial" panose="020B0604020202020204" pitchFamily="34" charset="0"/>
-              </a:rPr>
-              <a:t>Último mês de contato do ano. </a:t>
-            </a:r>
+              <a:rPr lang="pt-BR" altLang="pt-BR" sz="2800" dirty="0" err="1">
+                <a:solidFill>
+                  <a:schemeClr val="bg1"/>
+                </a:solidFill>
+                <a:latin typeface="Arial" panose="020B0604020202020204" pitchFamily="34" charset="0"/>
+              </a:rPr>
+              <a:t>campaign</a:t>
+            </a:r>
+            <a:endParaRPr lang="pt-BR" altLang="pt-BR" sz="2800" dirty="0">
+              <a:solidFill>
+                <a:schemeClr val="bg1"/>
+              </a:solidFill>
+              <a:latin typeface="Arial" panose="020B0604020202020204" pitchFamily="34" charset="0"/>
+            </a:endParaRPr>
           </a:p>
           <a:p>
             <a:pPr marL="0" marR="0" lvl="0" indent="0" algn="l" defTabSz="914400" rtl="0" eaLnBrk="0" fontAlgn="base" latinLnBrk="0" hangingPunct="0">
@@ -12182,21 +13828,25 @@
               </a:spcAft>
               <a:buClrTx/>
               <a:buSzTx/>
+              <a:buFontTx/>
+              <a:buChar char="•"/>
               <a:tabLst/>
             </a:pPr>
             <a:r>
-              <a:rPr kumimoji="0" lang="pt-BR" altLang="pt-BR" sz="2800" b="0" i="0" u="none" strike="noStrike" cap="none" normalizeH="0" baseline="0">
-                <a:ln>
-                  <a:noFill/>
-                </a:ln>
-                <a:solidFill>
-                  <a:schemeClr val="tx1"/>
-                </a:solidFill>
-                <a:effectLst/>
-                <a:latin typeface="Arial" panose="020B0604020202020204" pitchFamily="34" charset="0"/>
-              </a:rPr>
-              <a:t>- Duração do último contato, em segundos (inteiro). </a:t>
-            </a:r>
+              <a:rPr lang="pt-BR" altLang="pt-BR" sz="2800" dirty="0" err="1">
+                <a:solidFill>
+                  <a:schemeClr val="bg1"/>
+                </a:solidFill>
+                <a:latin typeface="Arial" panose="020B0604020202020204" pitchFamily="34" charset="0"/>
+              </a:rPr>
+              <a:t>pdays</a:t>
+            </a:r>
+            <a:endParaRPr lang="pt-BR" altLang="pt-BR" sz="2800" dirty="0">
+              <a:solidFill>
+                <a:schemeClr val="bg1"/>
+              </a:solidFill>
+              <a:latin typeface="Arial" panose="020B0604020202020204" pitchFamily="34" charset="0"/>
+            </a:endParaRPr>
           </a:p>
           <a:p>
             <a:pPr marL="0" marR="0" lvl="0" indent="0" algn="l" defTabSz="914400" rtl="0" eaLnBrk="0" fontAlgn="base" latinLnBrk="0" hangingPunct="0">
@@ -12211,21 +13861,25 @@
               </a:spcAft>
               <a:buClrTx/>
               <a:buSzTx/>
+              <a:buFontTx/>
+              <a:buChar char="•"/>
               <a:tabLst/>
             </a:pPr>
             <a:r>
-              <a:rPr kumimoji="0" lang="pt-BR" altLang="pt-BR" sz="2800" b="0" i="0" u="none" strike="noStrike" cap="none" normalizeH="0" baseline="0">
-                <a:ln>
-                  <a:noFill/>
-                </a:ln>
-                <a:solidFill>
-                  <a:schemeClr val="tx1"/>
-                </a:solidFill>
-                <a:effectLst/>
-                <a:latin typeface="Arial" panose="020B0604020202020204" pitchFamily="34" charset="0"/>
-              </a:rPr>
-              <a:t>- Número de contatos nesta campanha para o cliente.</a:t>
-            </a:r>
+              <a:rPr lang="pt-BR" altLang="pt-BR" sz="2800" dirty="0" err="1">
+                <a:solidFill>
+                  <a:schemeClr val="bg1"/>
+                </a:solidFill>
+                <a:latin typeface="Arial" panose="020B0604020202020204" pitchFamily="34" charset="0"/>
+              </a:rPr>
+              <a:t>previous</a:t>
+            </a:r>
+            <a:endParaRPr lang="pt-BR" altLang="pt-BR" sz="2800" dirty="0">
+              <a:solidFill>
+                <a:schemeClr val="bg1"/>
+              </a:solidFill>
+              <a:latin typeface="Arial" panose="020B0604020202020204" pitchFamily="34" charset="0"/>
+            </a:endParaRPr>
           </a:p>
           <a:p>
             <a:pPr marL="0" marR="0" lvl="0" indent="0" algn="l" defTabSz="914400" rtl="0" eaLnBrk="0" fontAlgn="base" latinLnBrk="0" hangingPunct="0">
@@ -12240,21 +13894,25 @@
               </a:spcAft>
               <a:buClrTx/>
               <a:buSzTx/>
+              <a:buFontTx/>
+              <a:buChar char="•"/>
               <a:tabLst/>
             </a:pPr>
             <a:r>
-              <a:rPr kumimoji="0" lang="pt-BR" altLang="pt-BR" sz="2800" b="0" i="0" u="none" strike="noStrike" cap="none" normalizeH="0" baseline="0">
-                <a:ln>
-                  <a:noFill/>
-                </a:ln>
-                <a:solidFill>
-                  <a:schemeClr val="tx1"/>
-                </a:solidFill>
-                <a:effectLst/>
-                <a:latin typeface="Arial" panose="020B0604020202020204" pitchFamily="34" charset="0"/>
-              </a:rPr>
-              <a:t>- Dias passados desde último contato de campanha anterior.</a:t>
-            </a:r>
+              <a:rPr lang="pt-BR" altLang="pt-BR" sz="2800" dirty="0" err="1">
+                <a:solidFill>
+                  <a:schemeClr val="bg1"/>
+                </a:solidFill>
+                <a:latin typeface="Arial" panose="020B0604020202020204" pitchFamily="34" charset="0"/>
+              </a:rPr>
+              <a:t>poutcome</a:t>
+            </a:r>
+            <a:endParaRPr lang="pt-BR" altLang="pt-BR" sz="2800" dirty="0">
+              <a:solidFill>
+                <a:schemeClr val="bg1"/>
+              </a:solidFill>
+              <a:latin typeface="Arial" panose="020B0604020202020204" pitchFamily="34" charset="0"/>
+            </a:endParaRPr>
           </a:p>
           <a:p>
             <a:pPr marL="0" marR="0" lvl="0" indent="0" algn="l" defTabSz="914400" rtl="0" eaLnBrk="0" fontAlgn="base" latinLnBrk="0" hangingPunct="0">
@@ -12269,79 +13927,25 @@
               </a:spcAft>
               <a:buClrTx/>
               <a:buSzTx/>
+              <a:buFontTx/>
+              <a:buChar char="•"/>
               <a:tabLst/>
             </a:pPr>
             <a:r>
-              <a:rPr kumimoji="0" lang="pt-BR" altLang="pt-BR" sz="2800" b="0" i="0" u="none" strike="noStrike" cap="none" normalizeH="0" baseline="0">
-                <a:ln>
-                  <a:noFill/>
-                </a:ln>
-                <a:solidFill>
-                  <a:schemeClr val="tx1"/>
-                </a:solidFill>
-                <a:effectLst/>
-                <a:latin typeface="Arial" panose="020B0604020202020204" pitchFamily="34" charset="0"/>
-              </a:rPr>
-              <a:t>- Número de contatos antes desta campanha para o cliente (inteiro). </a:t>
-            </a:r>
-          </a:p>
-          <a:p>
-            <a:pPr marL="0" marR="0" lvl="0" indent="0" algn="l" defTabSz="914400" rtl="0" eaLnBrk="0" fontAlgn="base" latinLnBrk="0" hangingPunct="0">
-              <a:lnSpc>
-                <a:spcPct val="100000"/>
-              </a:lnSpc>
-              <a:spcBef>
-                <a:spcPct val="0"/>
-              </a:spcBef>
-              <a:spcAft>
-                <a:spcPct val="0"/>
-              </a:spcAft>
-              <a:buClrTx/>
-              <a:buSzTx/>
-              <a:tabLst/>
-            </a:pPr>
-            <a:r>
-              <a:rPr kumimoji="0" lang="pt-BR" altLang="pt-BR" sz="2800" b="0" i="0" u="none" strike="noStrike" cap="none" normalizeH="0" baseline="0">
-                <a:ln>
-                  <a:noFill/>
-                </a:ln>
-                <a:solidFill>
-                  <a:schemeClr val="tx1"/>
-                </a:solidFill>
-                <a:effectLst/>
-                <a:latin typeface="Arial" panose="020B0604020202020204" pitchFamily="34" charset="0"/>
-              </a:rPr>
-              <a:t>- Resultado da campanha anterior.</a:t>
-            </a:r>
-          </a:p>
-          <a:p>
-            <a:pPr marL="0" marR="0" lvl="0" indent="0" algn="l" defTabSz="914400" rtl="0" eaLnBrk="0" fontAlgn="base" latinLnBrk="0" hangingPunct="0">
-              <a:lnSpc>
-                <a:spcPct val="100000"/>
-              </a:lnSpc>
-              <a:spcBef>
-                <a:spcPct val="0"/>
-              </a:spcBef>
-              <a:spcAft>
-                <a:spcPct val="0"/>
-              </a:spcAft>
-              <a:buClrTx/>
-              <a:buSzTx/>
-              <a:tabLst/>
-            </a:pPr>
-            <a:r>
-              <a:rPr kumimoji="0" lang="pt-BR" altLang="pt-BR" sz="2800" b="0" i="0" u="none" strike="noStrike" cap="none" normalizeH="0" baseline="0">
-                <a:ln>
-                  <a:noFill/>
-                </a:ln>
-                <a:solidFill>
-                  <a:schemeClr val="tx1"/>
-                </a:solidFill>
-                <a:effectLst/>
-                <a:latin typeface="Arial" panose="020B0604020202020204" pitchFamily="34" charset="0"/>
-              </a:rPr>
-              <a:t>- O cliente assinou um depósito a prazo? </a:t>
-            </a:r>
+              <a:rPr lang="pt-BR" altLang="pt-BR" sz="2800" dirty="0" err="1">
+                <a:solidFill>
+                  <a:schemeClr val="bg1"/>
+                </a:solidFill>
+                <a:latin typeface="Arial" panose="020B0604020202020204" pitchFamily="34" charset="0"/>
+              </a:rPr>
+              <a:t>deposit</a:t>
+            </a:r>
+            <a:endParaRPr lang="pt-BR" altLang="pt-BR" sz="2800" dirty="0">
+              <a:solidFill>
+                <a:schemeClr val="bg1"/>
+              </a:solidFill>
+              <a:latin typeface="Arial" panose="020B0604020202020204" pitchFamily="34" charset="0"/>
+            </a:endParaRPr>
           </a:p>
         </p:txBody>
       </p:sp>
@@ -12537,126 +14141,6 @@
           </a:p>
         </p:txBody>
       </p:sp>
-      <p:pic>
-        <p:nvPicPr>
-          <p:cNvPr id="8" name="Imagem 7">
-            <a:extLst>
-              <a:ext uri="{FF2B5EF4-FFF2-40B4-BE49-F238E27FC236}">
-                <a16:creationId xmlns:a16="http://schemas.microsoft.com/office/drawing/2014/main" id="{3443B134-235F-8F11-A01C-1D6193D4034E}"/>
-              </a:ext>
-            </a:extLst>
-          </p:cNvPr>
-          <p:cNvPicPr>
-            <a:picLocks noChangeAspect="1"/>
-          </p:cNvPicPr>
-          <p:nvPr/>
-        </p:nvPicPr>
-        <p:blipFill>
-          <a:blip r:embed="rId2"/>
-          <a:stretch>
-            <a:fillRect/>
-          </a:stretch>
-        </p:blipFill>
-        <p:spPr>
-          <a:xfrm>
-            <a:off x="381000" y="1022282"/>
-            <a:ext cx="6014113" cy="4636897"/>
-          </a:xfrm>
-          <a:prstGeom prst="rect">
-            <a:avLst/>
-          </a:prstGeom>
-        </p:spPr>
-      </p:pic>
-      <p:pic>
-        <p:nvPicPr>
-          <p:cNvPr id="10" name="Imagem 9">
-            <a:extLst>
-              <a:ext uri="{FF2B5EF4-FFF2-40B4-BE49-F238E27FC236}">
-                <a16:creationId xmlns:a16="http://schemas.microsoft.com/office/drawing/2014/main" id="{BC080A33-0C00-932A-28EC-727B0C91A946}"/>
-              </a:ext>
-            </a:extLst>
-          </p:cNvPr>
-          <p:cNvPicPr>
-            <a:picLocks noChangeAspect="1"/>
-          </p:cNvPicPr>
-          <p:nvPr/>
-        </p:nvPicPr>
-        <p:blipFill>
-          <a:blip r:embed="rId3"/>
-          <a:stretch>
-            <a:fillRect/>
-          </a:stretch>
-        </p:blipFill>
-        <p:spPr>
-          <a:xfrm>
-            <a:off x="6395113" y="1033608"/>
-            <a:ext cx="5926776" cy="4614243"/>
-          </a:xfrm>
-          <a:prstGeom prst="rect">
-            <a:avLst/>
-          </a:prstGeom>
-        </p:spPr>
-      </p:pic>
-      <p:pic>
-        <p:nvPicPr>
-          <p:cNvPr id="12" name="Imagem 11">
-            <a:extLst>
-              <a:ext uri="{FF2B5EF4-FFF2-40B4-BE49-F238E27FC236}">
-                <a16:creationId xmlns:a16="http://schemas.microsoft.com/office/drawing/2014/main" id="{D63622AB-2EEF-C121-3F80-38F7D87B518F}"/>
-              </a:ext>
-            </a:extLst>
-          </p:cNvPr>
-          <p:cNvPicPr>
-            <a:picLocks noChangeAspect="1"/>
-          </p:cNvPicPr>
-          <p:nvPr/>
-        </p:nvPicPr>
-        <p:blipFill>
-          <a:blip r:embed="rId4"/>
-          <a:stretch>
-            <a:fillRect/>
-          </a:stretch>
-        </p:blipFill>
-        <p:spPr>
-          <a:xfrm>
-            <a:off x="12321889" y="2634893"/>
-            <a:ext cx="5611008" cy="857370"/>
-          </a:xfrm>
-          <a:prstGeom prst="rect">
-            <a:avLst/>
-          </a:prstGeom>
-        </p:spPr>
-      </p:pic>
-      <p:pic>
-        <p:nvPicPr>
-          <p:cNvPr id="14" name="Imagem 13">
-            <a:extLst>
-              <a:ext uri="{FF2B5EF4-FFF2-40B4-BE49-F238E27FC236}">
-                <a16:creationId xmlns:a16="http://schemas.microsoft.com/office/drawing/2014/main" id="{18426FE5-E887-EDA3-B100-45EFB11B2158}"/>
-              </a:ext>
-            </a:extLst>
-          </p:cNvPr>
-          <p:cNvPicPr>
-            <a:picLocks noChangeAspect="1"/>
-          </p:cNvPicPr>
-          <p:nvPr/>
-        </p:nvPicPr>
-        <p:blipFill>
-          <a:blip r:embed="rId5"/>
-          <a:stretch>
-            <a:fillRect/>
-          </a:stretch>
-        </p:blipFill>
-        <p:spPr>
-          <a:xfrm>
-            <a:off x="12321889" y="4317125"/>
-            <a:ext cx="1514686" cy="838317"/>
-          </a:xfrm>
-          <a:prstGeom prst="rect">
-            <a:avLst/>
-          </a:prstGeom>
-        </p:spPr>
-      </p:pic>
       <p:sp>
         <p:nvSpPr>
           <p:cNvPr id="15" name="CaixaDeTexto 14">
@@ -12672,7 +14156,7 @@
         <p:spPr>
           <a:xfrm>
             <a:off x="12321889" y="2120395"/>
-            <a:ext cx="3078087" cy="461665"/>
+            <a:ext cx="3113353" cy="461665"/>
           </a:xfrm>
           <a:prstGeom prst="rect">
             <a:avLst/>
@@ -12686,8 +14170,20 @@
           <a:lstStyle/>
           <a:p>
             <a:r>
-              <a:rPr lang="pt-BR" sz="2400"/>
-              <a:t>Variáveis descritivas:</a:t>
+              <a:rPr lang="pt-BR" sz="2400" dirty="0" err="1"/>
+              <a:t>Descriptive</a:t>
+            </a:r>
+            <a:r>
+              <a:rPr lang="pt-BR" sz="2400" dirty="0"/>
+              <a:t> </a:t>
+            </a:r>
+            <a:r>
+              <a:rPr lang="pt-BR" sz="2400" dirty="0" err="1"/>
+              <a:t>variables</a:t>
+            </a:r>
+            <a:r>
+              <a:rPr lang="pt-BR" sz="2400" dirty="0"/>
+              <a:t>:</a:t>
             </a:r>
           </a:p>
         </p:txBody>
@@ -12721,8 +14217,12 @@
           <a:lstStyle/>
           <a:p>
             <a:r>
-              <a:rPr lang="pt-BR" sz="2400"/>
-              <a:t>Correlação:</a:t>
+              <a:rPr lang="pt-BR" sz="2400" dirty="0" err="1"/>
+              <a:t>Correlation</a:t>
+            </a:r>
+            <a:r>
+              <a:rPr lang="pt-BR" sz="2400" dirty="0"/>
+              <a:t>:</a:t>
             </a:r>
           </a:p>
         </p:txBody>
@@ -12776,7 +14276,7 @@
         </p:nvSpPr>
         <p:spPr>
           <a:xfrm>
-            <a:off x="14303089" y="4198399"/>
+            <a:off x="14207371" y="3819408"/>
             <a:ext cx="3603911" cy="646331"/>
           </a:xfrm>
           <a:prstGeom prst="rect">
@@ -13179,6 +14679,126 @@
           </a:p>
         </p:txBody>
       </p:sp>
+      <p:pic>
+        <p:nvPicPr>
+          <p:cNvPr id="9" name="Imagem 8">
+            <a:extLst>
+              <a:ext uri="{FF2B5EF4-FFF2-40B4-BE49-F238E27FC236}">
+                <a16:creationId xmlns:a16="http://schemas.microsoft.com/office/drawing/2014/main" id="{47F1FDD8-CD93-35A5-56AA-1219AA871AF4}"/>
+              </a:ext>
+            </a:extLst>
+          </p:cNvPr>
+          <p:cNvPicPr>
+            <a:picLocks noChangeAspect="1"/>
+          </p:cNvPicPr>
+          <p:nvPr/>
+        </p:nvPicPr>
+        <p:blipFill>
+          <a:blip r:embed="rId2"/>
+          <a:stretch>
+            <a:fillRect/>
+          </a:stretch>
+        </p:blipFill>
+        <p:spPr>
+          <a:xfrm>
+            <a:off x="251849" y="1045167"/>
+            <a:ext cx="5940115" cy="3717203"/>
+          </a:xfrm>
+          <a:prstGeom prst="rect">
+            <a:avLst/>
+          </a:prstGeom>
+        </p:spPr>
+      </p:pic>
+      <p:pic>
+        <p:nvPicPr>
+          <p:cNvPr id="17" name="Imagem 16">
+            <a:extLst>
+              <a:ext uri="{FF2B5EF4-FFF2-40B4-BE49-F238E27FC236}">
+                <a16:creationId xmlns:a16="http://schemas.microsoft.com/office/drawing/2014/main" id="{2C349B86-1E5D-55CD-F922-04A4FC6D6D37}"/>
+              </a:ext>
+            </a:extLst>
+          </p:cNvPr>
+          <p:cNvPicPr>
+            <a:picLocks noChangeAspect="1"/>
+          </p:cNvPicPr>
+          <p:nvPr/>
+        </p:nvPicPr>
+        <p:blipFill>
+          <a:blip r:embed="rId3"/>
+          <a:stretch>
+            <a:fillRect/>
+          </a:stretch>
+        </p:blipFill>
+        <p:spPr>
+          <a:xfrm>
+            <a:off x="6191964" y="1056615"/>
+            <a:ext cx="6022494" cy="3717203"/>
+          </a:xfrm>
+          <a:prstGeom prst="rect">
+            <a:avLst/>
+          </a:prstGeom>
+        </p:spPr>
+      </p:pic>
+      <p:pic>
+        <p:nvPicPr>
+          <p:cNvPr id="21" name="Imagem 20">
+            <a:extLst>
+              <a:ext uri="{FF2B5EF4-FFF2-40B4-BE49-F238E27FC236}">
+                <a16:creationId xmlns:a16="http://schemas.microsoft.com/office/drawing/2014/main" id="{A48B58F9-F861-AF47-4235-C1CCFF801FCB}"/>
+              </a:ext>
+            </a:extLst>
+          </p:cNvPr>
+          <p:cNvPicPr>
+            <a:picLocks noChangeAspect="1"/>
+          </p:cNvPicPr>
+          <p:nvPr/>
+        </p:nvPicPr>
+        <p:blipFill>
+          <a:blip r:embed="rId4"/>
+          <a:stretch>
+            <a:fillRect/>
+          </a:stretch>
+        </p:blipFill>
+        <p:spPr>
+          <a:xfrm>
+            <a:off x="12214458" y="2610720"/>
+            <a:ext cx="5715798" cy="866896"/>
+          </a:xfrm>
+          <a:prstGeom prst="rect">
+            <a:avLst/>
+          </a:prstGeom>
+        </p:spPr>
+      </p:pic>
+      <p:pic>
+        <p:nvPicPr>
+          <p:cNvPr id="23" name="Imagem 22">
+            <a:extLst>
+              <a:ext uri="{FF2B5EF4-FFF2-40B4-BE49-F238E27FC236}">
+                <a16:creationId xmlns:a16="http://schemas.microsoft.com/office/drawing/2014/main" id="{32A67191-3B91-9BEC-3FDE-6E1692AF6286}"/>
+              </a:ext>
+            </a:extLst>
+          </p:cNvPr>
+          <p:cNvPicPr>
+            <a:picLocks noChangeAspect="1"/>
+          </p:cNvPicPr>
+          <p:nvPr/>
+        </p:nvPicPr>
+        <p:blipFill>
+          <a:blip r:embed="rId5"/>
+          <a:stretch>
+            <a:fillRect/>
+          </a:stretch>
+        </p:blipFill>
+        <p:spPr>
+          <a:xfrm>
+            <a:off x="12214458" y="4239191"/>
+            <a:ext cx="1829055" cy="828791"/>
+          </a:xfrm>
+          <a:prstGeom prst="rect">
+            <a:avLst/>
+          </a:prstGeom>
+        </p:spPr>
+      </p:pic>
     </p:spTree>
   </p:cSld>
   <p:clrMapOvr>
@@ -13281,7 +14901,7 @@
         <p:spPr>
           <a:xfrm>
             <a:off x="533400" y="329535"/>
-            <a:ext cx="11734800" cy="397545"/>
+            <a:ext cx="13892284" cy="397545"/>
           </a:xfrm>
           <a:prstGeom prst="rect">
             <a:avLst/>
@@ -13302,7 +14922,7 @@
               </a:spcBef>
             </a:pPr>
             <a:r>
-              <a:rPr lang="pt-BR" sz="2500" spc="215">
+              <a:rPr lang="pt-BR" sz="2500" spc="215" dirty="0" err="1">
                 <a:solidFill>
                   <a:schemeClr val="bg1"/>
                 </a:solidFill>
@@ -13310,9 +14930,130 @@
                 <a:ea typeface="Cascadia Mono SemiBold" panose="020B0609020000020004" pitchFamily="49" charset="0"/>
                 <a:cs typeface="Cascadia Mono SemiBold" panose="020B0609020000020004" pitchFamily="49" charset="0"/>
               </a:rPr>
-              <a:t>Análise Descritiva: variáveis categóricas e binárias</a:t>
-            </a:r>
-            <a:endParaRPr sz="2500">
+              <a:t>Descriptive</a:t>
+            </a:r>
+            <a:r>
+              <a:rPr lang="pt-BR" sz="2500" spc="215" dirty="0">
+                <a:solidFill>
+                  <a:schemeClr val="bg1"/>
+                </a:solidFill>
+                <a:latin typeface="Cascadia Mono SemiBold" panose="020B0609020000020004" pitchFamily="49" charset="0"/>
+                <a:ea typeface="Cascadia Mono SemiBold" panose="020B0609020000020004" pitchFamily="49" charset="0"/>
+                <a:cs typeface="Cascadia Mono SemiBold" panose="020B0609020000020004" pitchFamily="49" charset="0"/>
+              </a:rPr>
+              <a:t> </a:t>
+            </a:r>
+            <a:r>
+              <a:rPr lang="pt-BR" sz="2500" spc="215" dirty="0" err="1">
+                <a:solidFill>
+                  <a:schemeClr val="bg1"/>
+                </a:solidFill>
+                <a:latin typeface="Cascadia Mono SemiBold" panose="020B0609020000020004" pitchFamily="49" charset="0"/>
+                <a:ea typeface="Cascadia Mono SemiBold" panose="020B0609020000020004" pitchFamily="49" charset="0"/>
+                <a:cs typeface="Cascadia Mono SemiBold" panose="020B0609020000020004" pitchFamily="49" charset="0"/>
+              </a:rPr>
+              <a:t>analysis</a:t>
+            </a:r>
+            <a:r>
+              <a:rPr lang="pt-BR" sz="2500" spc="215" dirty="0">
+                <a:solidFill>
+                  <a:schemeClr val="bg1"/>
+                </a:solidFill>
+                <a:latin typeface="Cascadia Mono SemiBold" panose="020B0609020000020004" pitchFamily="49" charset="0"/>
+                <a:ea typeface="Cascadia Mono SemiBold" panose="020B0609020000020004" pitchFamily="49" charset="0"/>
+                <a:cs typeface="Cascadia Mono SemiBold" panose="020B0609020000020004" pitchFamily="49" charset="0"/>
+              </a:rPr>
+              <a:t>: </a:t>
+            </a:r>
+            <a:r>
+              <a:rPr lang="pt-BR" sz="2500" spc="215" dirty="0" err="1">
+                <a:solidFill>
+                  <a:schemeClr val="bg1"/>
+                </a:solidFill>
+                <a:latin typeface="Cascadia Mono SemiBold" panose="020B0609020000020004" pitchFamily="49" charset="0"/>
+                <a:ea typeface="Cascadia Mono SemiBold" panose="020B0609020000020004" pitchFamily="49" charset="0"/>
+                <a:cs typeface="Cascadia Mono SemiBold" panose="020B0609020000020004" pitchFamily="49" charset="0"/>
+              </a:rPr>
+              <a:t>binary</a:t>
+            </a:r>
+            <a:r>
+              <a:rPr lang="pt-BR" sz="2500" spc="215" dirty="0">
+                <a:solidFill>
+                  <a:schemeClr val="bg1"/>
+                </a:solidFill>
+                <a:latin typeface="Cascadia Mono SemiBold" panose="020B0609020000020004" pitchFamily="49" charset="0"/>
+                <a:ea typeface="Cascadia Mono SemiBold" panose="020B0609020000020004" pitchFamily="49" charset="0"/>
+                <a:cs typeface="Cascadia Mono SemiBold" panose="020B0609020000020004" pitchFamily="49" charset="0"/>
+              </a:rPr>
+              <a:t> </a:t>
+            </a:r>
+            <a:r>
+              <a:rPr lang="pt-BR" sz="2500" spc="215" dirty="0" err="1">
+                <a:solidFill>
+                  <a:schemeClr val="bg1"/>
+                </a:solidFill>
+                <a:latin typeface="Cascadia Mono SemiBold" panose="020B0609020000020004" pitchFamily="49" charset="0"/>
+                <a:ea typeface="Cascadia Mono SemiBold" panose="020B0609020000020004" pitchFamily="49" charset="0"/>
+                <a:cs typeface="Cascadia Mono SemiBold" panose="020B0609020000020004" pitchFamily="49" charset="0"/>
+              </a:rPr>
+              <a:t>and</a:t>
+            </a:r>
+            <a:r>
+              <a:rPr lang="pt-BR" sz="2500" spc="215" dirty="0">
+                <a:solidFill>
+                  <a:schemeClr val="bg1"/>
+                </a:solidFill>
+                <a:latin typeface="Cascadia Mono SemiBold" panose="020B0609020000020004" pitchFamily="49" charset="0"/>
+                <a:ea typeface="Cascadia Mono SemiBold" panose="020B0609020000020004" pitchFamily="49" charset="0"/>
+                <a:cs typeface="Cascadia Mono SemiBold" panose="020B0609020000020004" pitchFamily="49" charset="0"/>
+              </a:rPr>
+              <a:t> </a:t>
+            </a:r>
+            <a:r>
+              <a:rPr lang="pt-BR" sz="2500" spc="215" dirty="0" err="1">
+                <a:solidFill>
+                  <a:schemeClr val="bg1"/>
+                </a:solidFill>
+                <a:latin typeface="Cascadia Mono SemiBold" panose="020B0609020000020004" pitchFamily="49" charset="0"/>
+                <a:ea typeface="Cascadia Mono SemiBold" panose="020B0609020000020004" pitchFamily="49" charset="0"/>
+                <a:cs typeface="Cascadia Mono SemiBold" panose="020B0609020000020004" pitchFamily="49" charset="0"/>
+              </a:rPr>
+              <a:t>categorical</a:t>
+            </a:r>
+            <a:r>
+              <a:rPr lang="pt-BR" sz="2500" spc="215" dirty="0">
+                <a:solidFill>
+                  <a:schemeClr val="bg1"/>
+                </a:solidFill>
+                <a:latin typeface="Cascadia Mono SemiBold" panose="020B0609020000020004" pitchFamily="49" charset="0"/>
+                <a:ea typeface="Cascadia Mono SemiBold" panose="020B0609020000020004" pitchFamily="49" charset="0"/>
+                <a:cs typeface="Cascadia Mono SemiBold" panose="020B0609020000020004" pitchFamily="49" charset="0"/>
+              </a:rPr>
+              <a:t> </a:t>
+            </a:r>
+            <a:r>
+              <a:rPr lang="pt-BR" sz="2500" spc="215" dirty="0" err="1">
+                <a:solidFill>
+                  <a:schemeClr val="bg1"/>
+                </a:solidFill>
+                <a:latin typeface="Cascadia Mono SemiBold" panose="020B0609020000020004" pitchFamily="49" charset="0"/>
+                <a:ea typeface="Cascadia Mono SemiBold" panose="020B0609020000020004" pitchFamily="49" charset="0"/>
+                <a:cs typeface="Cascadia Mono SemiBold" panose="020B0609020000020004" pitchFamily="49" charset="0"/>
+              </a:rPr>
+              <a:t>variables</a:t>
+            </a:r>
+            <a:r>
+              <a:rPr lang="pt-BR" sz="2500" spc="215" dirty="0">
+                <a:solidFill>
+                  <a:schemeClr val="bg1"/>
+                </a:solidFill>
+                <a:latin typeface="Cascadia Mono SemiBold" panose="020B0609020000020004" pitchFamily="49" charset="0"/>
+                <a:ea typeface="Cascadia Mono SemiBold" panose="020B0609020000020004" pitchFamily="49" charset="0"/>
+                <a:cs typeface="Cascadia Mono SemiBold" panose="020B0609020000020004" pitchFamily="49" charset="0"/>
+              </a:rPr>
+              <a:t> (1/2)</a:t>
+            </a:r>
+            <a:endParaRPr sz="2500" dirty="0">
               <a:solidFill>
                 <a:schemeClr val="bg1"/>
               </a:solidFill>
@@ -13323,126 +15064,6 @@
           </a:p>
         </p:txBody>
       </p:sp>
-      <p:pic>
-        <p:nvPicPr>
-          <p:cNvPr id="5" name="Imagem 4">
-            <a:extLst>
-              <a:ext uri="{FF2B5EF4-FFF2-40B4-BE49-F238E27FC236}">
-                <a16:creationId xmlns:a16="http://schemas.microsoft.com/office/drawing/2014/main" id="{87400B0B-54FF-5903-22F1-E7D1D19DAE28}"/>
-              </a:ext>
-            </a:extLst>
-          </p:cNvPr>
-          <p:cNvPicPr>
-            <a:picLocks noChangeAspect="1"/>
-          </p:cNvPicPr>
-          <p:nvPr/>
-        </p:nvPicPr>
-        <p:blipFill>
-          <a:blip r:embed="rId2"/>
-          <a:stretch>
-            <a:fillRect/>
-          </a:stretch>
-        </p:blipFill>
-        <p:spPr>
-          <a:xfrm>
-            <a:off x="533400" y="5616849"/>
-            <a:ext cx="4492499" cy="3489051"/>
-          </a:xfrm>
-          <a:prstGeom prst="rect">
-            <a:avLst/>
-          </a:prstGeom>
-        </p:spPr>
-      </p:pic>
-      <p:pic>
-        <p:nvPicPr>
-          <p:cNvPr id="9" name="Imagem 8">
-            <a:extLst>
-              <a:ext uri="{FF2B5EF4-FFF2-40B4-BE49-F238E27FC236}">
-                <a16:creationId xmlns:a16="http://schemas.microsoft.com/office/drawing/2014/main" id="{B6DFEB11-CA68-0802-0455-5CB15009419A}"/>
-              </a:ext>
-            </a:extLst>
-          </p:cNvPr>
-          <p:cNvPicPr>
-            <a:picLocks noChangeAspect="1"/>
-          </p:cNvPicPr>
-          <p:nvPr/>
-        </p:nvPicPr>
-        <p:blipFill>
-          <a:blip r:embed="rId3"/>
-          <a:stretch>
-            <a:fillRect/>
-          </a:stretch>
-        </p:blipFill>
-        <p:spPr>
-          <a:xfrm>
-            <a:off x="533400" y="1257300"/>
-            <a:ext cx="4534533" cy="4163006"/>
-          </a:xfrm>
-          <a:prstGeom prst="rect">
-            <a:avLst/>
-          </a:prstGeom>
-        </p:spPr>
-      </p:pic>
-      <p:pic>
-        <p:nvPicPr>
-          <p:cNvPr id="13" name="Imagem 12">
-            <a:extLst>
-              <a:ext uri="{FF2B5EF4-FFF2-40B4-BE49-F238E27FC236}">
-                <a16:creationId xmlns:a16="http://schemas.microsoft.com/office/drawing/2014/main" id="{31FCBB2A-B1C3-081F-9780-16BB807E3C18}"/>
-              </a:ext>
-            </a:extLst>
-          </p:cNvPr>
-          <p:cNvPicPr>
-            <a:picLocks noChangeAspect="1"/>
-          </p:cNvPicPr>
-          <p:nvPr/>
-        </p:nvPicPr>
-        <p:blipFill>
-          <a:blip r:embed="rId4"/>
-          <a:stretch>
-            <a:fillRect/>
-          </a:stretch>
-        </p:blipFill>
-        <p:spPr>
-          <a:xfrm>
-            <a:off x="12624135" y="1371600"/>
-            <a:ext cx="5130465" cy="3934406"/>
-          </a:xfrm>
-          <a:prstGeom prst="rect">
-            <a:avLst/>
-          </a:prstGeom>
-        </p:spPr>
-      </p:pic>
-      <p:pic>
-        <p:nvPicPr>
-          <p:cNvPr id="18" name="Imagem 17">
-            <a:extLst>
-              <a:ext uri="{FF2B5EF4-FFF2-40B4-BE49-F238E27FC236}">
-                <a16:creationId xmlns:a16="http://schemas.microsoft.com/office/drawing/2014/main" id="{9AA0EA3F-B84A-60BF-E56F-2C5A567A0E5A}"/>
-              </a:ext>
-            </a:extLst>
-          </p:cNvPr>
-          <p:cNvPicPr>
-            <a:picLocks noChangeAspect="1"/>
-          </p:cNvPicPr>
-          <p:nvPr/>
-        </p:nvPicPr>
-        <p:blipFill>
-          <a:blip r:embed="rId5"/>
-          <a:stretch>
-            <a:fillRect/>
-          </a:stretch>
-        </p:blipFill>
-        <p:spPr>
-          <a:xfrm>
-            <a:off x="12638920" y="5420306"/>
-            <a:ext cx="5115680" cy="4062132"/>
-          </a:xfrm>
-          <a:prstGeom prst="rect">
-            <a:avLst/>
-          </a:prstGeom>
-        </p:spPr>
-      </p:pic>
       <p:sp>
         <p:nvSpPr>
           <p:cNvPr id="3" name="CaixaDeTexto 2">
@@ -13472,7 +15093,11 @@
           <a:lstStyle/>
           <a:p>
             <a:r>
-              <a:rPr lang="en-US" sz="2400" b="1" dirty="0"/>
+              <a:rPr lang="en-US" sz="2400" b="1" dirty="0">
+                <a:solidFill>
+                  <a:srgbClr val="FF0000"/>
+                </a:solidFill>
+              </a:rPr>
               <a:t>Key Findings:</a:t>
             </a:r>
           </a:p>
@@ -13490,7 +15115,11 @@
           </a:p>
           <a:p>
             <a:r>
-              <a:rPr lang="en-US" sz="2400" b="1" dirty="0"/>
+              <a:rPr lang="en-US" sz="2400" b="1" dirty="0">
+                <a:solidFill>
+                  <a:srgbClr val="FF0000"/>
+                </a:solidFill>
+              </a:rPr>
               <a:t>Impact Variables:</a:t>
             </a:r>
           </a:p>
@@ -13532,6 +15161,126 @@
           </a:p>
         </p:txBody>
       </p:sp>
+      <p:pic>
+        <p:nvPicPr>
+          <p:cNvPr id="7" name="Imagem 6">
+            <a:extLst>
+              <a:ext uri="{FF2B5EF4-FFF2-40B4-BE49-F238E27FC236}">
+                <a16:creationId xmlns:a16="http://schemas.microsoft.com/office/drawing/2014/main" id="{05E9AE7D-5369-6E18-286A-6B7F35205E52}"/>
+              </a:ext>
+            </a:extLst>
+          </p:cNvPr>
+          <p:cNvPicPr>
+            <a:picLocks noChangeAspect="1"/>
+          </p:cNvPicPr>
+          <p:nvPr/>
+        </p:nvPicPr>
+        <p:blipFill>
+          <a:blip r:embed="rId2"/>
+          <a:stretch>
+            <a:fillRect/>
+          </a:stretch>
+        </p:blipFill>
+        <p:spPr>
+          <a:xfrm>
+            <a:off x="533401" y="1371600"/>
+            <a:ext cx="4534533" cy="4220164"/>
+          </a:xfrm>
+          <a:prstGeom prst="rect">
+            <a:avLst/>
+          </a:prstGeom>
+        </p:spPr>
+      </p:pic>
+      <p:pic>
+        <p:nvPicPr>
+          <p:cNvPr id="10" name="Imagem 9">
+            <a:extLst>
+              <a:ext uri="{FF2B5EF4-FFF2-40B4-BE49-F238E27FC236}">
+                <a16:creationId xmlns:a16="http://schemas.microsoft.com/office/drawing/2014/main" id="{44F6A86C-8D01-C6FF-A735-B1ECD3AAF0C7}"/>
+              </a:ext>
+            </a:extLst>
+          </p:cNvPr>
+          <p:cNvPicPr>
+            <a:picLocks noChangeAspect="1"/>
+          </p:cNvPicPr>
+          <p:nvPr/>
+        </p:nvPicPr>
+        <p:blipFill>
+          <a:blip r:embed="rId3"/>
+          <a:stretch>
+            <a:fillRect/>
+          </a:stretch>
+        </p:blipFill>
+        <p:spPr>
+          <a:xfrm>
+            <a:off x="495542" y="5700408"/>
+            <a:ext cx="4534533" cy="3444413"/>
+          </a:xfrm>
+          <a:prstGeom prst="rect">
+            <a:avLst/>
+          </a:prstGeom>
+        </p:spPr>
+      </p:pic>
+      <p:pic>
+        <p:nvPicPr>
+          <p:cNvPr id="12" name="Imagem 11">
+            <a:extLst>
+              <a:ext uri="{FF2B5EF4-FFF2-40B4-BE49-F238E27FC236}">
+                <a16:creationId xmlns:a16="http://schemas.microsoft.com/office/drawing/2014/main" id="{3104C7DF-7295-BD84-ACE6-B104912CDC98}"/>
+              </a:ext>
+            </a:extLst>
+          </p:cNvPr>
+          <p:cNvPicPr>
+            <a:picLocks noChangeAspect="1"/>
+          </p:cNvPicPr>
+          <p:nvPr/>
+        </p:nvPicPr>
+        <p:blipFill>
+          <a:blip r:embed="rId4"/>
+          <a:stretch>
+            <a:fillRect/>
+          </a:stretch>
+        </p:blipFill>
+        <p:spPr>
+          <a:xfrm>
+            <a:off x="12638919" y="1371600"/>
+            <a:ext cx="5115680" cy="3880397"/>
+          </a:xfrm>
+          <a:prstGeom prst="rect">
+            <a:avLst/>
+          </a:prstGeom>
+        </p:spPr>
+      </p:pic>
+      <p:pic>
+        <p:nvPicPr>
+          <p:cNvPr id="15" name="Imagem 14">
+            <a:extLst>
+              <a:ext uri="{FF2B5EF4-FFF2-40B4-BE49-F238E27FC236}">
+                <a16:creationId xmlns:a16="http://schemas.microsoft.com/office/drawing/2014/main" id="{CD9252DB-3783-AE79-E09E-5FDFB8EB0E32}"/>
+              </a:ext>
+            </a:extLst>
+          </p:cNvPr>
+          <p:cNvPicPr>
+            <a:picLocks noChangeAspect="1"/>
+          </p:cNvPicPr>
+          <p:nvPr/>
+        </p:nvPicPr>
+        <p:blipFill>
+          <a:blip r:embed="rId5"/>
+          <a:stretch>
+            <a:fillRect/>
+          </a:stretch>
+        </p:blipFill>
+        <p:spPr>
+          <a:xfrm>
+            <a:off x="12638919" y="5256568"/>
+            <a:ext cx="5100158" cy="4010262"/>
+          </a:xfrm>
+          <a:prstGeom prst="rect">
+            <a:avLst/>
+          </a:prstGeom>
+        </p:spPr>
+      </p:pic>
     </p:spTree>
     <p:extLst>
       <p:ext uri="{BB962C8B-B14F-4D97-AF65-F5344CB8AC3E}">
@@ -13638,8 +15387,8 @@
         </p:nvSpPr>
         <p:spPr>
           <a:xfrm>
-            <a:off x="533400" y="329535"/>
-            <a:ext cx="11506200" cy="397545"/>
+            <a:off x="533399" y="329535"/>
+            <a:ext cx="12663985" cy="397545"/>
           </a:xfrm>
           <a:prstGeom prst="rect">
             <a:avLst/>
@@ -13660,7 +15409,7 @@
               </a:spcBef>
             </a:pPr>
             <a:r>
-              <a:rPr lang="pt-BR" sz="2500" spc="215">
+              <a:rPr lang="pt-BR" sz="2500" spc="215" dirty="0">
                 <a:solidFill>
                   <a:schemeClr val="bg1"/>
                 </a:solidFill>
@@ -13668,9 +15417,97 @@
                 <a:ea typeface="Cascadia Mono SemiBold" panose="020B0609020000020004" pitchFamily="49" charset="0"/>
                 <a:cs typeface="Cascadia Mono SemiBold" panose="020B0609020000020004" pitchFamily="49" charset="0"/>
               </a:rPr>
-              <a:t>Análise Descritiva: variáveis categóricas e binárias</a:t>
-            </a:r>
-            <a:endParaRPr sz="2500">
+              <a:t>Análise Descritiva: </a:t>
+            </a:r>
+            <a:r>
+              <a:rPr lang="pt-BR" sz="2500" spc="215" dirty="0" err="1">
+                <a:solidFill>
+                  <a:schemeClr val="bg1"/>
+                </a:solidFill>
+                <a:latin typeface="Cascadia Mono SemiBold" panose="020B0609020000020004" pitchFamily="49" charset="0"/>
+                <a:ea typeface="Cascadia Mono SemiBold" panose="020B0609020000020004" pitchFamily="49" charset="0"/>
+                <a:cs typeface="Cascadia Mono SemiBold" panose="020B0609020000020004" pitchFamily="49" charset="0"/>
+              </a:rPr>
+              <a:t>binary</a:t>
+            </a:r>
+            <a:r>
+              <a:rPr lang="pt-BR" sz="2500" spc="215" dirty="0">
+                <a:solidFill>
+                  <a:schemeClr val="bg1"/>
+                </a:solidFill>
+                <a:latin typeface="Cascadia Mono SemiBold" panose="020B0609020000020004" pitchFamily="49" charset="0"/>
+                <a:ea typeface="Cascadia Mono SemiBold" panose="020B0609020000020004" pitchFamily="49" charset="0"/>
+                <a:cs typeface="Cascadia Mono SemiBold" panose="020B0609020000020004" pitchFamily="49" charset="0"/>
+              </a:rPr>
+              <a:t> </a:t>
+            </a:r>
+            <a:r>
+              <a:rPr lang="pt-BR" sz="2500" spc="215" dirty="0" err="1">
+                <a:solidFill>
+                  <a:schemeClr val="bg1"/>
+                </a:solidFill>
+                <a:latin typeface="Cascadia Mono SemiBold" panose="020B0609020000020004" pitchFamily="49" charset="0"/>
+                <a:ea typeface="Cascadia Mono SemiBold" panose="020B0609020000020004" pitchFamily="49" charset="0"/>
+                <a:cs typeface="Cascadia Mono SemiBold" panose="020B0609020000020004" pitchFamily="49" charset="0"/>
+              </a:rPr>
+              <a:t>and</a:t>
+            </a:r>
+            <a:r>
+              <a:rPr lang="pt-BR" sz="2500" spc="215" dirty="0">
+                <a:solidFill>
+                  <a:schemeClr val="bg1"/>
+                </a:solidFill>
+                <a:latin typeface="Cascadia Mono SemiBold" panose="020B0609020000020004" pitchFamily="49" charset="0"/>
+                <a:ea typeface="Cascadia Mono SemiBold" panose="020B0609020000020004" pitchFamily="49" charset="0"/>
+                <a:cs typeface="Cascadia Mono SemiBold" panose="020B0609020000020004" pitchFamily="49" charset="0"/>
+              </a:rPr>
+              <a:t> </a:t>
+            </a:r>
+            <a:r>
+              <a:rPr lang="pt-BR" sz="2500" spc="215" dirty="0" err="1">
+                <a:solidFill>
+                  <a:schemeClr val="bg1"/>
+                </a:solidFill>
+                <a:latin typeface="Cascadia Mono SemiBold" panose="020B0609020000020004" pitchFamily="49" charset="0"/>
+                <a:ea typeface="Cascadia Mono SemiBold" panose="020B0609020000020004" pitchFamily="49" charset="0"/>
+                <a:cs typeface="Cascadia Mono SemiBold" panose="020B0609020000020004" pitchFamily="49" charset="0"/>
+              </a:rPr>
+              <a:t>categorical</a:t>
+            </a:r>
+            <a:r>
+              <a:rPr lang="pt-BR" sz="2500" spc="215" dirty="0">
+                <a:solidFill>
+                  <a:schemeClr val="bg1"/>
+                </a:solidFill>
+                <a:latin typeface="Cascadia Mono SemiBold" panose="020B0609020000020004" pitchFamily="49" charset="0"/>
+                <a:ea typeface="Cascadia Mono SemiBold" panose="020B0609020000020004" pitchFamily="49" charset="0"/>
+                <a:cs typeface="Cascadia Mono SemiBold" panose="020B0609020000020004" pitchFamily="49" charset="0"/>
+              </a:rPr>
+              <a:t> </a:t>
+            </a:r>
+            <a:r>
+              <a:rPr lang="pt-BR" sz="2500" spc="215" dirty="0" err="1">
+                <a:solidFill>
+                  <a:schemeClr val="bg1"/>
+                </a:solidFill>
+                <a:latin typeface="Cascadia Mono SemiBold" panose="020B0609020000020004" pitchFamily="49" charset="0"/>
+                <a:ea typeface="Cascadia Mono SemiBold" panose="020B0609020000020004" pitchFamily="49" charset="0"/>
+                <a:cs typeface="Cascadia Mono SemiBold" panose="020B0609020000020004" pitchFamily="49" charset="0"/>
+              </a:rPr>
+              <a:t>variables</a:t>
+            </a:r>
+            <a:r>
+              <a:rPr lang="pt-BR" sz="2500" spc="215" dirty="0">
+                <a:solidFill>
+                  <a:schemeClr val="bg1"/>
+                </a:solidFill>
+                <a:latin typeface="Cascadia Mono SemiBold" panose="020B0609020000020004" pitchFamily="49" charset="0"/>
+                <a:ea typeface="Cascadia Mono SemiBold" panose="020B0609020000020004" pitchFamily="49" charset="0"/>
+                <a:cs typeface="Cascadia Mono SemiBold" panose="020B0609020000020004" pitchFamily="49" charset="0"/>
+              </a:rPr>
+              <a:t> (2/2)</a:t>
+            </a:r>
+            <a:endParaRPr sz="2500" dirty="0">
               <a:solidFill>
                 <a:schemeClr val="bg1"/>
               </a:solidFill>
@@ -13681,126 +15518,6 @@
           </a:p>
         </p:txBody>
       </p:sp>
-      <p:pic>
-        <p:nvPicPr>
-          <p:cNvPr id="7" name="Imagem 6">
-            <a:extLst>
-              <a:ext uri="{FF2B5EF4-FFF2-40B4-BE49-F238E27FC236}">
-                <a16:creationId xmlns:a16="http://schemas.microsoft.com/office/drawing/2014/main" id="{693BE7D9-15F2-580E-828A-C7F977334B47}"/>
-              </a:ext>
-            </a:extLst>
-          </p:cNvPr>
-          <p:cNvPicPr>
-            <a:picLocks noChangeAspect="1"/>
-          </p:cNvPicPr>
-          <p:nvPr/>
-        </p:nvPicPr>
-        <p:blipFill>
-          <a:blip r:embed="rId2"/>
-          <a:stretch>
-            <a:fillRect/>
-          </a:stretch>
-        </p:blipFill>
-        <p:spPr>
-          <a:xfrm>
-            <a:off x="536812" y="1257300"/>
-            <a:ext cx="4686954" cy="3600953"/>
-          </a:xfrm>
-          <a:prstGeom prst="rect">
-            <a:avLst/>
-          </a:prstGeom>
-        </p:spPr>
-      </p:pic>
-      <p:pic>
-        <p:nvPicPr>
-          <p:cNvPr id="10" name="Imagem 9">
-            <a:extLst>
-              <a:ext uri="{FF2B5EF4-FFF2-40B4-BE49-F238E27FC236}">
-                <a16:creationId xmlns:a16="http://schemas.microsoft.com/office/drawing/2014/main" id="{7D37ABCD-BC72-12CA-7F92-3D5755C70135}"/>
-              </a:ext>
-            </a:extLst>
-          </p:cNvPr>
-          <p:cNvPicPr>
-            <a:picLocks noChangeAspect="1"/>
-          </p:cNvPicPr>
-          <p:nvPr/>
-        </p:nvPicPr>
-        <p:blipFill>
-          <a:blip r:embed="rId3"/>
-          <a:stretch>
-            <a:fillRect/>
-          </a:stretch>
-        </p:blipFill>
-        <p:spPr>
-          <a:xfrm>
-            <a:off x="533400" y="5687298"/>
-            <a:ext cx="4629796" cy="3572374"/>
-          </a:xfrm>
-          <a:prstGeom prst="rect">
-            <a:avLst/>
-          </a:prstGeom>
-        </p:spPr>
-      </p:pic>
-      <p:pic>
-        <p:nvPicPr>
-          <p:cNvPr id="12" name="Imagem 11">
-            <a:extLst>
-              <a:ext uri="{FF2B5EF4-FFF2-40B4-BE49-F238E27FC236}">
-                <a16:creationId xmlns:a16="http://schemas.microsoft.com/office/drawing/2014/main" id="{3D70CC56-536F-7B55-2D03-DF640E062A0E}"/>
-              </a:ext>
-            </a:extLst>
-          </p:cNvPr>
-          <p:cNvPicPr>
-            <a:picLocks noChangeAspect="1"/>
-          </p:cNvPicPr>
-          <p:nvPr/>
-        </p:nvPicPr>
-        <p:blipFill>
-          <a:blip r:embed="rId4"/>
-          <a:stretch>
-            <a:fillRect/>
-          </a:stretch>
-        </p:blipFill>
-        <p:spPr>
-          <a:xfrm>
-            <a:off x="12420600" y="1257300"/>
-            <a:ext cx="4528656" cy="3600953"/>
-          </a:xfrm>
-          <a:prstGeom prst="rect">
-            <a:avLst/>
-          </a:prstGeom>
-        </p:spPr>
-      </p:pic>
-      <p:pic>
-        <p:nvPicPr>
-          <p:cNvPr id="15" name="Imagem 14">
-            <a:extLst>
-              <a:ext uri="{FF2B5EF4-FFF2-40B4-BE49-F238E27FC236}">
-                <a16:creationId xmlns:a16="http://schemas.microsoft.com/office/drawing/2014/main" id="{9B46F694-0065-70DD-B39C-73286069DC1F}"/>
-              </a:ext>
-            </a:extLst>
-          </p:cNvPr>
-          <p:cNvPicPr>
-            <a:picLocks noChangeAspect="1"/>
-          </p:cNvPicPr>
-          <p:nvPr/>
-        </p:nvPicPr>
-        <p:blipFill>
-          <a:blip r:embed="rId5"/>
-          <a:stretch>
-            <a:fillRect/>
-          </a:stretch>
-        </p:blipFill>
-        <p:spPr>
-          <a:xfrm>
-            <a:off x="12420600" y="5916027"/>
-            <a:ext cx="4528656" cy="2612688"/>
-          </a:xfrm>
-          <a:prstGeom prst="rect">
-            <a:avLst/>
-          </a:prstGeom>
-        </p:spPr>
-      </p:pic>
       <p:sp>
         <p:nvSpPr>
           <p:cNvPr id="5" name="CaixaDeTexto 4">
@@ -13830,7 +15547,11 @@
           <a:lstStyle/>
           <a:p>
             <a:r>
-              <a:rPr lang="en-US" sz="2400" b="1" dirty="0"/>
+              <a:rPr lang="en-US" sz="2400" b="1" dirty="0">
+                <a:solidFill>
+                  <a:srgbClr val="FF0000"/>
+                </a:solidFill>
+              </a:rPr>
               <a:t>Analysis:</a:t>
             </a:r>
           </a:p>
@@ -13860,6 +15581,126 @@
           </a:p>
         </p:txBody>
       </p:sp>
+      <p:pic>
+        <p:nvPicPr>
+          <p:cNvPr id="4" name="Imagem 3">
+            <a:extLst>
+              <a:ext uri="{FF2B5EF4-FFF2-40B4-BE49-F238E27FC236}">
+                <a16:creationId xmlns:a16="http://schemas.microsoft.com/office/drawing/2014/main" id="{23B6776E-08E7-06DB-E611-C968F3F00BB3}"/>
+              </a:ext>
+            </a:extLst>
+          </p:cNvPr>
+          <p:cNvPicPr>
+            <a:picLocks noChangeAspect="1"/>
+          </p:cNvPicPr>
+          <p:nvPr/>
+        </p:nvPicPr>
+        <p:blipFill>
+          <a:blip r:embed="rId2"/>
+          <a:stretch>
+            <a:fillRect/>
+          </a:stretch>
+        </p:blipFill>
+        <p:spPr>
+          <a:xfrm>
+            <a:off x="412556" y="2044700"/>
+            <a:ext cx="4697002" cy="3591825"/>
+          </a:xfrm>
+          <a:prstGeom prst="rect">
+            <a:avLst/>
+          </a:prstGeom>
+        </p:spPr>
+      </p:pic>
+      <p:pic>
+        <p:nvPicPr>
+          <p:cNvPr id="9" name="Imagem 8">
+            <a:extLst>
+              <a:ext uri="{FF2B5EF4-FFF2-40B4-BE49-F238E27FC236}">
+                <a16:creationId xmlns:a16="http://schemas.microsoft.com/office/drawing/2014/main" id="{155148BD-81EA-EA0C-4894-F6A51440F661}"/>
+              </a:ext>
+            </a:extLst>
+          </p:cNvPr>
+          <p:cNvPicPr>
+            <a:picLocks noChangeAspect="1"/>
+          </p:cNvPicPr>
+          <p:nvPr/>
+        </p:nvPicPr>
+        <p:blipFill>
+          <a:blip r:embed="rId3"/>
+          <a:stretch>
+            <a:fillRect/>
+          </a:stretch>
+        </p:blipFill>
+        <p:spPr>
+          <a:xfrm>
+            <a:off x="412556" y="5885312"/>
+            <a:ext cx="4697959" cy="3591825"/>
+          </a:xfrm>
+          <a:prstGeom prst="rect">
+            <a:avLst/>
+          </a:prstGeom>
+        </p:spPr>
+      </p:pic>
+      <p:pic>
+        <p:nvPicPr>
+          <p:cNvPr id="13" name="Imagem 12">
+            <a:extLst>
+              <a:ext uri="{FF2B5EF4-FFF2-40B4-BE49-F238E27FC236}">
+                <a16:creationId xmlns:a16="http://schemas.microsoft.com/office/drawing/2014/main" id="{E450BA09-5AE5-E6B7-17CE-98248A12AF53}"/>
+              </a:ext>
+            </a:extLst>
+          </p:cNvPr>
+          <p:cNvPicPr>
+            <a:picLocks noChangeAspect="1"/>
+          </p:cNvPicPr>
+          <p:nvPr/>
+        </p:nvPicPr>
+        <p:blipFill>
+          <a:blip r:embed="rId4"/>
+          <a:stretch>
+            <a:fillRect/>
+          </a:stretch>
+        </p:blipFill>
+        <p:spPr>
+          <a:xfrm>
+            <a:off x="12420600" y="2044700"/>
+            <a:ext cx="4584786" cy="3591825"/>
+          </a:xfrm>
+          <a:prstGeom prst="rect">
+            <a:avLst/>
+          </a:prstGeom>
+        </p:spPr>
+      </p:pic>
+      <p:pic>
+        <p:nvPicPr>
+          <p:cNvPr id="16" name="Imagem 15">
+            <a:extLst>
+              <a:ext uri="{FF2B5EF4-FFF2-40B4-BE49-F238E27FC236}">
+                <a16:creationId xmlns:a16="http://schemas.microsoft.com/office/drawing/2014/main" id="{82CB021B-E6B6-5573-77DF-24F824FAE7CE}"/>
+              </a:ext>
+            </a:extLst>
+          </p:cNvPr>
+          <p:cNvPicPr>
+            <a:picLocks noChangeAspect="1"/>
+          </p:cNvPicPr>
+          <p:nvPr/>
+        </p:nvPicPr>
+        <p:blipFill>
+          <a:blip r:embed="rId5"/>
+          <a:stretch>
+            <a:fillRect/>
+          </a:stretch>
+        </p:blipFill>
+        <p:spPr>
+          <a:xfrm>
+            <a:off x="12798405" y="6542820"/>
+            <a:ext cx="3829176" cy="2276807"/>
+          </a:xfrm>
+          <a:prstGeom prst="rect">
+            <a:avLst/>
+          </a:prstGeom>
+        </p:spPr>
+      </p:pic>
     </p:spTree>
     <p:extLst>
       <p:ext uri="{BB962C8B-B14F-4D97-AF65-F5344CB8AC3E}">
@@ -13874,7 +15715,7 @@
 </file>
 
 <file path=ppt/slides/slide8.xml><?xml version="1.0" encoding="utf-8"?>
-<p:sld xmlns:a="http://schemas.openxmlformats.org/drawingml/2006/main" xmlns:r="http://schemas.openxmlformats.org/officeDocument/2006/relationships" xmlns:p="http://schemas.openxmlformats.org/presentationml/2006/main" showMasterSp="0">
+<p:sld xmlns:a="http://schemas.openxmlformats.org/drawingml/2006/main" xmlns:r="http://schemas.openxmlformats.org/officeDocument/2006/relationships" xmlns:p="http://schemas.openxmlformats.org/presentationml/2006/main">
   <p:cSld>
     <p:spTree>
       <p:nvGrpSpPr>
@@ -13948,7 +15789,7 @@
         </p:nvSpPr>
         <p:spPr>
           <a:xfrm>
-            <a:off x="7024735" y="29029"/>
+            <a:off x="7026549" y="12945"/>
             <a:ext cx="11229975" cy="10274300"/>
           </a:xfrm>
           <a:custGeom>
@@ -14926,7 +16767,7 @@
               </a:spcBef>
             </a:pPr>
             <a:r>
-              <a:rPr lang="pt-BR">
+              <a:rPr lang="pt-BR" dirty="0">
                 <a:solidFill>
                   <a:srgbClr val="FFFFFF"/>
                 </a:solidFill>
@@ -14934,9 +16775,31 @@
                 <a:ea typeface="Cascadia Mono SemiBold" panose="020B0609020000020004" pitchFamily="49" charset="0"/>
                 <a:cs typeface="Cascadia Mono SemiBold" panose="020B0609020000020004" pitchFamily="49" charset="0"/>
               </a:rPr>
-              <a:t>Análise Temporal:</a:t>
-            </a:r>
-            <a:endParaRPr spc="-10">
+              <a:t>Temporal </a:t>
+            </a:r>
+            <a:r>
+              <a:rPr lang="pt-BR" dirty="0" err="1">
+                <a:solidFill>
+                  <a:srgbClr val="FFFFFF"/>
+                </a:solidFill>
+                <a:latin typeface="Cascadia Mono SemiBold" panose="020B0609020000020004" pitchFamily="49" charset="0"/>
+                <a:ea typeface="Cascadia Mono SemiBold" panose="020B0609020000020004" pitchFamily="49" charset="0"/>
+                <a:cs typeface="Cascadia Mono SemiBold" panose="020B0609020000020004" pitchFamily="49" charset="0"/>
+              </a:rPr>
+              <a:t>analysis</a:t>
+            </a:r>
+            <a:r>
+              <a:rPr lang="pt-BR" dirty="0">
+                <a:solidFill>
+                  <a:srgbClr val="FFFFFF"/>
+                </a:solidFill>
+                <a:latin typeface="Cascadia Mono SemiBold" panose="020B0609020000020004" pitchFamily="49" charset="0"/>
+                <a:ea typeface="Cascadia Mono SemiBold" panose="020B0609020000020004" pitchFamily="49" charset="0"/>
+                <a:cs typeface="Cascadia Mono SemiBold" panose="020B0609020000020004" pitchFamily="49" charset="0"/>
+              </a:rPr>
+              <a:t>:</a:t>
+            </a:r>
+            <a:endParaRPr spc="-10" dirty="0">
               <a:solidFill>
                 <a:srgbClr val="FFFFFF"/>
               </a:solidFill>
@@ -14977,14 +16840,14 @@
               </a:spcBef>
             </a:pPr>
             <a:r>
-              <a:rPr lang="pt-BR" sz="2000">
+              <a:rPr lang="en-US" sz="2000" dirty="0">
                 <a:solidFill>
                   <a:schemeClr val="bg1"/>
                 </a:solidFill>
               </a:rPr>
-              <a:t>As proporções de quantos clientes não depositam em relação ao total de um dia ou mês são aleatórias, com alguns meses com maior captação de depósito que outros.</a:t>
-            </a:r>
-            <a:endParaRPr sz="1950">
+              <a:t>The proportions of clients who do not make a deposit relative to the daily or monthly total are random, with some months seeing higher deposit acquisition than others.</a:t>
+            </a:r>
+            <a:endParaRPr sz="1950" dirty="0">
               <a:solidFill>
                 <a:schemeClr val="bg1"/>
               </a:solidFill>
@@ -14994,12 +16857,108 @@
           </a:p>
         </p:txBody>
       </p:sp>
+      <p:sp>
+        <p:nvSpPr>
+          <p:cNvPr id="7" name="CaixaDeTexto 6">
+            <a:extLst>
+              <a:ext uri="{FF2B5EF4-FFF2-40B4-BE49-F238E27FC236}">
+                <a16:creationId xmlns:a16="http://schemas.microsoft.com/office/drawing/2014/main" id="{A959F595-2869-F3BE-EC84-CE409555BD07}"/>
+              </a:ext>
+            </a:extLst>
+          </p:cNvPr>
+          <p:cNvSpPr txBox="1"/>
+          <p:nvPr/>
+        </p:nvSpPr>
+        <p:spPr>
+          <a:xfrm>
+            <a:off x="8876167" y="2669361"/>
+            <a:ext cx="2828906" cy="1200329"/>
+          </a:xfrm>
+          <a:prstGeom prst="rect">
+            <a:avLst/>
+          </a:prstGeom>
+          <a:noFill/>
+        </p:spPr>
+        <p:txBody>
+          <a:bodyPr wrap="square" rtlCol="0">
+            <a:spAutoFit/>
+          </a:bodyPr>
+          <a:lstStyle/>
+          <a:p>
+            <a:r>
+              <a:rPr lang="en-US" b="1" dirty="0">
+                <a:solidFill>
+                  <a:srgbClr val="FF0000"/>
+                </a:solidFill>
+              </a:rPr>
+              <a:t>Months and their proportion (divided by 100) of clients who DID NOT make a deposit:</a:t>
+            </a:r>
+            <a:endParaRPr lang="pt-BR" b="1" dirty="0">
+              <a:solidFill>
+                <a:srgbClr val="FF0000"/>
+              </a:solidFill>
+            </a:endParaRPr>
+          </a:p>
+        </p:txBody>
+      </p:sp>
+      <p:sp>
+        <p:nvSpPr>
+          <p:cNvPr id="8" name="CaixaDeTexto 7">
+            <a:extLst>
+              <a:ext uri="{FF2B5EF4-FFF2-40B4-BE49-F238E27FC236}">
+                <a16:creationId xmlns:a16="http://schemas.microsoft.com/office/drawing/2014/main" id="{E3EA2257-4A1A-4677-069F-0CDED75F1F54}"/>
+              </a:ext>
+            </a:extLst>
+          </p:cNvPr>
+          <p:cNvSpPr txBox="1"/>
+          <p:nvPr/>
+        </p:nvSpPr>
+        <p:spPr>
+          <a:xfrm>
+            <a:off x="13712630" y="2385610"/>
+            <a:ext cx="3197812" cy="1484079"/>
+          </a:xfrm>
+          <a:prstGeom prst="rect">
+            <a:avLst/>
+          </a:prstGeom>
+          <a:noFill/>
+        </p:spPr>
+        <p:txBody>
+          <a:bodyPr wrap="square" rtlCol="0">
+            <a:spAutoFit/>
+          </a:bodyPr>
+          <a:lstStyle/>
+          <a:p>
+            <a:r>
+              <a:rPr lang="en-US" b="1" dirty="0">
+                <a:solidFill>
+                  <a:srgbClr val="FF0000"/>
+                </a:solidFill>
+              </a:rPr>
+              <a:t>Days with the lowest chances of a client refusing a term deposit offer, based on their proportion (divided by 100):</a:t>
+            </a:r>
+            <a:r>
+              <a:rPr lang="en-US" dirty="0">
+                <a:solidFill>
+                  <a:srgbClr val="FF0000"/>
+                </a:solidFill>
+              </a:rPr>
+              <a:t> </a:t>
+            </a:r>
+            <a:endParaRPr lang="pt-BR" b="1" dirty="0">
+              <a:solidFill>
+                <a:srgbClr val="FF0000"/>
+              </a:solidFill>
+            </a:endParaRPr>
+          </a:p>
+        </p:txBody>
+      </p:sp>
       <p:pic>
         <p:nvPicPr>
-          <p:cNvPr id="10" name="Imagem 9">
+          <p:cNvPr id="11" name="Imagem 10">
             <a:extLst>
               <a:ext uri="{FF2B5EF4-FFF2-40B4-BE49-F238E27FC236}">
-                <a16:creationId xmlns:a16="http://schemas.microsoft.com/office/drawing/2014/main" id="{2C36B107-4F4D-0D59-D0CB-3F7F0670672C}"/>
+                <a16:creationId xmlns:a16="http://schemas.microsoft.com/office/drawing/2014/main" id="{E10573B8-6BB4-25E0-4B27-8E352D28ED37}"/>
               </a:ext>
             </a:extLst>
           </p:cNvPr>
@@ -15016,8 +16975,8 @@
         </p:blipFill>
         <p:spPr>
           <a:xfrm>
-            <a:off x="8876167" y="4076700"/>
-            <a:ext cx="2828906" cy="5615590"/>
+            <a:off x="8710871" y="4076700"/>
+            <a:ext cx="3057854" cy="5615590"/>
           </a:xfrm>
           <a:prstGeom prst="rect">
             <a:avLst/>
@@ -15026,10 +16985,10 @@
       </p:pic>
       <p:pic>
         <p:nvPicPr>
-          <p:cNvPr id="12" name="Imagem 11">
+          <p:cNvPr id="14" name="Imagem 13">
             <a:extLst>
               <a:ext uri="{FF2B5EF4-FFF2-40B4-BE49-F238E27FC236}">
-                <a16:creationId xmlns:a16="http://schemas.microsoft.com/office/drawing/2014/main" id="{4FBB3D20-2849-21A9-670F-5237D68B60E3}"/>
+                <a16:creationId xmlns:a16="http://schemas.microsoft.com/office/drawing/2014/main" id="{4D4BD8F0-1938-941F-B683-0ED967FCDE66}"/>
               </a:ext>
             </a:extLst>
           </p:cNvPr>
@@ -15047,91 +17006,13 @@
         <p:spPr>
           <a:xfrm>
             <a:off x="13712630" y="4076700"/>
-            <a:ext cx="3223150" cy="5615590"/>
+            <a:ext cx="3099315" cy="5615590"/>
           </a:xfrm>
           <a:prstGeom prst="rect">
             <a:avLst/>
           </a:prstGeom>
         </p:spPr>
       </p:pic>
-      <p:sp>
-        <p:nvSpPr>
-          <p:cNvPr id="7" name="CaixaDeTexto 6">
-            <a:extLst>
-              <a:ext uri="{FF2B5EF4-FFF2-40B4-BE49-F238E27FC236}">
-                <a16:creationId xmlns:a16="http://schemas.microsoft.com/office/drawing/2014/main" id="{A959F595-2869-F3BE-EC84-CE409555BD07}"/>
-              </a:ext>
-            </a:extLst>
-          </p:cNvPr>
-          <p:cNvSpPr txBox="1"/>
-          <p:nvPr/>
-        </p:nvSpPr>
-        <p:spPr>
-          <a:xfrm>
-            <a:off x="8914036" y="2669361"/>
-            <a:ext cx="2828906" cy="1200329"/>
-          </a:xfrm>
-          <a:prstGeom prst="rect">
-            <a:avLst/>
-          </a:prstGeom>
-          <a:noFill/>
-        </p:spPr>
-        <p:txBody>
-          <a:bodyPr wrap="square" rtlCol="0">
-            <a:spAutoFit/>
-          </a:bodyPr>
-          <a:lstStyle/>
-          <a:p>
-            <a:r>
-              <a:rPr lang="pt-BR" b="1">
-                <a:solidFill>
-                  <a:srgbClr val="FF0000"/>
-                </a:solidFill>
-              </a:rPr>
-              <a:t>Meses e sua proporção (dividida por 100) de clientes que NÃO efetivaram um depósito:</a:t>
-            </a:r>
-          </a:p>
-        </p:txBody>
-      </p:sp>
-      <p:sp>
-        <p:nvSpPr>
-          <p:cNvPr id="8" name="CaixaDeTexto 7">
-            <a:extLst>
-              <a:ext uri="{FF2B5EF4-FFF2-40B4-BE49-F238E27FC236}">
-                <a16:creationId xmlns:a16="http://schemas.microsoft.com/office/drawing/2014/main" id="{E3EA2257-4A1A-4677-069F-0CDED75F1F54}"/>
-              </a:ext>
-            </a:extLst>
-          </p:cNvPr>
-          <p:cNvSpPr txBox="1"/>
-          <p:nvPr/>
-        </p:nvSpPr>
-        <p:spPr>
-          <a:xfrm>
-            <a:off x="13909752" y="2021241"/>
-            <a:ext cx="2828906" cy="2031325"/>
-          </a:xfrm>
-          <a:prstGeom prst="rect">
-            <a:avLst/>
-          </a:prstGeom>
-          <a:noFill/>
-        </p:spPr>
-        <p:txBody>
-          <a:bodyPr wrap="square" rtlCol="0">
-            <a:spAutoFit/>
-          </a:bodyPr>
-          <a:lstStyle/>
-          <a:p>
-            <a:r>
-              <a:rPr lang="pt-BR" b="1">
-                <a:solidFill>
-                  <a:srgbClr val="FF0000"/>
-                </a:solidFill>
-              </a:rPr>
-              <a:t>Dias em que as chances de um cliente recusar uma oferta de depósito à termo são as mais baixas, de acordo com sua proporção (dividida por 100):</a:t>
-            </a:r>
-          </a:p>
-        </p:txBody>
-      </p:sp>
     </p:spTree>
   </p:cSld>
   <p:clrMapOvr>
@@ -15177,7 +17058,7 @@
         </p:nvSpPr>
         <p:spPr>
           <a:xfrm>
-            <a:off x="13648" y="8455423"/>
+            <a:off x="-1906" y="8455424"/>
             <a:ext cx="18289905" cy="1831576"/>
           </a:xfrm>
           <a:custGeom>
@@ -15311,7 +17192,7 @@
               </a:spcBef>
             </a:pPr>
             <a:r>
-              <a:rPr lang="pt-BR" sz="2500" spc="215">
+              <a:rPr lang="pt-BR" sz="2500" spc="215" dirty="0">
                 <a:solidFill>
                   <a:schemeClr val="bg1"/>
                 </a:solidFill>
@@ -15319,9 +17200,31 @@
                 <a:ea typeface="Cascadia Mono SemiBold" panose="020B0609020000020004" pitchFamily="49" charset="0"/>
                 <a:cs typeface="Cascadia Mono SemiBold" panose="020B0609020000020004" pitchFamily="49" charset="0"/>
               </a:rPr>
-              <a:t>Análise de Benchmark:</a:t>
-            </a:r>
-            <a:endParaRPr sz="2500">
+              <a:t>Benchmark </a:t>
+            </a:r>
+            <a:r>
+              <a:rPr lang="pt-BR" sz="2500" spc="215" dirty="0" err="1">
+                <a:solidFill>
+                  <a:schemeClr val="bg1"/>
+                </a:solidFill>
+                <a:latin typeface="Cascadia Mono SemiBold" panose="020B0609020000020004" pitchFamily="49" charset="0"/>
+                <a:ea typeface="Cascadia Mono SemiBold" panose="020B0609020000020004" pitchFamily="49" charset="0"/>
+                <a:cs typeface="Cascadia Mono SemiBold" panose="020B0609020000020004" pitchFamily="49" charset="0"/>
+              </a:rPr>
+              <a:t>Analysis</a:t>
+            </a:r>
+            <a:r>
+              <a:rPr lang="pt-BR" sz="2500" spc="215" dirty="0">
+                <a:solidFill>
+                  <a:schemeClr val="bg1"/>
+                </a:solidFill>
+                <a:latin typeface="Cascadia Mono SemiBold" panose="020B0609020000020004" pitchFamily="49" charset="0"/>
+                <a:ea typeface="Cascadia Mono SemiBold" panose="020B0609020000020004" pitchFamily="49" charset="0"/>
+                <a:cs typeface="Cascadia Mono SemiBold" panose="020B0609020000020004" pitchFamily="49" charset="0"/>
+              </a:rPr>
+              <a:t>:</a:t>
+            </a:r>
+            <a:endParaRPr sz="2500" dirty="0">
               <a:solidFill>
                 <a:schemeClr val="bg1"/>
               </a:solidFill>
@@ -15329,163 +17232,6 @@
               <a:ea typeface="Cascadia Mono SemiBold" panose="020B0609020000020004" pitchFamily="49" charset="0"/>
               <a:cs typeface="Cascadia Mono SemiBold" panose="020B0609020000020004" pitchFamily="49" charset="0"/>
             </a:endParaRPr>
-          </a:p>
-        </p:txBody>
-      </p:sp>
-      <p:pic>
-        <p:nvPicPr>
-          <p:cNvPr id="5" name="Imagem 4">
-            <a:extLst>
-              <a:ext uri="{FF2B5EF4-FFF2-40B4-BE49-F238E27FC236}">
-                <a16:creationId xmlns:a16="http://schemas.microsoft.com/office/drawing/2014/main" id="{8D830DAC-BBD7-4886-9F4E-343F0AA4F73A}"/>
-              </a:ext>
-            </a:extLst>
-          </p:cNvPr>
-          <p:cNvPicPr>
-            <a:picLocks noChangeAspect="1"/>
-          </p:cNvPicPr>
-          <p:nvPr/>
-        </p:nvPicPr>
-        <p:blipFill>
-          <a:blip r:embed="rId2">
-            <a:extLst>
-              <a:ext uri="{28A0092B-C50C-407E-A947-70E740481C1C}">
-                <a14:useLocalDpi xmlns:a14="http://schemas.microsoft.com/office/drawing/2010/main" val="0"/>
-              </a:ext>
-            </a:extLst>
-          </a:blip>
-          <a:stretch>
-            <a:fillRect/>
-          </a:stretch>
-        </p:blipFill>
-        <p:spPr>
-          <a:xfrm>
-            <a:off x="5197645" y="1282737"/>
-            <a:ext cx="6865839" cy="7156238"/>
-          </a:xfrm>
-          <a:prstGeom prst="rect">
-            <a:avLst/>
-          </a:prstGeom>
-        </p:spPr>
-      </p:pic>
-      <p:pic>
-        <p:nvPicPr>
-          <p:cNvPr id="8" name="Imagem 7">
-            <a:extLst>
-              <a:ext uri="{FF2B5EF4-FFF2-40B4-BE49-F238E27FC236}">
-                <a16:creationId xmlns:a16="http://schemas.microsoft.com/office/drawing/2014/main" id="{2421D453-E760-A478-687A-130AB6B52E0F}"/>
-              </a:ext>
-            </a:extLst>
-          </p:cNvPr>
-          <p:cNvPicPr>
-            <a:picLocks noChangeAspect="1"/>
-          </p:cNvPicPr>
-          <p:nvPr/>
-        </p:nvPicPr>
-        <p:blipFill>
-          <a:blip r:embed="rId3">
-            <a:extLst>
-              <a:ext uri="{28A0092B-C50C-407E-A947-70E740481C1C}">
-                <a14:useLocalDpi xmlns:a14="http://schemas.microsoft.com/office/drawing/2010/main" val="0"/>
-              </a:ext>
-            </a:extLst>
-          </a:blip>
-          <a:stretch>
-            <a:fillRect/>
-          </a:stretch>
-        </p:blipFill>
-        <p:spPr>
-          <a:xfrm>
-            <a:off x="12039600" y="1299185"/>
-            <a:ext cx="5859561" cy="5272702"/>
-          </a:xfrm>
-          <a:prstGeom prst="rect">
-            <a:avLst/>
-          </a:prstGeom>
-        </p:spPr>
-      </p:pic>
-      <p:sp>
-        <p:nvSpPr>
-          <p:cNvPr id="9" name="CaixaDeTexto 8">
-            <a:extLst>
-              <a:ext uri="{FF2B5EF4-FFF2-40B4-BE49-F238E27FC236}">
-                <a16:creationId xmlns:a16="http://schemas.microsoft.com/office/drawing/2014/main" id="{5900A842-C01E-FB82-E642-73E491D4E95D}"/>
-              </a:ext>
-            </a:extLst>
-          </p:cNvPr>
-          <p:cNvSpPr txBox="1"/>
-          <p:nvPr/>
-        </p:nvSpPr>
-        <p:spPr>
-          <a:xfrm>
-            <a:off x="304800" y="2044701"/>
-            <a:ext cx="4892845" cy="5632311"/>
-          </a:xfrm>
-          <a:prstGeom prst="rect">
-            <a:avLst/>
-          </a:prstGeom>
-          <a:noFill/>
-        </p:spPr>
-        <p:txBody>
-          <a:bodyPr wrap="square" rtlCol="0">
-            <a:spAutoFit/>
-          </a:bodyPr>
-          <a:lstStyle/>
-          <a:p>
-            <a:r>
-              <a:rPr lang="pt-BR"/>
-              <a:t>Variáveis de rotina que mensuram o tempo de contato ou não com o cliente e a quantidade de ofertas a ele ofertadas:</a:t>
-            </a:r>
-          </a:p>
-          <a:p>
-            <a:endParaRPr lang="pt-BR"/>
-          </a:p>
-          <a:p>
-            <a:r>
-              <a:rPr lang="pt-BR"/>
-              <a:t>A maioria dos clientes decidem a contratação do depósito à termo no primeiro contato com o vendedor, representada no </a:t>
-            </a:r>
-            <a:r>
-              <a:rPr lang="pt-BR" err="1"/>
-              <a:t>boxplot</a:t>
-            </a:r>
-            <a:r>
-              <a:rPr lang="pt-BR"/>
-              <a:t> por -1</a:t>
-            </a:r>
-          </a:p>
-          <a:p>
-            <a:r>
-              <a:rPr lang="pt-BR"/>
-              <a:t>(nota-se os </a:t>
-            </a:r>
-            <a:r>
-              <a:rPr lang="pt-BR" err="1"/>
-              <a:t>boxplots</a:t>
-            </a:r>
-            <a:r>
-              <a:rPr lang="pt-BR"/>
-              <a:t> de ‘dias prévios’ e ‘campanha anterior’ como sendo somente o número 1).</a:t>
-            </a:r>
-          </a:p>
-          <a:p>
-            <a:endParaRPr lang="pt-BR"/>
-          </a:p>
-          <a:p>
-            <a:r>
-              <a:rPr lang="pt-BR"/>
-              <a:t>No geral, essas variáveis apresentam igual equilíbrio entre as taxas de depósito, excetuando o tempo de chamada, que, naturalmente, as inclusões de depósito vão possuir mais duração </a:t>
-            </a:r>
-            <a:br>
-              <a:rPr lang="pt-BR"/>
-            </a:br>
-            <a:r>
-              <a:rPr lang="pt-BR"/>
-              <a:t>(características como mais detalhes do produto e ofertas de outros serviços serão mencionados).</a:t>
-            </a:r>
-          </a:p>
-          <a:p>
-            <a:endParaRPr lang="pt-BR"/>
           </a:p>
         </p:txBody>
       </p:sp>
@@ -15518,20 +17264,2472 @@
           <a:lstStyle/>
           <a:p>
             <a:r>
-              <a:rPr lang="pt-BR"/>
-              <a:t>No geral, infere-se baixa relação com as chances de depósito, sendo a variável </a:t>
-            </a:r>
-            <a:r>
-              <a:rPr lang="pt-BR" err="1"/>
-              <a:t>tempo_chamada</a:t>
-            </a:r>
-            <a:r>
-              <a:rPr lang="pt-BR"/>
-              <a:t> a com maior taxa de correlação. </a:t>
+              <a:rPr lang="pt-BR" dirty="0"/>
+              <a:t>Overall, </a:t>
+            </a:r>
+            <a:r>
+              <a:rPr lang="pt-BR" dirty="0" err="1"/>
+              <a:t>there</a:t>
+            </a:r>
+            <a:r>
+              <a:rPr lang="pt-BR" dirty="0"/>
+              <a:t> </a:t>
+            </a:r>
+            <a:r>
+              <a:rPr lang="pt-BR" dirty="0" err="1"/>
+              <a:t>is</a:t>
+            </a:r>
+            <a:r>
+              <a:rPr lang="pt-BR" dirty="0"/>
+              <a:t> </a:t>
+            </a:r>
+            <a:r>
+              <a:rPr lang="pt-BR" dirty="0" err="1"/>
+              <a:t>almost</a:t>
+            </a:r>
+            <a:r>
+              <a:rPr lang="pt-BR" dirty="0"/>
+              <a:t> no </a:t>
+            </a:r>
+            <a:r>
+              <a:rPr lang="pt-BR" dirty="0" err="1"/>
+              <a:t>relation</a:t>
+            </a:r>
+            <a:r>
+              <a:rPr lang="pt-BR" dirty="0"/>
+              <a:t> </a:t>
+            </a:r>
+            <a:r>
+              <a:rPr lang="pt-BR" dirty="0" err="1"/>
+              <a:t>between</a:t>
+            </a:r>
+            <a:r>
+              <a:rPr lang="pt-BR" dirty="0"/>
+              <a:t> chances </a:t>
+            </a:r>
+            <a:r>
+              <a:rPr lang="pt-BR" dirty="0" err="1"/>
+              <a:t>of</a:t>
+            </a:r>
+            <a:r>
+              <a:rPr lang="pt-BR" dirty="0"/>
+              <a:t> </a:t>
+            </a:r>
+            <a:r>
+              <a:rPr lang="pt-BR" dirty="0" err="1"/>
+              <a:t>deposit</a:t>
+            </a:r>
+            <a:r>
+              <a:rPr lang="pt-BR" dirty="0"/>
+              <a:t>, </a:t>
+            </a:r>
+            <a:r>
+              <a:rPr lang="pt-BR" dirty="0" err="1"/>
+              <a:t>only</a:t>
+            </a:r>
+            <a:r>
+              <a:rPr lang="pt-BR" dirty="0"/>
+              <a:t> </a:t>
+            </a:r>
+            <a:r>
+              <a:rPr lang="pt-BR" dirty="0" err="1"/>
+              <a:t>the</a:t>
+            </a:r>
+            <a:r>
+              <a:rPr lang="pt-BR" dirty="0"/>
+              <a:t> </a:t>
+            </a:r>
+            <a:r>
+              <a:rPr lang="pt-BR" dirty="0" err="1"/>
+              <a:t>duration</a:t>
+            </a:r>
+            <a:r>
+              <a:rPr lang="pt-BR" dirty="0"/>
+              <a:t> </a:t>
+            </a:r>
+            <a:r>
+              <a:rPr lang="pt-BR" dirty="0" err="1"/>
+              <a:t>of</a:t>
+            </a:r>
+            <a:r>
+              <a:rPr lang="pt-BR" dirty="0"/>
+              <a:t> </a:t>
+            </a:r>
+            <a:r>
+              <a:rPr lang="pt-BR" dirty="0" err="1"/>
+              <a:t>the</a:t>
+            </a:r>
+            <a:r>
+              <a:rPr lang="pt-BR" dirty="0"/>
+              <a:t> </a:t>
+            </a:r>
+            <a:r>
+              <a:rPr lang="pt-BR" dirty="0" err="1"/>
+              <a:t>call</a:t>
+            </a:r>
+            <a:r>
+              <a:rPr lang="pt-BR" dirty="0"/>
+              <a:t> </a:t>
+            </a:r>
+            <a:r>
+              <a:rPr lang="pt-BR" dirty="0" err="1"/>
+              <a:t>being</a:t>
+            </a:r>
+            <a:r>
+              <a:rPr lang="pt-BR" dirty="0"/>
+              <a:t> </a:t>
+            </a:r>
+            <a:r>
+              <a:rPr lang="pt-BR" dirty="0" err="1"/>
+              <a:t>relevant</a:t>
+            </a:r>
+            <a:r>
+              <a:rPr lang="pt-BR" dirty="0"/>
+              <a:t> </a:t>
             </a:r>
           </a:p>
         </p:txBody>
       </p:sp>
+      <p:sp>
+        <p:nvSpPr>
+          <p:cNvPr id="7" name="Rectangle 3">
+            <a:extLst>
+              <a:ext uri="{FF2B5EF4-FFF2-40B4-BE49-F238E27FC236}">
+                <a16:creationId xmlns:a16="http://schemas.microsoft.com/office/drawing/2014/main" id="{52373786-0869-F998-4CEA-34B90108BFC8}"/>
+              </a:ext>
+            </a:extLst>
+          </p:cNvPr>
+          <p:cNvSpPr>
+            <a:spLocks noChangeArrowheads="1"/>
+          </p:cNvSpPr>
+          <p:nvPr/>
+        </p:nvSpPr>
+        <p:spPr bwMode="auto">
+          <a:xfrm>
+            <a:off x="533400" y="2059491"/>
+            <a:ext cx="5386824" cy="5078313"/>
+          </a:xfrm>
+          <a:prstGeom prst="rect">
+            <a:avLst/>
+          </a:prstGeom>
+          <a:noFill/>
+          <a:ln>
+            <a:noFill/>
+          </a:ln>
+          <a:effectLst/>
+          <a:extLst>
+            <a:ext uri="{909E8E84-426E-40DD-AFC4-6F175D3DCCD1}">
+              <a14:hiddenFill xmlns:a14="http://schemas.microsoft.com/office/drawing/2010/main">
+                <a:solidFill>
+                  <a:schemeClr val="accent1"/>
+                </a:solidFill>
+              </a14:hiddenFill>
+            </a:ext>
+            <a:ext uri="{91240B29-F687-4F45-9708-019B960494DF}">
+              <a14:hiddenLine xmlns:a14="http://schemas.microsoft.com/office/drawing/2010/main" w="9525">
+                <a:solidFill>
+                  <a:schemeClr val="tx1"/>
+                </a:solidFill>
+                <a:miter lim="800000"/>
+                <a:headEnd/>
+                <a:tailEnd/>
+              </a14:hiddenLine>
+            </a:ext>
+            <a:ext uri="{AF507438-7753-43E0-B8FC-AC1667EBCBE1}">
+              <a14:hiddenEffects xmlns:a14="http://schemas.microsoft.com/office/drawing/2010/main">
+                <a:effectLst>
+                  <a:outerShdw dist="35921" dir="2700000" algn="ctr" rotWithShape="0">
+                    <a:schemeClr val="bg2"/>
+                  </a:outerShdw>
+                </a:effectLst>
+              </a14:hiddenEffects>
+            </a:ext>
+          </a:extLst>
+        </p:spPr>
+        <p:txBody>
+          <a:bodyPr vert="horz" wrap="square" lIns="91440" tIns="45720" rIns="91440" bIns="45720" numCol="1" anchor="ctr" anchorCtr="0" compatLnSpc="1">
+            <a:prstTxWarp prst="textNoShape">
+              <a:avLst/>
+            </a:prstTxWarp>
+            <a:spAutoFit/>
+          </a:bodyPr>
+          <a:lstStyle/>
+          <a:p>
+            <a:pPr marL="0" marR="0" lvl="0" indent="0" algn="l" defTabSz="914400" rtl="0" eaLnBrk="0" fontAlgn="base" latinLnBrk="0" hangingPunct="0">
+              <a:lnSpc>
+                <a:spcPct val="100000"/>
+              </a:lnSpc>
+              <a:spcBef>
+                <a:spcPct val="0"/>
+              </a:spcBef>
+              <a:spcAft>
+                <a:spcPct val="0"/>
+              </a:spcAft>
+              <a:buClrTx/>
+              <a:buSzTx/>
+              <a:buFontTx/>
+              <a:buChar char="•"/>
+              <a:tabLst/>
+            </a:pPr>
+            <a:r>
+              <a:rPr kumimoji="0" lang="pt-BR" altLang="pt-BR" sz="1800" b="1" i="0" u="none" strike="noStrike" cap="none" normalizeH="0" baseline="0" dirty="0" err="1">
+                <a:ln>
+                  <a:noFill/>
+                </a:ln>
+                <a:solidFill>
+                  <a:schemeClr val="tx1"/>
+                </a:solidFill>
+                <a:effectLst/>
+                <a:latin typeface="Arial" panose="020B0604020202020204" pitchFamily="34" charset="0"/>
+              </a:rPr>
+              <a:t>Routine</a:t>
+            </a:r>
+            <a:r>
+              <a:rPr kumimoji="0" lang="pt-BR" altLang="pt-BR" sz="1800" b="1" i="0" u="none" strike="noStrike" cap="none" normalizeH="0" baseline="0" dirty="0">
+                <a:ln>
+                  <a:noFill/>
+                </a:ln>
+                <a:solidFill>
+                  <a:schemeClr val="tx1"/>
+                </a:solidFill>
+                <a:effectLst/>
+                <a:latin typeface="Arial" panose="020B0604020202020204" pitchFamily="34" charset="0"/>
+              </a:rPr>
+              <a:t> </a:t>
+            </a:r>
+            <a:r>
+              <a:rPr kumimoji="0" lang="pt-BR" altLang="pt-BR" sz="1800" b="1" i="0" u="none" strike="noStrike" cap="none" normalizeH="0" baseline="0" dirty="0" err="1">
+                <a:ln>
+                  <a:noFill/>
+                </a:ln>
+                <a:solidFill>
+                  <a:schemeClr val="tx1"/>
+                </a:solidFill>
+                <a:effectLst/>
+                <a:latin typeface="Arial" panose="020B0604020202020204" pitchFamily="34" charset="0"/>
+              </a:rPr>
+              <a:t>variables</a:t>
+            </a:r>
+            <a:r>
+              <a:rPr kumimoji="0" lang="pt-BR" altLang="pt-BR" sz="1800" b="0" i="0" u="none" strike="noStrike" cap="none" normalizeH="0" baseline="0" dirty="0">
+                <a:ln>
+                  <a:noFill/>
+                </a:ln>
+                <a:solidFill>
+                  <a:schemeClr val="tx1"/>
+                </a:solidFill>
+                <a:effectLst/>
+                <a:latin typeface="Arial" panose="020B0604020202020204" pitchFamily="34" charset="0"/>
+              </a:rPr>
+              <a:t> </a:t>
+            </a:r>
+            <a:r>
+              <a:rPr kumimoji="0" lang="pt-BR" altLang="pt-BR" sz="1800" b="0" i="0" u="none" strike="noStrike" cap="none" normalizeH="0" baseline="0" dirty="0" err="1">
+                <a:ln>
+                  <a:noFill/>
+                </a:ln>
+                <a:solidFill>
+                  <a:schemeClr val="tx1"/>
+                </a:solidFill>
+                <a:effectLst/>
+                <a:latin typeface="Arial" panose="020B0604020202020204" pitchFamily="34" charset="0"/>
+              </a:rPr>
+              <a:t>measure</a:t>
+            </a:r>
+            <a:r>
+              <a:rPr kumimoji="0" lang="pt-BR" altLang="pt-BR" sz="1800" b="0" i="0" u="none" strike="noStrike" cap="none" normalizeH="0" baseline="0" dirty="0">
+                <a:ln>
+                  <a:noFill/>
+                </a:ln>
+                <a:solidFill>
+                  <a:schemeClr val="tx1"/>
+                </a:solidFill>
+                <a:effectLst/>
+                <a:latin typeface="Arial" panose="020B0604020202020204" pitchFamily="34" charset="0"/>
+              </a:rPr>
+              <a:t> </a:t>
+            </a:r>
+            <a:r>
+              <a:rPr kumimoji="0" lang="pt-BR" altLang="pt-BR" sz="1800" b="0" i="0" u="none" strike="noStrike" cap="none" normalizeH="0" baseline="0" dirty="0" err="1">
+                <a:ln>
+                  <a:noFill/>
+                </a:ln>
+                <a:solidFill>
+                  <a:schemeClr val="tx1"/>
+                </a:solidFill>
+                <a:effectLst/>
+                <a:latin typeface="Arial" panose="020B0604020202020204" pitchFamily="34" charset="0"/>
+              </a:rPr>
+              <a:t>the</a:t>
+            </a:r>
+            <a:r>
+              <a:rPr kumimoji="0" lang="pt-BR" altLang="pt-BR" sz="1800" b="0" i="0" u="none" strike="noStrike" cap="none" normalizeH="0" baseline="0" dirty="0">
+                <a:ln>
+                  <a:noFill/>
+                </a:ln>
+                <a:solidFill>
+                  <a:schemeClr val="tx1"/>
+                </a:solidFill>
+                <a:effectLst/>
+                <a:latin typeface="Arial" panose="020B0604020202020204" pitchFamily="34" charset="0"/>
+              </a:rPr>
+              <a:t> time </a:t>
+            </a:r>
+            <a:r>
+              <a:rPr kumimoji="0" lang="pt-BR" altLang="pt-BR" sz="1800" b="0" i="0" u="none" strike="noStrike" cap="none" normalizeH="0" baseline="0" dirty="0" err="1">
+                <a:ln>
+                  <a:noFill/>
+                </a:ln>
+                <a:solidFill>
+                  <a:schemeClr val="tx1"/>
+                </a:solidFill>
+                <a:effectLst/>
+                <a:latin typeface="Arial" panose="020B0604020202020204" pitchFamily="34" charset="0"/>
+              </a:rPr>
+              <a:t>of</a:t>
+            </a:r>
+            <a:r>
+              <a:rPr kumimoji="0" lang="pt-BR" altLang="pt-BR" sz="1800" b="0" i="0" u="none" strike="noStrike" cap="none" normalizeH="0" baseline="0" dirty="0">
+                <a:ln>
+                  <a:noFill/>
+                </a:ln>
+                <a:solidFill>
+                  <a:schemeClr val="tx1"/>
+                </a:solidFill>
+                <a:effectLst/>
+                <a:latin typeface="Arial" panose="020B0604020202020204" pitchFamily="34" charset="0"/>
+              </a:rPr>
+              <a:t> </a:t>
+            </a:r>
+            <a:r>
+              <a:rPr kumimoji="0" lang="pt-BR" altLang="pt-BR" sz="1800" b="0" i="0" u="none" strike="noStrike" cap="none" normalizeH="0" baseline="0" dirty="0" err="1">
+                <a:ln>
+                  <a:noFill/>
+                </a:ln>
+                <a:solidFill>
+                  <a:schemeClr val="tx1"/>
+                </a:solidFill>
+                <a:effectLst/>
+                <a:latin typeface="Arial" panose="020B0604020202020204" pitchFamily="34" charset="0"/>
+              </a:rPr>
+              <a:t>contact</a:t>
+            </a:r>
+            <a:r>
+              <a:rPr kumimoji="0" lang="pt-BR" altLang="pt-BR" sz="1800" b="0" i="0" u="none" strike="noStrike" cap="none" normalizeH="0" baseline="0" dirty="0">
+                <a:ln>
+                  <a:noFill/>
+                </a:ln>
+                <a:solidFill>
+                  <a:schemeClr val="tx1"/>
+                </a:solidFill>
+                <a:effectLst/>
+                <a:latin typeface="Arial" panose="020B0604020202020204" pitchFamily="34" charset="0"/>
+              </a:rPr>
+              <a:t> (</a:t>
+            </a:r>
+            <a:r>
+              <a:rPr kumimoji="0" lang="pt-BR" altLang="pt-BR" sz="1800" b="0" i="0" u="none" strike="noStrike" cap="none" normalizeH="0" baseline="0" dirty="0" err="1">
+                <a:ln>
+                  <a:noFill/>
+                </a:ln>
+                <a:solidFill>
+                  <a:schemeClr val="tx1"/>
+                </a:solidFill>
+                <a:effectLst/>
+                <a:latin typeface="Arial" panose="020B0604020202020204" pitchFamily="34" charset="0"/>
+              </a:rPr>
+              <a:t>or</a:t>
+            </a:r>
+            <a:r>
+              <a:rPr kumimoji="0" lang="pt-BR" altLang="pt-BR" sz="1800" b="0" i="0" u="none" strike="noStrike" cap="none" normalizeH="0" baseline="0" dirty="0">
+                <a:ln>
+                  <a:noFill/>
+                </a:ln>
+                <a:solidFill>
+                  <a:schemeClr val="tx1"/>
+                </a:solidFill>
+                <a:effectLst/>
+                <a:latin typeface="Arial" panose="020B0604020202020204" pitchFamily="34" charset="0"/>
+              </a:rPr>
+              <a:t> </a:t>
+            </a:r>
+            <a:r>
+              <a:rPr kumimoji="0" lang="pt-BR" altLang="pt-BR" sz="1800" b="0" i="0" u="none" strike="noStrike" cap="none" normalizeH="0" baseline="0" dirty="0" err="1">
+                <a:ln>
+                  <a:noFill/>
+                </a:ln>
+                <a:solidFill>
+                  <a:schemeClr val="tx1"/>
+                </a:solidFill>
+                <a:effectLst/>
+                <a:latin typeface="Arial" panose="020B0604020202020204" pitchFamily="34" charset="0"/>
+              </a:rPr>
+              <a:t>lack</a:t>
+            </a:r>
+            <a:r>
+              <a:rPr kumimoji="0" lang="pt-BR" altLang="pt-BR" sz="1800" b="0" i="0" u="none" strike="noStrike" cap="none" normalizeH="0" baseline="0" dirty="0">
+                <a:ln>
+                  <a:noFill/>
+                </a:ln>
+                <a:solidFill>
+                  <a:schemeClr val="tx1"/>
+                </a:solidFill>
+                <a:effectLst/>
+                <a:latin typeface="Arial" panose="020B0604020202020204" pitchFamily="34" charset="0"/>
+              </a:rPr>
+              <a:t> </a:t>
+            </a:r>
+            <a:r>
+              <a:rPr kumimoji="0" lang="pt-BR" altLang="pt-BR" sz="1800" b="0" i="0" u="none" strike="noStrike" cap="none" normalizeH="0" baseline="0" dirty="0" err="1">
+                <a:ln>
+                  <a:noFill/>
+                </a:ln>
+                <a:solidFill>
+                  <a:schemeClr val="tx1"/>
+                </a:solidFill>
+                <a:effectLst/>
+                <a:latin typeface="Arial" panose="020B0604020202020204" pitchFamily="34" charset="0"/>
+              </a:rPr>
+              <a:t>thereof</a:t>
+            </a:r>
+            <a:r>
+              <a:rPr kumimoji="0" lang="pt-BR" altLang="pt-BR" sz="1800" b="0" i="0" u="none" strike="noStrike" cap="none" normalizeH="0" baseline="0" dirty="0">
+                <a:ln>
+                  <a:noFill/>
+                </a:ln>
+                <a:solidFill>
+                  <a:schemeClr val="tx1"/>
+                </a:solidFill>
+                <a:effectLst/>
+                <a:latin typeface="Arial" panose="020B0604020202020204" pitchFamily="34" charset="0"/>
+              </a:rPr>
+              <a:t>) </a:t>
+            </a:r>
+            <a:r>
+              <a:rPr kumimoji="0" lang="pt-BR" altLang="pt-BR" sz="1800" b="0" i="0" u="none" strike="noStrike" cap="none" normalizeH="0" baseline="0" dirty="0" err="1">
+                <a:ln>
+                  <a:noFill/>
+                </a:ln>
+                <a:solidFill>
+                  <a:schemeClr val="tx1"/>
+                </a:solidFill>
+                <a:effectLst/>
+                <a:latin typeface="Arial" panose="020B0604020202020204" pitchFamily="34" charset="0"/>
+              </a:rPr>
+              <a:t>with</a:t>
+            </a:r>
+            <a:r>
+              <a:rPr kumimoji="0" lang="pt-BR" altLang="pt-BR" sz="1800" b="0" i="0" u="none" strike="noStrike" cap="none" normalizeH="0" baseline="0" dirty="0">
+                <a:ln>
+                  <a:noFill/>
+                </a:ln>
+                <a:solidFill>
+                  <a:schemeClr val="tx1"/>
+                </a:solidFill>
+                <a:effectLst/>
+                <a:latin typeface="Arial" panose="020B0604020202020204" pitchFamily="34" charset="0"/>
+              </a:rPr>
+              <a:t> </a:t>
+            </a:r>
+            <a:r>
+              <a:rPr kumimoji="0" lang="pt-BR" altLang="pt-BR" sz="1800" b="0" i="0" u="none" strike="noStrike" cap="none" normalizeH="0" baseline="0" dirty="0" err="1">
+                <a:ln>
+                  <a:noFill/>
+                </a:ln>
+                <a:solidFill>
+                  <a:schemeClr val="tx1"/>
+                </a:solidFill>
+                <a:effectLst/>
+                <a:latin typeface="Arial" panose="020B0604020202020204" pitchFamily="34" charset="0"/>
+              </a:rPr>
+              <a:t>the</a:t>
+            </a:r>
+            <a:r>
+              <a:rPr kumimoji="0" lang="pt-BR" altLang="pt-BR" sz="1800" b="0" i="0" u="none" strike="noStrike" cap="none" normalizeH="0" baseline="0" dirty="0">
+                <a:ln>
+                  <a:noFill/>
+                </a:ln>
+                <a:solidFill>
+                  <a:schemeClr val="tx1"/>
+                </a:solidFill>
+                <a:effectLst/>
+                <a:latin typeface="Arial" panose="020B0604020202020204" pitchFamily="34" charset="0"/>
+              </a:rPr>
+              <a:t> </a:t>
+            </a:r>
+            <a:r>
+              <a:rPr kumimoji="0" lang="pt-BR" altLang="pt-BR" sz="1800" b="0" i="0" u="none" strike="noStrike" cap="none" normalizeH="0" baseline="0" dirty="0" err="1">
+                <a:ln>
+                  <a:noFill/>
+                </a:ln>
+                <a:solidFill>
+                  <a:schemeClr val="tx1"/>
+                </a:solidFill>
+                <a:effectLst/>
+                <a:latin typeface="Arial" panose="020B0604020202020204" pitchFamily="34" charset="0"/>
+              </a:rPr>
+              <a:t>client</a:t>
+            </a:r>
+            <a:r>
+              <a:rPr kumimoji="0" lang="pt-BR" altLang="pt-BR" sz="1800" b="0" i="0" u="none" strike="noStrike" cap="none" normalizeH="0" baseline="0" dirty="0">
+                <a:ln>
+                  <a:noFill/>
+                </a:ln>
+                <a:solidFill>
+                  <a:schemeClr val="tx1"/>
+                </a:solidFill>
+                <a:effectLst/>
+                <a:latin typeface="Arial" panose="020B0604020202020204" pitchFamily="34" charset="0"/>
+              </a:rPr>
+              <a:t> </a:t>
+            </a:r>
+            <a:r>
+              <a:rPr kumimoji="0" lang="pt-BR" altLang="pt-BR" sz="1800" b="0" i="0" u="none" strike="noStrike" cap="none" normalizeH="0" baseline="0" dirty="0" err="1">
+                <a:ln>
+                  <a:noFill/>
+                </a:ln>
+                <a:solidFill>
+                  <a:schemeClr val="tx1"/>
+                </a:solidFill>
+                <a:effectLst/>
+                <a:latin typeface="Arial" panose="020B0604020202020204" pitchFamily="34" charset="0"/>
+              </a:rPr>
+              <a:t>and</a:t>
+            </a:r>
+            <a:r>
+              <a:rPr kumimoji="0" lang="pt-BR" altLang="pt-BR" sz="1800" b="0" i="0" u="none" strike="noStrike" cap="none" normalizeH="0" baseline="0" dirty="0">
+                <a:ln>
+                  <a:noFill/>
+                </a:ln>
+                <a:solidFill>
+                  <a:schemeClr val="tx1"/>
+                </a:solidFill>
+                <a:effectLst/>
+                <a:latin typeface="Arial" panose="020B0604020202020204" pitchFamily="34" charset="0"/>
+              </a:rPr>
+              <a:t> </a:t>
+            </a:r>
+            <a:r>
+              <a:rPr kumimoji="0" lang="pt-BR" altLang="pt-BR" sz="1800" b="0" i="0" u="none" strike="noStrike" cap="none" normalizeH="0" baseline="0" dirty="0" err="1">
+                <a:ln>
+                  <a:noFill/>
+                </a:ln>
+                <a:solidFill>
+                  <a:schemeClr val="tx1"/>
+                </a:solidFill>
+                <a:effectLst/>
+                <a:latin typeface="Arial" panose="020B0604020202020204" pitchFamily="34" charset="0"/>
+              </a:rPr>
+              <a:t>the</a:t>
+            </a:r>
+            <a:r>
+              <a:rPr kumimoji="0" lang="pt-BR" altLang="pt-BR" sz="1800" b="0" i="0" u="none" strike="noStrike" cap="none" normalizeH="0" baseline="0" dirty="0">
+                <a:ln>
+                  <a:noFill/>
+                </a:ln>
+                <a:solidFill>
+                  <a:schemeClr val="tx1"/>
+                </a:solidFill>
+                <a:effectLst/>
+                <a:latin typeface="Arial" panose="020B0604020202020204" pitchFamily="34" charset="0"/>
+              </a:rPr>
+              <a:t> </a:t>
+            </a:r>
+            <a:r>
+              <a:rPr kumimoji="0" lang="pt-BR" altLang="pt-BR" sz="1800" b="0" i="0" u="none" strike="noStrike" cap="none" normalizeH="0" baseline="0" dirty="0" err="1">
+                <a:ln>
+                  <a:noFill/>
+                </a:ln>
+                <a:solidFill>
+                  <a:schemeClr val="tx1"/>
+                </a:solidFill>
+                <a:effectLst/>
+                <a:latin typeface="Arial" panose="020B0604020202020204" pitchFamily="34" charset="0"/>
+              </a:rPr>
+              <a:t>number</a:t>
+            </a:r>
+            <a:r>
+              <a:rPr kumimoji="0" lang="pt-BR" altLang="pt-BR" sz="1800" b="0" i="0" u="none" strike="noStrike" cap="none" normalizeH="0" baseline="0" dirty="0">
+                <a:ln>
+                  <a:noFill/>
+                </a:ln>
+                <a:solidFill>
+                  <a:schemeClr val="tx1"/>
+                </a:solidFill>
+                <a:effectLst/>
+                <a:latin typeface="Arial" panose="020B0604020202020204" pitchFamily="34" charset="0"/>
+              </a:rPr>
+              <a:t> </a:t>
+            </a:r>
+            <a:r>
+              <a:rPr kumimoji="0" lang="pt-BR" altLang="pt-BR" sz="1800" b="0" i="0" u="none" strike="noStrike" cap="none" normalizeH="0" baseline="0" dirty="0" err="1">
+                <a:ln>
+                  <a:noFill/>
+                </a:ln>
+                <a:solidFill>
+                  <a:schemeClr val="tx1"/>
+                </a:solidFill>
+                <a:effectLst/>
+                <a:latin typeface="Arial" panose="020B0604020202020204" pitchFamily="34" charset="0"/>
+              </a:rPr>
+              <a:t>of</a:t>
+            </a:r>
+            <a:r>
+              <a:rPr kumimoji="0" lang="pt-BR" altLang="pt-BR" sz="1800" b="0" i="0" u="none" strike="noStrike" cap="none" normalizeH="0" baseline="0" dirty="0">
+                <a:ln>
+                  <a:noFill/>
+                </a:ln>
+                <a:solidFill>
+                  <a:schemeClr val="tx1"/>
+                </a:solidFill>
+                <a:effectLst/>
+                <a:latin typeface="Arial" panose="020B0604020202020204" pitchFamily="34" charset="0"/>
+              </a:rPr>
+              <a:t> </a:t>
+            </a:r>
+            <a:r>
+              <a:rPr kumimoji="0" lang="pt-BR" altLang="pt-BR" sz="1800" b="0" i="0" u="none" strike="noStrike" cap="none" normalizeH="0" baseline="0" dirty="0" err="1">
+                <a:ln>
+                  <a:noFill/>
+                </a:ln>
+                <a:solidFill>
+                  <a:schemeClr val="tx1"/>
+                </a:solidFill>
+                <a:effectLst/>
+                <a:latin typeface="Arial" panose="020B0604020202020204" pitchFamily="34" charset="0"/>
+              </a:rPr>
+              <a:t>offers</a:t>
+            </a:r>
+            <a:r>
+              <a:rPr kumimoji="0" lang="pt-BR" altLang="pt-BR" sz="1800" b="0" i="0" u="none" strike="noStrike" cap="none" normalizeH="0" baseline="0" dirty="0">
+                <a:ln>
+                  <a:noFill/>
+                </a:ln>
+                <a:solidFill>
+                  <a:schemeClr val="tx1"/>
+                </a:solidFill>
+                <a:effectLst/>
+                <a:latin typeface="Arial" panose="020B0604020202020204" pitchFamily="34" charset="0"/>
+              </a:rPr>
+              <a:t> </a:t>
+            </a:r>
+            <a:r>
+              <a:rPr kumimoji="0" lang="pt-BR" altLang="pt-BR" sz="1800" b="0" i="0" u="none" strike="noStrike" cap="none" normalizeH="0" baseline="0" dirty="0" err="1">
+                <a:ln>
+                  <a:noFill/>
+                </a:ln>
+                <a:solidFill>
+                  <a:schemeClr val="tx1"/>
+                </a:solidFill>
+                <a:effectLst/>
+                <a:latin typeface="Arial" panose="020B0604020202020204" pitchFamily="34" charset="0"/>
+              </a:rPr>
+              <a:t>made</a:t>
+            </a:r>
+            <a:r>
+              <a:rPr kumimoji="0" lang="pt-BR" altLang="pt-BR" sz="1800" b="0" i="0" u="none" strike="noStrike" cap="none" normalizeH="0" baseline="0" dirty="0">
+                <a:ln>
+                  <a:noFill/>
+                </a:ln>
+                <a:solidFill>
+                  <a:schemeClr val="tx1"/>
+                </a:solidFill>
+                <a:effectLst/>
+                <a:latin typeface="Arial" panose="020B0604020202020204" pitchFamily="34" charset="0"/>
+              </a:rPr>
+              <a:t> </a:t>
+            </a:r>
+            <a:r>
+              <a:rPr kumimoji="0" lang="pt-BR" altLang="pt-BR" sz="1800" b="0" i="0" u="none" strike="noStrike" cap="none" normalizeH="0" baseline="0" dirty="0" err="1">
+                <a:ln>
+                  <a:noFill/>
+                </a:ln>
+                <a:solidFill>
+                  <a:schemeClr val="tx1"/>
+                </a:solidFill>
+                <a:effectLst/>
+                <a:latin typeface="Arial" panose="020B0604020202020204" pitchFamily="34" charset="0"/>
+              </a:rPr>
+              <a:t>to</a:t>
+            </a:r>
+            <a:r>
+              <a:rPr kumimoji="0" lang="pt-BR" altLang="pt-BR" sz="1800" b="0" i="0" u="none" strike="noStrike" cap="none" normalizeH="0" baseline="0" dirty="0">
+                <a:ln>
+                  <a:noFill/>
+                </a:ln>
+                <a:solidFill>
+                  <a:schemeClr val="tx1"/>
+                </a:solidFill>
+                <a:effectLst/>
+                <a:latin typeface="Arial" panose="020B0604020202020204" pitchFamily="34" charset="0"/>
+              </a:rPr>
+              <a:t> </a:t>
+            </a:r>
+            <a:r>
+              <a:rPr kumimoji="0" lang="pt-BR" altLang="pt-BR" sz="1800" b="0" i="0" u="none" strike="noStrike" cap="none" normalizeH="0" baseline="0" dirty="0" err="1">
+                <a:ln>
+                  <a:noFill/>
+                </a:ln>
+                <a:solidFill>
+                  <a:schemeClr val="tx1"/>
+                </a:solidFill>
+                <a:effectLst/>
+                <a:latin typeface="Arial" panose="020B0604020202020204" pitchFamily="34" charset="0"/>
+              </a:rPr>
+              <a:t>them</a:t>
+            </a:r>
+            <a:r>
+              <a:rPr kumimoji="0" lang="pt-BR" altLang="pt-BR" sz="1800" b="0" i="0" u="none" strike="noStrike" cap="none" normalizeH="0" baseline="0" dirty="0">
+                <a:ln>
+                  <a:noFill/>
+                </a:ln>
+                <a:solidFill>
+                  <a:schemeClr val="tx1"/>
+                </a:solidFill>
+                <a:effectLst/>
+                <a:latin typeface="Arial" panose="020B0604020202020204" pitchFamily="34" charset="0"/>
+              </a:rPr>
+              <a:t>.</a:t>
+            </a:r>
+          </a:p>
+          <a:p>
+            <a:pPr marL="0" marR="0" lvl="0" indent="0" algn="l" defTabSz="914400" rtl="0" eaLnBrk="0" fontAlgn="base" latinLnBrk="0" hangingPunct="0">
+              <a:lnSpc>
+                <a:spcPct val="100000"/>
+              </a:lnSpc>
+              <a:spcBef>
+                <a:spcPct val="0"/>
+              </a:spcBef>
+              <a:spcAft>
+                <a:spcPct val="0"/>
+              </a:spcAft>
+              <a:buClrTx/>
+              <a:buSzTx/>
+              <a:tabLst/>
+            </a:pPr>
+            <a:endParaRPr kumimoji="0" lang="pt-BR" altLang="pt-BR" sz="1800" b="0" i="0" u="none" strike="noStrike" cap="none" normalizeH="0" baseline="0" dirty="0">
+              <a:ln>
+                <a:noFill/>
+              </a:ln>
+              <a:solidFill>
+                <a:schemeClr val="tx1"/>
+              </a:solidFill>
+              <a:effectLst/>
+              <a:latin typeface="Arial" panose="020B0604020202020204" pitchFamily="34" charset="0"/>
+            </a:endParaRPr>
+          </a:p>
+          <a:p>
+            <a:pPr marL="0" marR="0" lvl="0" indent="0" algn="l" defTabSz="914400" rtl="0" eaLnBrk="0" fontAlgn="base" latinLnBrk="0" hangingPunct="0">
+              <a:lnSpc>
+                <a:spcPct val="100000"/>
+              </a:lnSpc>
+              <a:spcBef>
+                <a:spcPct val="0"/>
+              </a:spcBef>
+              <a:spcAft>
+                <a:spcPct val="0"/>
+              </a:spcAft>
+              <a:buClrTx/>
+              <a:buSzTx/>
+              <a:buFontTx/>
+              <a:buChar char="•"/>
+              <a:tabLst/>
+            </a:pPr>
+            <a:r>
+              <a:rPr kumimoji="0" lang="pt-BR" altLang="pt-BR" sz="1800" b="0" i="0" u="none" strike="noStrike" cap="none" normalizeH="0" baseline="0" dirty="0">
+                <a:ln>
+                  <a:noFill/>
+                </a:ln>
+                <a:solidFill>
+                  <a:schemeClr val="tx1"/>
+                </a:solidFill>
+                <a:effectLst/>
+                <a:latin typeface="Arial" panose="020B0604020202020204" pitchFamily="34" charset="0"/>
+              </a:rPr>
+              <a:t>Most </a:t>
+            </a:r>
+            <a:r>
+              <a:rPr kumimoji="0" lang="pt-BR" altLang="pt-BR" sz="1800" b="0" i="0" u="none" strike="noStrike" cap="none" normalizeH="0" baseline="0" dirty="0" err="1">
+                <a:ln>
+                  <a:noFill/>
+                </a:ln>
+                <a:solidFill>
+                  <a:schemeClr val="tx1"/>
+                </a:solidFill>
+                <a:effectLst/>
+                <a:latin typeface="Arial" panose="020B0604020202020204" pitchFamily="34" charset="0"/>
+              </a:rPr>
+              <a:t>clients</a:t>
+            </a:r>
+            <a:r>
+              <a:rPr kumimoji="0" lang="pt-BR" altLang="pt-BR" sz="1800" b="0" i="0" u="none" strike="noStrike" cap="none" normalizeH="0" baseline="0" dirty="0">
+                <a:ln>
+                  <a:noFill/>
+                </a:ln>
+                <a:solidFill>
+                  <a:schemeClr val="tx1"/>
+                </a:solidFill>
+                <a:effectLst/>
+                <a:latin typeface="Arial" panose="020B0604020202020204" pitchFamily="34" charset="0"/>
+              </a:rPr>
+              <a:t> decide </a:t>
+            </a:r>
+            <a:r>
+              <a:rPr kumimoji="0" lang="pt-BR" altLang="pt-BR" sz="1800" b="0" i="0" u="none" strike="noStrike" cap="none" normalizeH="0" baseline="0" dirty="0" err="1">
+                <a:ln>
+                  <a:noFill/>
+                </a:ln>
+                <a:solidFill>
+                  <a:schemeClr val="tx1"/>
+                </a:solidFill>
+                <a:effectLst/>
+                <a:latin typeface="Arial" panose="020B0604020202020204" pitchFamily="34" charset="0"/>
+              </a:rPr>
+              <a:t>to</a:t>
+            </a:r>
+            <a:r>
+              <a:rPr kumimoji="0" lang="pt-BR" altLang="pt-BR" sz="1800" b="0" i="0" u="none" strike="noStrike" cap="none" normalizeH="0" baseline="0" dirty="0">
+                <a:ln>
+                  <a:noFill/>
+                </a:ln>
+                <a:solidFill>
+                  <a:schemeClr val="tx1"/>
+                </a:solidFill>
+                <a:effectLst/>
+                <a:latin typeface="Arial" panose="020B0604020202020204" pitchFamily="34" charset="0"/>
+              </a:rPr>
+              <a:t> </a:t>
+            </a:r>
+            <a:r>
+              <a:rPr kumimoji="0" lang="pt-BR" altLang="pt-BR" sz="1800" b="0" i="0" u="none" strike="noStrike" cap="none" normalizeH="0" baseline="0" dirty="0" err="1">
+                <a:ln>
+                  <a:noFill/>
+                </a:ln>
+                <a:solidFill>
+                  <a:schemeClr val="tx1"/>
+                </a:solidFill>
+                <a:effectLst/>
+                <a:latin typeface="Arial" panose="020B0604020202020204" pitchFamily="34" charset="0"/>
+              </a:rPr>
+              <a:t>sign</a:t>
+            </a:r>
+            <a:r>
+              <a:rPr kumimoji="0" lang="pt-BR" altLang="pt-BR" sz="1800" b="0" i="0" u="none" strike="noStrike" cap="none" normalizeH="0" baseline="0" dirty="0">
+                <a:ln>
+                  <a:noFill/>
+                </a:ln>
+                <a:solidFill>
+                  <a:schemeClr val="tx1"/>
+                </a:solidFill>
+                <a:effectLst/>
+                <a:latin typeface="Arial" panose="020B0604020202020204" pitchFamily="34" charset="0"/>
+              </a:rPr>
+              <a:t> a </a:t>
+            </a:r>
+            <a:r>
+              <a:rPr kumimoji="0" lang="pt-BR" altLang="pt-BR" sz="1800" b="0" i="0" u="none" strike="noStrike" cap="none" normalizeH="0" baseline="0" dirty="0" err="1">
+                <a:ln>
+                  <a:noFill/>
+                </a:ln>
+                <a:solidFill>
+                  <a:schemeClr val="tx1"/>
+                </a:solidFill>
+                <a:effectLst/>
+                <a:latin typeface="Arial" panose="020B0604020202020204" pitchFamily="34" charset="0"/>
+              </a:rPr>
+              <a:t>term</a:t>
+            </a:r>
+            <a:r>
+              <a:rPr kumimoji="0" lang="pt-BR" altLang="pt-BR" sz="1800" b="0" i="0" u="none" strike="noStrike" cap="none" normalizeH="0" baseline="0" dirty="0">
+                <a:ln>
+                  <a:noFill/>
+                </a:ln>
+                <a:solidFill>
+                  <a:schemeClr val="tx1"/>
+                </a:solidFill>
+                <a:effectLst/>
+                <a:latin typeface="Arial" panose="020B0604020202020204" pitchFamily="34" charset="0"/>
+              </a:rPr>
+              <a:t> </a:t>
+            </a:r>
+            <a:r>
+              <a:rPr kumimoji="0" lang="pt-BR" altLang="pt-BR" sz="1800" b="0" i="0" u="none" strike="noStrike" cap="none" normalizeH="0" baseline="0" dirty="0" err="1">
+                <a:ln>
+                  <a:noFill/>
+                </a:ln>
+                <a:solidFill>
+                  <a:schemeClr val="tx1"/>
+                </a:solidFill>
+                <a:effectLst/>
+                <a:latin typeface="Arial" panose="020B0604020202020204" pitchFamily="34" charset="0"/>
+              </a:rPr>
+              <a:t>deposit</a:t>
+            </a:r>
+            <a:r>
+              <a:rPr kumimoji="0" lang="pt-BR" altLang="pt-BR" sz="1800" b="0" i="0" u="none" strike="noStrike" cap="none" normalizeH="0" baseline="0" dirty="0">
+                <a:ln>
+                  <a:noFill/>
+                </a:ln>
+                <a:solidFill>
+                  <a:schemeClr val="tx1"/>
+                </a:solidFill>
+                <a:effectLst/>
+                <a:latin typeface="Arial" panose="020B0604020202020204" pitchFamily="34" charset="0"/>
+              </a:rPr>
+              <a:t> </a:t>
+            </a:r>
+            <a:r>
+              <a:rPr kumimoji="0" lang="pt-BR" altLang="pt-BR" sz="1800" b="0" i="0" u="none" strike="noStrike" cap="none" normalizeH="0" baseline="0" dirty="0" err="1">
+                <a:ln>
+                  <a:noFill/>
+                </a:ln>
+                <a:solidFill>
+                  <a:schemeClr val="tx1"/>
+                </a:solidFill>
+                <a:effectLst/>
+                <a:latin typeface="Arial" panose="020B0604020202020204" pitchFamily="34" charset="0"/>
+              </a:rPr>
+              <a:t>contract</a:t>
+            </a:r>
+            <a:r>
+              <a:rPr kumimoji="0" lang="pt-BR" altLang="pt-BR" sz="1800" b="0" i="0" u="none" strike="noStrike" cap="none" normalizeH="0" baseline="0" dirty="0">
+                <a:ln>
+                  <a:noFill/>
+                </a:ln>
+                <a:solidFill>
+                  <a:schemeClr val="tx1"/>
+                </a:solidFill>
+                <a:effectLst/>
+                <a:latin typeface="Arial" panose="020B0604020202020204" pitchFamily="34" charset="0"/>
+              </a:rPr>
+              <a:t> </a:t>
+            </a:r>
+            <a:r>
+              <a:rPr kumimoji="0" lang="pt-BR" altLang="pt-BR" sz="1800" b="0" i="0" u="none" strike="noStrike" cap="none" normalizeH="0" baseline="0" dirty="0" err="1">
+                <a:ln>
+                  <a:noFill/>
+                </a:ln>
+                <a:solidFill>
+                  <a:schemeClr val="tx1"/>
+                </a:solidFill>
+                <a:effectLst/>
+                <a:latin typeface="Arial" panose="020B0604020202020204" pitchFamily="34" charset="0"/>
+              </a:rPr>
+              <a:t>during</a:t>
+            </a:r>
+            <a:r>
+              <a:rPr kumimoji="0" lang="pt-BR" altLang="pt-BR" sz="1800" b="0" i="0" u="none" strike="noStrike" cap="none" normalizeH="0" baseline="0" dirty="0">
+                <a:ln>
+                  <a:noFill/>
+                </a:ln>
+                <a:solidFill>
+                  <a:schemeClr val="tx1"/>
+                </a:solidFill>
+                <a:effectLst/>
+                <a:latin typeface="Arial" panose="020B0604020202020204" pitchFamily="34" charset="0"/>
+              </a:rPr>
+              <a:t> </a:t>
+            </a:r>
+            <a:r>
+              <a:rPr kumimoji="0" lang="pt-BR" altLang="pt-BR" sz="1800" b="0" i="0" u="none" strike="noStrike" cap="none" normalizeH="0" baseline="0" dirty="0" err="1">
+                <a:ln>
+                  <a:noFill/>
+                </a:ln>
+                <a:solidFill>
+                  <a:schemeClr val="tx1"/>
+                </a:solidFill>
+                <a:effectLst/>
+                <a:latin typeface="Arial" panose="020B0604020202020204" pitchFamily="34" charset="0"/>
+              </a:rPr>
+              <a:t>their</a:t>
+            </a:r>
+            <a:r>
+              <a:rPr kumimoji="0" lang="pt-BR" altLang="pt-BR" sz="1800" b="0" i="0" u="none" strike="noStrike" cap="none" normalizeH="0" baseline="0" dirty="0">
+                <a:ln>
+                  <a:noFill/>
+                </a:ln>
+                <a:solidFill>
+                  <a:schemeClr val="tx1"/>
+                </a:solidFill>
+                <a:effectLst/>
+                <a:latin typeface="Arial" panose="020B0604020202020204" pitchFamily="34" charset="0"/>
+              </a:rPr>
+              <a:t> </a:t>
+            </a:r>
+            <a:r>
+              <a:rPr kumimoji="0" lang="pt-BR" altLang="pt-BR" sz="1800" b="0" i="0" u="none" strike="noStrike" cap="none" normalizeH="0" baseline="0" dirty="0" err="1">
+                <a:ln>
+                  <a:noFill/>
+                </a:ln>
+                <a:solidFill>
+                  <a:schemeClr val="tx1"/>
+                </a:solidFill>
+                <a:effectLst/>
+                <a:latin typeface="Arial" panose="020B0604020202020204" pitchFamily="34" charset="0"/>
+              </a:rPr>
+              <a:t>first</a:t>
+            </a:r>
+            <a:r>
+              <a:rPr kumimoji="0" lang="pt-BR" altLang="pt-BR" sz="1800" b="0" i="0" u="none" strike="noStrike" cap="none" normalizeH="0" baseline="0" dirty="0">
+                <a:ln>
+                  <a:noFill/>
+                </a:ln>
+                <a:solidFill>
+                  <a:schemeClr val="tx1"/>
+                </a:solidFill>
+                <a:effectLst/>
+                <a:latin typeface="Arial" panose="020B0604020202020204" pitchFamily="34" charset="0"/>
+              </a:rPr>
+              <a:t> </a:t>
+            </a:r>
+            <a:r>
+              <a:rPr kumimoji="0" lang="pt-BR" altLang="pt-BR" sz="1800" b="0" i="0" u="none" strike="noStrike" cap="none" normalizeH="0" baseline="0" dirty="0" err="1">
+                <a:ln>
+                  <a:noFill/>
+                </a:ln>
+                <a:solidFill>
+                  <a:schemeClr val="tx1"/>
+                </a:solidFill>
+                <a:effectLst/>
+                <a:latin typeface="Arial" panose="020B0604020202020204" pitchFamily="34" charset="0"/>
+              </a:rPr>
+              <a:t>contact</a:t>
+            </a:r>
+            <a:r>
+              <a:rPr kumimoji="0" lang="pt-BR" altLang="pt-BR" sz="1800" b="0" i="0" u="none" strike="noStrike" cap="none" normalizeH="0" baseline="0" dirty="0">
+                <a:ln>
+                  <a:noFill/>
+                </a:ln>
+                <a:solidFill>
+                  <a:schemeClr val="tx1"/>
+                </a:solidFill>
+                <a:effectLst/>
+                <a:latin typeface="Arial" panose="020B0604020202020204" pitchFamily="34" charset="0"/>
+              </a:rPr>
+              <a:t> </a:t>
+            </a:r>
+            <a:r>
+              <a:rPr kumimoji="0" lang="pt-BR" altLang="pt-BR" sz="1800" b="0" i="0" u="none" strike="noStrike" cap="none" normalizeH="0" baseline="0" dirty="0" err="1">
+                <a:ln>
+                  <a:noFill/>
+                </a:ln>
+                <a:solidFill>
+                  <a:schemeClr val="tx1"/>
+                </a:solidFill>
+                <a:effectLst/>
+                <a:latin typeface="Arial" panose="020B0604020202020204" pitchFamily="34" charset="0"/>
+              </a:rPr>
+              <a:t>with</a:t>
+            </a:r>
+            <a:r>
+              <a:rPr kumimoji="0" lang="pt-BR" altLang="pt-BR" sz="1800" b="0" i="0" u="none" strike="noStrike" cap="none" normalizeH="0" baseline="0" dirty="0">
+                <a:ln>
+                  <a:noFill/>
+                </a:ln>
+                <a:solidFill>
+                  <a:schemeClr val="tx1"/>
+                </a:solidFill>
+                <a:effectLst/>
+                <a:latin typeface="Arial" panose="020B0604020202020204" pitchFamily="34" charset="0"/>
+              </a:rPr>
+              <a:t> </a:t>
+            </a:r>
+            <a:r>
+              <a:rPr kumimoji="0" lang="pt-BR" altLang="pt-BR" sz="1800" b="0" i="0" u="none" strike="noStrike" cap="none" normalizeH="0" baseline="0" dirty="0" err="1">
+                <a:ln>
+                  <a:noFill/>
+                </a:ln>
+                <a:solidFill>
+                  <a:schemeClr val="tx1"/>
+                </a:solidFill>
+                <a:effectLst/>
+                <a:latin typeface="Arial" panose="020B0604020202020204" pitchFamily="34" charset="0"/>
+              </a:rPr>
+              <a:t>the</a:t>
+            </a:r>
+            <a:r>
+              <a:rPr kumimoji="0" lang="pt-BR" altLang="pt-BR" sz="1800" b="0" i="0" u="none" strike="noStrike" cap="none" normalizeH="0" baseline="0" dirty="0">
+                <a:ln>
+                  <a:noFill/>
+                </a:ln>
+                <a:solidFill>
+                  <a:schemeClr val="tx1"/>
+                </a:solidFill>
+                <a:effectLst/>
+                <a:latin typeface="Arial" panose="020B0604020202020204" pitchFamily="34" charset="0"/>
+              </a:rPr>
+              <a:t> </a:t>
+            </a:r>
+            <a:r>
+              <a:rPr kumimoji="0" lang="pt-BR" altLang="pt-BR" sz="1800" b="0" i="0" u="none" strike="noStrike" cap="none" normalizeH="0" baseline="0" dirty="0" err="1">
+                <a:ln>
+                  <a:noFill/>
+                </a:ln>
+                <a:solidFill>
+                  <a:schemeClr val="tx1"/>
+                </a:solidFill>
+                <a:effectLst/>
+                <a:latin typeface="Arial" panose="020B0604020202020204" pitchFamily="34" charset="0"/>
+              </a:rPr>
+              <a:t>salesperson</a:t>
+            </a:r>
+            <a:r>
+              <a:rPr kumimoji="0" lang="pt-BR" altLang="pt-BR" sz="1800" b="0" i="0" u="none" strike="noStrike" cap="none" normalizeH="0" baseline="0" dirty="0">
+                <a:ln>
+                  <a:noFill/>
+                </a:ln>
+                <a:solidFill>
+                  <a:schemeClr val="tx1"/>
+                </a:solidFill>
+                <a:effectLst/>
+                <a:latin typeface="Arial" panose="020B0604020202020204" pitchFamily="34" charset="0"/>
+              </a:rPr>
+              <a:t>, </a:t>
+            </a:r>
+            <a:r>
+              <a:rPr kumimoji="0" lang="pt-BR" altLang="pt-BR" sz="1800" b="0" i="0" u="none" strike="noStrike" cap="none" normalizeH="0" baseline="0" dirty="0" err="1">
+                <a:ln>
+                  <a:noFill/>
+                </a:ln>
+                <a:solidFill>
+                  <a:schemeClr val="tx1"/>
+                </a:solidFill>
+                <a:effectLst/>
+                <a:latin typeface="Arial" panose="020B0604020202020204" pitchFamily="34" charset="0"/>
+              </a:rPr>
+              <a:t>represented</a:t>
+            </a:r>
+            <a:r>
+              <a:rPr kumimoji="0" lang="pt-BR" altLang="pt-BR" sz="1800" b="0" i="0" u="none" strike="noStrike" cap="none" normalizeH="0" baseline="0" dirty="0">
+                <a:ln>
+                  <a:noFill/>
+                </a:ln>
+                <a:solidFill>
+                  <a:schemeClr val="tx1"/>
+                </a:solidFill>
+                <a:effectLst/>
+                <a:latin typeface="Arial" panose="020B0604020202020204" pitchFamily="34" charset="0"/>
+              </a:rPr>
+              <a:t> </a:t>
+            </a:r>
+            <a:r>
+              <a:rPr kumimoji="0" lang="pt-BR" altLang="pt-BR" sz="1800" b="0" i="0" u="none" strike="noStrike" cap="none" normalizeH="0" baseline="0" dirty="0" err="1">
+                <a:ln>
+                  <a:noFill/>
+                </a:ln>
+                <a:solidFill>
+                  <a:schemeClr val="tx1"/>
+                </a:solidFill>
+                <a:effectLst/>
+                <a:latin typeface="Arial" panose="020B0604020202020204" pitchFamily="34" charset="0"/>
+              </a:rPr>
+              <a:t>by</a:t>
+            </a:r>
+            <a:r>
+              <a:rPr kumimoji="0" lang="pt-BR" altLang="pt-BR" sz="1800" b="0" i="0" u="none" strike="noStrike" cap="none" normalizeH="0" baseline="0" dirty="0">
+                <a:ln>
+                  <a:noFill/>
+                </a:ln>
+                <a:solidFill>
+                  <a:schemeClr val="tx1"/>
+                </a:solidFill>
+                <a:effectLst/>
+                <a:latin typeface="Arial" panose="020B0604020202020204" pitchFamily="34" charset="0"/>
+              </a:rPr>
+              <a:t> -1 </a:t>
+            </a:r>
+            <a:r>
+              <a:rPr kumimoji="0" lang="pt-BR" altLang="pt-BR" sz="1800" b="0" i="0" u="none" strike="noStrike" cap="none" normalizeH="0" baseline="0" dirty="0" err="1">
+                <a:ln>
+                  <a:noFill/>
+                </a:ln>
+                <a:solidFill>
+                  <a:schemeClr val="tx1"/>
+                </a:solidFill>
+                <a:effectLst/>
+                <a:latin typeface="Arial" panose="020B0604020202020204" pitchFamily="34" charset="0"/>
+              </a:rPr>
+              <a:t>on</a:t>
+            </a:r>
+            <a:r>
+              <a:rPr kumimoji="0" lang="pt-BR" altLang="pt-BR" sz="1800" b="0" i="0" u="none" strike="noStrike" cap="none" normalizeH="0" baseline="0" dirty="0">
+                <a:ln>
+                  <a:noFill/>
+                </a:ln>
+                <a:solidFill>
+                  <a:schemeClr val="tx1"/>
+                </a:solidFill>
+                <a:effectLst/>
+                <a:latin typeface="Arial" panose="020B0604020202020204" pitchFamily="34" charset="0"/>
+              </a:rPr>
+              <a:t> </a:t>
+            </a:r>
+            <a:r>
+              <a:rPr kumimoji="0" lang="pt-BR" altLang="pt-BR" sz="1800" b="0" i="0" u="none" strike="noStrike" cap="none" normalizeH="0" baseline="0" dirty="0" err="1">
+                <a:ln>
+                  <a:noFill/>
+                </a:ln>
+                <a:solidFill>
+                  <a:schemeClr val="tx1"/>
+                </a:solidFill>
+                <a:effectLst/>
+                <a:latin typeface="Arial" panose="020B0604020202020204" pitchFamily="34" charset="0"/>
+              </a:rPr>
+              <a:t>the</a:t>
+            </a:r>
+            <a:r>
+              <a:rPr kumimoji="0" lang="pt-BR" altLang="pt-BR" sz="1800" b="0" i="0" u="none" strike="noStrike" cap="none" normalizeH="0" baseline="0" dirty="0">
+                <a:ln>
+                  <a:noFill/>
+                </a:ln>
+                <a:solidFill>
+                  <a:schemeClr val="tx1"/>
+                </a:solidFill>
+                <a:effectLst/>
+                <a:latin typeface="Arial" panose="020B0604020202020204" pitchFamily="34" charset="0"/>
+              </a:rPr>
+              <a:t> </a:t>
+            </a:r>
+            <a:r>
+              <a:rPr kumimoji="0" lang="pt-BR" altLang="pt-BR" sz="1800" b="0" i="0" u="none" strike="noStrike" cap="none" normalizeH="0" baseline="0" dirty="0" err="1">
+                <a:ln>
+                  <a:noFill/>
+                </a:ln>
+                <a:solidFill>
+                  <a:schemeClr val="tx1"/>
+                </a:solidFill>
+                <a:effectLst/>
+                <a:latin typeface="Arial" panose="020B0604020202020204" pitchFamily="34" charset="0"/>
+              </a:rPr>
+              <a:t>boxplot</a:t>
+            </a:r>
+            <a:r>
+              <a:rPr kumimoji="0" lang="pt-BR" altLang="pt-BR" sz="1800" b="0" i="0" u="none" strike="noStrike" cap="none" normalizeH="0" baseline="0" dirty="0">
+                <a:ln>
+                  <a:noFill/>
+                </a:ln>
+                <a:solidFill>
+                  <a:schemeClr val="tx1"/>
+                </a:solidFill>
+                <a:effectLst/>
+                <a:latin typeface="Arial" panose="020B0604020202020204" pitchFamily="34" charset="0"/>
+              </a:rPr>
+              <a:t>.</a:t>
+            </a:r>
+          </a:p>
+          <a:p>
+            <a:pPr marL="0" marR="0" lvl="0" indent="0" algn="l" defTabSz="914400" rtl="0" eaLnBrk="0" fontAlgn="base" latinLnBrk="0" hangingPunct="0">
+              <a:lnSpc>
+                <a:spcPct val="100000"/>
+              </a:lnSpc>
+              <a:spcBef>
+                <a:spcPct val="0"/>
+              </a:spcBef>
+              <a:spcAft>
+                <a:spcPct val="0"/>
+              </a:spcAft>
+              <a:buClrTx/>
+              <a:buSzTx/>
+              <a:buFontTx/>
+              <a:buChar char="•"/>
+              <a:tabLst/>
+            </a:pPr>
+            <a:r>
+              <a:rPr kumimoji="0" lang="pt-BR" altLang="pt-BR" sz="1800" b="0" i="1" u="none" strike="noStrike" cap="none" normalizeH="0" baseline="0" dirty="0">
+                <a:ln>
+                  <a:noFill/>
+                </a:ln>
+                <a:solidFill>
+                  <a:schemeClr val="tx1"/>
+                </a:solidFill>
+                <a:effectLst/>
+                <a:latin typeface="Arial" panose="020B0604020202020204" pitchFamily="34" charset="0"/>
+              </a:rPr>
+              <a:t>Note: The </a:t>
+            </a:r>
+            <a:r>
+              <a:rPr kumimoji="0" lang="pt-BR" altLang="pt-BR" sz="1800" b="0" i="1" u="none" strike="noStrike" cap="none" normalizeH="0" baseline="0" dirty="0" err="1">
+                <a:ln>
+                  <a:noFill/>
+                </a:ln>
+                <a:solidFill>
+                  <a:schemeClr val="tx1"/>
+                </a:solidFill>
+                <a:effectLst/>
+                <a:latin typeface="Arial" panose="020B0604020202020204" pitchFamily="34" charset="0"/>
+              </a:rPr>
+              <a:t>boxplots</a:t>
+            </a:r>
+            <a:r>
+              <a:rPr kumimoji="0" lang="pt-BR" altLang="pt-BR" sz="1800" b="0" i="1" u="none" strike="noStrike" cap="none" normalizeH="0" baseline="0" dirty="0">
+                <a:ln>
+                  <a:noFill/>
+                </a:ln>
+                <a:solidFill>
+                  <a:schemeClr val="tx1"/>
+                </a:solidFill>
+                <a:effectLst/>
+                <a:latin typeface="Arial" panose="020B0604020202020204" pitchFamily="34" charset="0"/>
+              </a:rPr>
+              <a:t> for '</a:t>
+            </a:r>
+            <a:r>
+              <a:rPr kumimoji="0" lang="pt-BR" altLang="pt-BR" sz="1800" b="0" i="1" u="none" strike="noStrike" cap="none" normalizeH="0" baseline="0" dirty="0" err="1">
+                <a:ln>
+                  <a:noFill/>
+                </a:ln>
+                <a:solidFill>
+                  <a:schemeClr val="tx1"/>
+                </a:solidFill>
+                <a:effectLst/>
+                <a:latin typeface="Arial" panose="020B0604020202020204" pitchFamily="34" charset="0"/>
+              </a:rPr>
+              <a:t>previous</a:t>
+            </a:r>
+            <a:r>
+              <a:rPr kumimoji="0" lang="pt-BR" altLang="pt-BR" sz="1800" b="0" i="1" u="none" strike="noStrike" cap="none" normalizeH="0" baseline="0" dirty="0">
+                <a:ln>
+                  <a:noFill/>
+                </a:ln>
+                <a:solidFill>
+                  <a:schemeClr val="tx1"/>
+                </a:solidFill>
+                <a:effectLst/>
+                <a:latin typeface="Arial" panose="020B0604020202020204" pitchFamily="34" charset="0"/>
+              </a:rPr>
+              <a:t> </a:t>
+            </a:r>
+            <a:r>
+              <a:rPr kumimoji="0" lang="pt-BR" altLang="pt-BR" sz="1800" b="0" i="1" u="none" strike="noStrike" cap="none" normalizeH="0" baseline="0" dirty="0" err="1">
+                <a:ln>
+                  <a:noFill/>
+                </a:ln>
+                <a:solidFill>
+                  <a:schemeClr val="tx1"/>
+                </a:solidFill>
+                <a:effectLst/>
+                <a:latin typeface="Arial" panose="020B0604020202020204" pitchFamily="34" charset="0"/>
+              </a:rPr>
+              <a:t>days</a:t>
+            </a:r>
+            <a:r>
+              <a:rPr kumimoji="0" lang="pt-BR" altLang="pt-BR" sz="1800" b="0" i="1" u="none" strike="noStrike" cap="none" normalizeH="0" baseline="0" dirty="0">
+                <a:ln>
+                  <a:noFill/>
+                </a:ln>
+                <a:solidFill>
+                  <a:schemeClr val="tx1"/>
+                </a:solidFill>
+                <a:effectLst/>
+                <a:latin typeface="Arial" panose="020B0604020202020204" pitchFamily="34" charset="0"/>
+              </a:rPr>
+              <a:t>' </a:t>
+            </a:r>
+            <a:r>
+              <a:rPr kumimoji="0" lang="pt-BR" altLang="pt-BR" sz="1800" b="0" i="1" u="none" strike="noStrike" cap="none" normalizeH="0" baseline="0" dirty="0" err="1">
+                <a:ln>
+                  <a:noFill/>
+                </a:ln>
+                <a:solidFill>
+                  <a:schemeClr val="tx1"/>
+                </a:solidFill>
+                <a:effectLst/>
+                <a:latin typeface="Arial" panose="020B0604020202020204" pitchFamily="34" charset="0"/>
+              </a:rPr>
+              <a:t>and</a:t>
+            </a:r>
+            <a:r>
+              <a:rPr kumimoji="0" lang="pt-BR" altLang="pt-BR" sz="1800" b="0" i="1" u="none" strike="noStrike" cap="none" normalizeH="0" baseline="0" dirty="0">
+                <a:ln>
+                  <a:noFill/>
+                </a:ln>
+                <a:solidFill>
+                  <a:schemeClr val="tx1"/>
+                </a:solidFill>
+                <a:effectLst/>
+                <a:latin typeface="Arial" panose="020B0604020202020204" pitchFamily="34" charset="0"/>
+              </a:rPr>
+              <a:t> '</a:t>
+            </a:r>
+            <a:r>
+              <a:rPr kumimoji="0" lang="pt-BR" altLang="pt-BR" sz="1800" b="0" i="1" u="none" strike="noStrike" cap="none" normalizeH="0" baseline="0" dirty="0" err="1">
+                <a:ln>
+                  <a:noFill/>
+                </a:ln>
+                <a:solidFill>
+                  <a:schemeClr val="tx1"/>
+                </a:solidFill>
+                <a:effectLst/>
+                <a:latin typeface="Arial" panose="020B0604020202020204" pitchFamily="34" charset="0"/>
+              </a:rPr>
+              <a:t>previous</a:t>
+            </a:r>
+            <a:r>
+              <a:rPr kumimoji="0" lang="pt-BR" altLang="pt-BR" sz="1800" b="0" i="1" u="none" strike="noStrike" cap="none" normalizeH="0" baseline="0" dirty="0">
+                <a:ln>
+                  <a:noFill/>
+                </a:ln>
+                <a:solidFill>
+                  <a:schemeClr val="tx1"/>
+                </a:solidFill>
+                <a:effectLst/>
+                <a:latin typeface="Arial" panose="020B0604020202020204" pitchFamily="34" charset="0"/>
+              </a:rPr>
+              <a:t> </a:t>
+            </a:r>
+            <a:r>
+              <a:rPr kumimoji="0" lang="pt-BR" altLang="pt-BR" sz="1800" b="0" i="1" u="none" strike="noStrike" cap="none" normalizeH="0" baseline="0" dirty="0" err="1">
+                <a:ln>
+                  <a:noFill/>
+                </a:ln>
+                <a:solidFill>
+                  <a:schemeClr val="tx1"/>
+                </a:solidFill>
+                <a:effectLst/>
+                <a:latin typeface="Arial" panose="020B0604020202020204" pitchFamily="34" charset="0"/>
+              </a:rPr>
+              <a:t>campaign</a:t>
+            </a:r>
+            <a:r>
+              <a:rPr kumimoji="0" lang="pt-BR" altLang="pt-BR" sz="1800" b="0" i="1" u="none" strike="noStrike" cap="none" normalizeH="0" baseline="0" dirty="0">
+                <a:ln>
+                  <a:noFill/>
+                </a:ln>
+                <a:solidFill>
+                  <a:schemeClr val="tx1"/>
+                </a:solidFill>
+                <a:effectLst/>
+                <a:latin typeface="Arial" panose="020B0604020202020204" pitchFamily="34" charset="0"/>
+              </a:rPr>
+              <a:t>' are </a:t>
+            </a:r>
+            <a:r>
+              <a:rPr kumimoji="0" lang="pt-BR" altLang="pt-BR" sz="1800" b="0" i="1" u="none" strike="noStrike" cap="none" normalizeH="0" baseline="0" dirty="0" err="1">
+                <a:ln>
+                  <a:noFill/>
+                </a:ln>
+                <a:solidFill>
+                  <a:schemeClr val="tx1"/>
+                </a:solidFill>
+                <a:effectLst/>
+                <a:latin typeface="Arial" panose="020B0604020202020204" pitchFamily="34" charset="0"/>
+              </a:rPr>
+              <a:t>only</a:t>
+            </a:r>
+            <a:r>
+              <a:rPr kumimoji="0" lang="pt-BR" altLang="pt-BR" sz="1800" b="0" i="1" u="none" strike="noStrike" cap="none" normalizeH="0" baseline="0" dirty="0">
+                <a:ln>
+                  <a:noFill/>
+                </a:ln>
+                <a:solidFill>
+                  <a:schemeClr val="tx1"/>
+                </a:solidFill>
+                <a:effectLst/>
+                <a:latin typeface="Arial" panose="020B0604020202020204" pitchFamily="34" charset="0"/>
+              </a:rPr>
+              <a:t> </a:t>
+            </a:r>
+            <a:r>
+              <a:rPr kumimoji="0" lang="pt-BR" altLang="pt-BR" sz="1800" b="0" i="1" u="none" strike="noStrike" cap="none" normalizeH="0" baseline="0" dirty="0" err="1">
+                <a:ln>
+                  <a:noFill/>
+                </a:ln>
+                <a:solidFill>
+                  <a:schemeClr val="tx1"/>
+                </a:solidFill>
+                <a:effectLst/>
+                <a:latin typeface="Arial" panose="020B0604020202020204" pitchFamily="34" charset="0"/>
+              </a:rPr>
+              <a:t>represented</a:t>
+            </a:r>
+            <a:r>
+              <a:rPr kumimoji="0" lang="pt-BR" altLang="pt-BR" sz="1800" b="0" i="1" u="none" strike="noStrike" cap="none" normalizeH="0" baseline="0" dirty="0">
+                <a:ln>
+                  <a:noFill/>
+                </a:ln>
+                <a:solidFill>
+                  <a:schemeClr val="tx1"/>
+                </a:solidFill>
+                <a:effectLst/>
+                <a:latin typeface="Arial" panose="020B0604020202020204" pitchFamily="34" charset="0"/>
+              </a:rPr>
+              <a:t> </a:t>
+            </a:r>
+            <a:r>
+              <a:rPr kumimoji="0" lang="pt-BR" altLang="pt-BR" sz="1800" b="0" i="1" u="none" strike="noStrike" cap="none" normalizeH="0" baseline="0" dirty="0" err="1">
+                <a:ln>
+                  <a:noFill/>
+                </a:ln>
+                <a:solidFill>
+                  <a:schemeClr val="tx1"/>
+                </a:solidFill>
+                <a:effectLst/>
+                <a:latin typeface="Arial" panose="020B0604020202020204" pitchFamily="34" charset="0"/>
+              </a:rPr>
+              <a:t>by</a:t>
+            </a:r>
+            <a:r>
+              <a:rPr kumimoji="0" lang="pt-BR" altLang="pt-BR" sz="1800" b="0" i="1" u="none" strike="noStrike" cap="none" normalizeH="0" baseline="0" dirty="0">
+                <a:ln>
+                  <a:noFill/>
+                </a:ln>
+                <a:solidFill>
+                  <a:schemeClr val="tx1"/>
+                </a:solidFill>
+                <a:effectLst/>
+                <a:latin typeface="Arial" panose="020B0604020202020204" pitchFamily="34" charset="0"/>
+              </a:rPr>
+              <a:t> </a:t>
+            </a:r>
+            <a:r>
+              <a:rPr kumimoji="0" lang="pt-BR" altLang="pt-BR" sz="1800" b="0" i="1" u="none" strike="noStrike" cap="none" normalizeH="0" baseline="0" dirty="0" err="1">
+                <a:ln>
+                  <a:noFill/>
+                </a:ln>
+                <a:solidFill>
+                  <a:schemeClr val="tx1"/>
+                </a:solidFill>
+                <a:effectLst/>
+                <a:latin typeface="Arial" panose="020B0604020202020204" pitchFamily="34" charset="0"/>
+              </a:rPr>
+              <a:t>the</a:t>
+            </a:r>
+            <a:r>
+              <a:rPr kumimoji="0" lang="pt-BR" altLang="pt-BR" sz="1800" b="0" i="1" u="none" strike="noStrike" cap="none" normalizeH="0" baseline="0" dirty="0">
+                <a:ln>
+                  <a:noFill/>
+                </a:ln>
+                <a:solidFill>
+                  <a:schemeClr val="tx1"/>
+                </a:solidFill>
+                <a:effectLst/>
+                <a:latin typeface="Arial" panose="020B0604020202020204" pitchFamily="34" charset="0"/>
+              </a:rPr>
+              <a:t> </a:t>
+            </a:r>
+            <a:r>
+              <a:rPr kumimoji="0" lang="pt-BR" altLang="pt-BR" sz="1800" b="0" i="1" u="none" strike="noStrike" cap="none" normalizeH="0" baseline="0" dirty="0" err="1">
+                <a:ln>
+                  <a:noFill/>
+                </a:ln>
+                <a:solidFill>
+                  <a:schemeClr val="tx1"/>
+                </a:solidFill>
+                <a:effectLst/>
+                <a:latin typeface="Arial" panose="020B0604020202020204" pitchFamily="34" charset="0"/>
+              </a:rPr>
+              <a:t>number</a:t>
+            </a:r>
+            <a:r>
+              <a:rPr kumimoji="0" lang="pt-BR" altLang="pt-BR" sz="1800" b="0" i="1" u="none" strike="noStrike" cap="none" normalizeH="0" baseline="0" dirty="0">
+                <a:ln>
+                  <a:noFill/>
+                </a:ln>
+                <a:solidFill>
+                  <a:schemeClr val="tx1"/>
+                </a:solidFill>
+                <a:effectLst/>
+                <a:latin typeface="Arial" panose="020B0604020202020204" pitchFamily="34" charset="0"/>
+              </a:rPr>
+              <a:t> 1.</a:t>
+            </a:r>
+          </a:p>
+          <a:p>
+            <a:pPr marL="0" marR="0" lvl="0" indent="0" algn="l" defTabSz="914400" rtl="0" eaLnBrk="0" fontAlgn="base" latinLnBrk="0" hangingPunct="0">
+              <a:lnSpc>
+                <a:spcPct val="100000"/>
+              </a:lnSpc>
+              <a:spcBef>
+                <a:spcPct val="0"/>
+              </a:spcBef>
+              <a:spcAft>
+                <a:spcPct val="0"/>
+              </a:spcAft>
+              <a:buClrTx/>
+              <a:buSzTx/>
+              <a:tabLst/>
+            </a:pPr>
+            <a:endParaRPr kumimoji="0" lang="pt-BR" altLang="pt-BR" sz="1800" b="0" i="0" u="none" strike="noStrike" cap="none" normalizeH="0" baseline="0" dirty="0">
+              <a:ln>
+                <a:noFill/>
+              </a:ln>
+              <a:solidFill>
+                <a:schemeClr val="tx1"/>
+              </a:solidFill>
+              <a:effectLst/>
+              <a:latin typeface="Arial" panose="020B0604020202020204" pitchFamily="34" charset="0"/>
+            </a:endParaRPr>
+          </a:p>
+          <a:p>
+            <a:pPr marL="0" marR="0" lvl="0" indent="0" algn="l" defTabSz="914400" rtl="0" eaLnBrk="0" fontAlgn="base" latinLnBrk="0" hangingPunct="0">
+              <a:lnSpc>
+                <a:spcPct val="100000"/>
+              </a:lnSpc>
+              <a:spcBef>
+                <a:spcPct val="0"/>
+              </a:spcBef>
+              <a:spcAft>
+                <a:spcPct val="0"/>
+              </a:spcAft>
+              <a:buClrTx/>
+              <a:buSzTx/>
+              <a:tabLst/>
+            </a:pPr>
+            <a:r>
+              <a:rPr lang="pt-BR" altLang="pt-BR" dirty="0" err="1">
+                <a:solidFill>
+                  <a:schemeClr val="tx1"/>
+                </a:solidFill>
+                <a:latin typeface="Arial" panose="020B0604020202020204" pitchFamily="34" charset="0"/>
+              </a:rPr>
+              <a:t>T</a:t>
+            </a:r>
+            <a:r>
+              <a:rPr kumimoji="0" lang="pt-BR" altLang="pt-BR" sz="1800" b="0" i="0" u="none" strike="noStrike" cap="none" normalizeH="0" baseline="0" dirty="0" err="1">
+                <a:ln>
+                  <a:noFill/>
+                </a:ln>
+                <a:solidFill>
+                  <a:schemeClr val="tx1"/>
+                </a:solidFill>
+                <a:effectLst/>
+                <a:latin typeface="Arial" panose="020B0604020202020204" pitchFamily="34" charset="0"/>
+              </a:rPr>
+              <a:t>hese</a:t>
+            </a:r>
+            <a:r>
+              <a:rPr kumimoji="0" lang="pt-BR" altLang="pt-BR" sz="1800" b="0" i="0" u="none" strike="noStrike" cap="none" normalizeH="0" baseline="0" dirty="0">
+                <a:ln>
+                  <a:noFill/>
+                </a:ln>
+                <a:solidFill>
+                  <a:schemeClr val="tx1"/>
+                </a:solidFill>
+                <a:effectLst/>
+                <a:latin typeface="Arial" panose="020B0604020202020204" pitchFamily="34" charset="0"/>
+              </a:rPr>
+              <a:t> </a:t>
+            </a:r>
+            <a:r>
+              <a:rPr kumimoji="0" lang="pt-BR" altLang="pt-BR" sz="1800" b="0" i="0" u="none" strike="noStrike" cap="none" normalizeH="0" baseline="0" dirty="0" err="1">
+                <a:ln>
+                  <a:noFill/>
+                </a:ln>
+                <a:solidFill>
+                  <a:schemeClr val="tx1"/>
+                </a:solidFill>
+                <a:effectLst/>
+                <a:latin typeface="Arial" panose="020B0604020202020204" pitchFamily="34" charset="0"/>
+              </a:rPr>
+              <a:t>variables</a:t>
+            </a:r>
+            <a:r>
+              <a:rPr kumimoji="0" lang="pt-BR" altLang="pt-BR" sz="1800" b="0" i="0" u="none" strike="noStrike" cap="none" normalizeH="0" baseline="0" dirty="0">
+                <a:ln>
+                  <a:noFill/>
+                </a:ln>
+                <a:solidFill>
+                  <a:schemeClr val="tx1"/>
+                </a:solidFill>
+                <a:effectLst/>
+                <a:latin typeface="Arial" panose="020B0604020202020204" pitchFamily="34" charset="0"/>
+              </a:rPr>
+              <a:t> show </a:t>
+            </a:r>
+            <a:r>
+              <a:rPr kumimoji="0" lang="pt-BR" altLang="pt-BR" sz="1800" b="0" i="0" u="none" strike="noStrike" cap="none" normalizeH="0" baseline="0" dirty="0" err="1">
+                <a:ln>
+                  <a:noFill/>
+                </a:ln>
+                <a:solidFill>
+                  <a:schemeClr val="tx1"/>
+                </a:solidFill>
+                <a:effectLst/>
+                <a:latin typeface="Arial" panose="020B0604020202020204" pitchFamily="34" charset="0"/>
+              </a:rPr>
+              <a:t>an</a:t>
+            </a:r>
+            <a:r>
+              <a:rPr kumimoji="0" lang="pt-BR" altLang="pt-BR" sz="1800" b="0" i="0" u="none" strike="noStrike" cap="none" normalizeH="0" baseline="0" dirty="0">
+                <a:ln>
+                  <a:noFill/>
+                </a:ln>
+                <a:solidFill>
+                  <a:schemeClr val="tx1"/>
+                </a:solidFill>
+                <a:effectLst/>
+                <a:latin typeface="Arial" panose="020B0604020202020204" pitchFamily="34" charset="0"/>
+              </a:rPr>
+              <a:t> </a:t>
+            </a:r>
+            <a:r>
+              <a:rPr kumimoji="0" lang="pt-BR" altLang="pt-BR" sz="1800" b="0" i="0" u="none" strike="noStrike" cap="none" normalizeH="0" baseline="0" dirty="0" err="1">
+                <a:ln>
+                  <a:noFill/>
+                </a:ln>
+                <a:solidFill>
+                  <a:schemeClr val="tx1"/>
+                </a:solidFill>
+                <a:effectLst/>
+                <a:latin typeface="Arial" panose="020B0604020202020204" pitchFamily="34" charset="0"/>
+              </a:rPr>
+              <a:t>equal</a:t>
+            </a:r>
+            <a:r>
+              <a:rPr kumimoji="0" lang="pt-BR" altLang="pt-BR" sz="1800" b="0" i="0" u="none" strike="noStrike" cap="none" normalizeH="0" baseline="0" dirty="0">
+                <a:ln>
+                  <a:noFill/>
+                </a:ln>
+                <a:solidFill>
+                  <a:schemeClr val="tx1"/>
+                </a:solidFill>
+                <a:effectLst/>
+                <a:latin typeface="Arial" panose="020B0604020202020204" pitchFamily="34" charset="0"/>
+              </a:rPr>
+              <a:t> balance </a:t>
+            </a:r>
+            <a:r>
+              <a:rPr kumimoji="0" lang="pt-BR" altLang="pt-BR" sz="1800" b="0" i="0" u="none" strike="noStrike" cap="none" normalizeH="0" baseline="0" dirty="0" err="1">
+                <a:ln>
+                  <a:noFill/>
+                </a:ln>
+                <a:solidFill>
+                  <a:schemeClr val="tx1"/>
+                </a:solidFill>
+                <a:effectLst/>
+                <a:latin typeface="Arial" panose="020B0604020202020204" pitchFamily="34" charset="0"/>
+              </a:rPr>
+              <a:t>between</a:t>
+            </a:r>
+            <a:r>
+              <a:rPr kumimoji="0" lang="pt-BR" altLang="pt-BR" sz="1800" b="0" i="0" u="none" strike="noStrike" cap="none" normalizeH="0" baseline="0" dirty="0">
+                <a:ln>
+                  <a:noFill/>
+                </a:ln>
+                <a:solidFill>
+                  <a:schemeClr val="tx1"/>
+                </a:solidFill>
+                <a:effectLst/>
+                <a:latin typeface="Arial" panose="020B0604020202020204" pitchFamily="34" charset="0"/>
+              </a:rPr>
+              <a:t> </a:t>
+            </a:r>
+            <a:r>
+              <a:rPr kumimoji="0" lang="pt-BR" altLang="pt-BR" sz="1800" b="0" i="0" u="none" strike="noStrike" cap="none" normalizeH="0" baseline="0" dirty="0" err="1">
+                <a:ln>
+                  <a:noFill/>
+                </a:ln>
+                <a:solidFill>
+                  <a:schemeClr val="tx1"/>
+                </a:solidFill>
+                <a:effectLst/>
+                <a:latin typeface="Arial" panose="020B0604020202020204" pitchFamily="34" charset="0"/>
+              </a:rPr>
+              <a:t>deposit</a:t>
+            </a:r>
+            <a:r>
+              <a:rPr kumimoji="0" lang="pt-BR" altLang="pt-BR" sz="1800" b="0" i="0" u="none" strike="noStrike" cap="none" normalizeH="0" baseline="0" dirty="0">
+                <a:ln>
+                  <a:noFill/>
+                </a:ln>
+                <a:solidFill>
+                  <a:schemeClr val="tx1"/>
+                </a:solidFill>
+                <a:effectLst/>
+                <a:latin typeface="Arial" panose="020B0604020202020204" pitchFamily="34" charset="0"/>
+              </a:rPr>
+              <a:t> rates, </a:t>
+            </a:r>
+            <a:r>
+              <a:rPr kumimoji="0" lang="pt-BR" altLang="pt-BR" sz="1800" b="0" i="0" u="none" strike="noStrike" cap="none" normalizeH="0" baseline="0" dirty="0" err="1">
+                <a:ln>
+                  <a:noFill/>
+                </a:ln>
+                <a:solidFill>
+                  <a:schemeClr val="tx1"/>
+                </a:solidFill>
+                <a:effectLst/>
+                <a:latin typeface="Arial" panose="020B0604020202020204" pitchFamily="34" charset="0"/>
+              </a:rPr>
+              <a:t>with</a:t>
+            </a:r>
+            <a:r>
+              <a:rPr kumimoji="0" lang="pt-BR" altLang="pt-BR" sz="1800" b="0" i="0" u="none" strike="noStrike" cap="none" normalizeH="0" baseline="0" dirty="0">
+                <a:ln>
+                  <a:noFill/>
+                </a:ln>
+                <a:solidFill>
+                  <a:schemeClr val="tx1"/>
+                </a:solidFill>
+                <a:effectLst/>
+                <a:latin typeface="Arial" panose="020B0604020202020204" pitchFamily="34" charset="0"/>
+              </a:rPr>
+              <a:t> </a:t>
+            </a:r>
+            <a:r>
+              <a:rPr kumimoji="0" lang="pt-BR" altLang="pt-BR" sz="1800" b="0" i="0" u="none" strike="noStrike" cap="none" normalizeH="0" baseline="0" dirty="0" err="1">
+                <a:ln>
+                  <a:noFill/>
+                </a:ln>
+                <a:solidFill>
+                  <a:schemeClr val="tx1"/>
+                </a:solidFill>
+                <a:effectLst/>
+                <a:latin typeface="Arial" panose="020B0604020202020204" pitchFamily="34" charset="0"/>
+              </a:rPr>
+              <a:t>the</a:t>
+            </a:r>
+            <a:r>
+              <a:rPr kumimoji="0" lang="pt-BR" altLang="pt-BR" sz="1800" b="0" i="0" u="none" strike="noStrike" cap="none" normalizeH="0" baseline="0" dirty="0">
+                <a:ln>
+                  <a:noFill/>
+                </a:ln>
+                <a:solidFill>
+                  <a:schemeClr val="tx1"/>
+                </a:solidFill>
+                <a:effectLst/>
+                <a:latin typeface="Arial" panose="020B0604020202020204" pitchFamily="34" charset="0"/>
+              </a:rPr>
+              <a:t> </a:t>
+            </a:r>
+            <a:r>
+              <a:rPr kumimoji="0" lang="pt-BR" altLang="pt-BR" sz="1800" b="0" i="0" u="none" strike="noStrike" cap="none" normalizeH="0" baseline="0" dirty="0" err="1">
+                <a:ln>
+                  <a:noFill/>
+                </a:ln>
+                <a:solidFill>
+                  <a:schemeClr val="tx1"/>
+                </a:solidFill>
+                <a:effectLst/>
+                <a:latin typeface="Arial" panose="020B0604020202020204" pitchFamily="34" charset="0"/>
+              </a:rPr>
+              <a:t>exception</a:t>
+            </a:r>
+            <a:r>
+              <a:rPr kumimoji="0" lang="pt-BR" altLang="pt-BR" sz="1800" b="0" i="0" u="none" strike="noStrike" cap="none" normalizeH="0" baseline="0" dirty="0">
+                <a:ln>
+                  <a:noFill/>
+                </a:ln>
+                <a:solidFill>
+                  <a:schemeClr val="tx1"/>
+                </a:solidFill>
+                <a:effectLst/>
+                <a:latin typeface="Arial" panose="020B0604020202020204" pitchFamily="34" charset="0"/>
+              </a:rPr>
+              <a:t> </a:t>
+            </a:r>
+            <a:r>
+              <a:rPr kumimoji="0" lang="pt-BR" altLang="pt-BR" sz="1800" b="0" i="0" u="none" strike="noStrike" cap="none" normalizeH="0" baseline="0" dirty="0" err="1">
+                <a:ln>
+                  <a:noFill/>
+                </a:ln>
+                <a:solidFill>
+                  <a:schemeClr val="tx1"/>
+                </a:solidFill>
+                <a:effectLst/>
+                <a:latin typeface="Arial" panose="020B0604020202020204" pitchFamily="34" charset="0"/>
+              </a:rPr>
+              <a:t>of</a:t>
+            </a:r>
+            <a:r>
+              <a:rPr kumimoji="0" lang="pt-BR" altLang="pt-BR" sz="1800" b="0" i="0" u="none" strike="noStrike" cap="none" normalizeH="0" baseline="0" dirty="0">
+                <a:ln>
+                  <a:noFill/>
+                </a:ln>
+                <a:solidFill>
+                  <a:schemeClr val="tx1"/>
+                </a:solidFill>
+                <a:effectLst/>
+                <a:latin typeface="Arial" panose="020B0604020202020204" pitchFamily="34" charset="0"/>
+              </a:rPr>
+              <a:t> '</a:t>
+            </a:r>
+            <a:r>
+              <a:rPr kumimoji="0" lang="pt-BR" altLang="pt-BR" sz="1800" b="0" i="0" u="none" strike="noStrike" cap="none" normalizeH="0" baseline="0" dirty="0" err="1">
+                <a:ln>
+                  <a:noFill/>
+                </a:ln>
+                <a:solidFill>
+                  <a:schemeClr val="tx1"/>
+                </a:solidFill>
+                <a:effectLst/>
+                <a:latin typeface="Arial" panose="020B0604020202020204" pitchFamily="34" charset="0"/>
+              </a:rPr>
+              <a:t>call</a:t>
+            </a:r>
+            <a:r>
+              <a:rPr kumimoji="0" lang="pt-BR" altLang="pt-BR" sz="1800" b="0" i="0" u="none" strike="noStrike" cap="none" normalizeH="0" baseline="0" dirty="0">
+                <a:ln>
+                  <a:noFill/>
+                </a:ln>
+                <a:solidFill>
+                  <a:schemeClr val="tx1"/>
+                </a:solidFill>
+                <a:effectLst/>
+                <a:latin typeface="Arial" panose="020B0604020202020204" pitchFamily="34" charset="0"/>
+              </a:rPr>
+              <a:t> </a:t>
+            </a:r>
+            <a:r>
+              <a:rPr kumimoji="0" lang="pt-BR" altLang="pt-BR" sz="1800" b="0" i="0" u="none" strike="noStrike" cap="none" normalizeH="0" baseline="0" dirty="0" err="1">
+                <a:ln>
+                  <a:noFill/>
+                </a:ln>
+                <a:solidFill>
+                  <a:schemeClr val="tx1"/>
+                </a:solidFill>
+                <a:effectLst/>
+                <a:latin typeface="Arial" panose="020B0604020202020204" pitchFamily="34" charset="0"/>
+              </a:rPr>
+              <a:t>duration</a:t>
+            </a:r>
+            <a:r>
+              <a:rPr kumimoji="0" lang="pt-BR" altLang="pt-BR" sz="1800" b="0" i="0" u="none" strike="noStrike" cap="none" normalizeH="0" baseline="0" dirty="0">
+                <a:ln>
+                  <a:noFill/>
+                </a:ln>
+                <a:solidFill>
+                  <a:schemeClr val="tx1"/>
+                </a:solidFill>
+                <a:effectLst/>
+                <a:latin typeface="Arial" panose="020B0604020202020204" pitchFamily="34" charset="0"/>
+              </a:rPr>
+              <a:t>.' </a:t>
+            </a:r>
+            <a:r>
+              <a:rPr kumimoji="0" lang="pt-BR" altLang="pt-BR" sz="1800" b="0" i="0" u="none" strike="noStrike" cap="none" normalizeH="0" baseline="0" dirty="0" err="1">
+                <a:ln>
+                  <a:noFill/>
+                </a:ln>
+                <a:solidFill>
+                  <a:schemeClr val="tx1"/>
+                </a:solidFill>
+                <a:effectLst/>
+                <a:latin typeface="Arial" panose="020B0604020202020204" pitchFamily="34" charset="0"/>
+              </a:rPr>
+              <a:t>Naturally</a:t>
+            </a:r>
+            <a:r>
+              <a:rPr kumimoji="0" lang="pt-BR" altLang="pt-BR" sz="1800" b="0" i="0" u="none" strike="noStrike" cap="none" normalizeH="0" baseline="0" dirty="0">
+                <a:ln>
+                  <a:noFill/>
+                </a:ln>
+                <a:solidFill>
+                  <a:schemeClr val="tx1"/>
+                </a:solidFill>
+                <a:effectLst/>
+                <a:latin typeface="Arial" panose="020B0604020202020204" pitchFamily="34" charset="0"/>
+              </a:rPr>
+              <a:t>, </a:t>
+            </a:r>
+            <a:r>
+              <a:rPr kumimoji="0" lang="pt-BR" altLang="pt-BR" sz="1800" b="0" i="0" u="none" strike="noStrike" cap="none" normalizeH="0" baseline="0" dirty="0" err="1">
+                <a:ln>
+                  <a:noFill/>
+                </a:ln>
+                <a:solidFill>
+                  <a:schemeClr val="tx1"/>
+                </a:solidFill>
+                <a:effectLst/>
+                <a:latin typeface="Arial" panose="020B0604020202020204" pitchFamily="34" charset="0"/>
+              </a:rPr>
+              <a:t>calls</a:t>
+            </a:r>
+            <a:r>
+              <a:rPr kumimoji="0" lang="pt-BR" altLang="pt-BR" sz="1800" b="0" i="0" u="none" strike="noStrike" cap="none" normalizeH="0" baseline="0" dirty="0">
+                <a:ln>
+                  <a:noFill/>
+                </a:ln>
+                <a:solidFill>
+                  <a:schemeClr val="tx1"/>
+                </a:solidFill>
+                <a:effectLst/>
+                <a:latin typeface="Arial" panose="020B0604020202020204" pitchFamily="34" charset="0"/>
+              </a:rPr>
+              <a:t> </a:t>
+            </a:r>
+            <a:r>
+              <a:rPr kumimoji="0" lang="pt-BR" altLang="pt-BR" sz="1800" b="0" i="0" u="none" strike="noStrike" cap="none" normalizeH="0" baseline="0" dirty="0" err="1">
+                <a:ln>
+                  <a:noFill/>
+                </a:ln>
+                <a:solidFill>
+                  <a:schemeClr val="tx1"/>
+                </a:solidFill>
+                <a:effectLst/>
+                <a:latin typeface="Arial" panose="020B0604020202020204" pitchFamily="34" charset="0"/>
+              </a:rPr>
+              <a:t>resulting</a:t>
+            </a:r>
+            <a:r>
+              <a:rPr kumimoji="0" lang="pt-BR" altLang="pt-BR" sz="1800" b="0" i="0" u="none" strike="noStrike" cap="none" normalizeH="0" baseline="0" dirty="0">
+                <a:ln>
+                  <a:noFill/>
+                </a:ln>
+                <a:solidFill>
+                  <a:schemeClr val="tx1"/>
+                </a:solidFill>
+                <a:effectLst/>
+                <a:latin typeface="Arial" panose="020B0604020202020204" pitchFamily="34" charset="0"/>
+              </a:rPr>
+              <a:t> in a </a:t>
+            </a:r>
+            <a:r>
+              <a:rPr kumimoji="0" lang="pt-BR" altLang="pt-BR" sz="1800" b="0" i="0" u="none" strike="noStrike" cap="none" normalizeH="0" baseline="0" dirty="0" err="1">
+                <a:ln>
+                  <a:noFill/>
+                </a:ln>
+                <a:solidFill>
+                  <a:schemeClr val="tx1"/>
+                </a:solidFill>
+                <a:effectLst/>
+                <a:latin typeface="Arial" panose="020B0604020202020204" pitchFamily="34" charset="0"/>
+              </a:rPr>
+              <a:t>deposit</a:t>
+            </a:r>
+            <a:r>
+              <a:rPr kumimoji="0" lang="pt-BR" altLang="pt-BR" sz="1800" b="0" i="0" u="none" strike="noStrike" cap="none" normalizeH="0" baseline="0" dirty="0">
+                <a:ln>
+                  <a:noFill/>
+                </a:ln>
+                <a:solidFill>
+                  <a:schemeClr val="tx1"/>
+                </a:solidFill>
+                <a:effectLst/>
+                <a:latin typeface="Arial" panose="020B0604020202020204" pitchFamily="34" charset="0"/>
+              </a:rPr>
+              <a:t> </a:t>
+            </a:r>
+            <a:r>
+              <a:rPr kumimoji="0" lang="pt-BR" altLang="pt-BR" sz="1800" b="0" i="0" u="none" strike="noStrike" cap="none" normalizeH="0" baseline="0" dirty="0" err="1">
+                <a:ln>
+                  <a:noFill/>
+                </a:ln>
+                <a:solidFill>
+                  <a:schemeClr val="tx1"/>
+                </a:solidFill>
+                <a:effectLst/>
+                <a:latin typeface="Arial" panose="020B0604020202020204" pitchFamily="34" charset="0"/>
+              </a:rPr>
+              <a:t>will</a:t>
+            </a:r>
+            <a:r>
+              <a:rPr kumimoji="0" lang="pt-BR" altLang="pt-BR" sz="1800" b="0" i="0" u="none" strike="noStrike" cap="none" normalizeH="0" baseline="0" dirty="0">
+                <a:ln>
+                  <a:noFill/>
+                </a:ln>
+                <a:solidFill>
+                  <a:schemeClr val="tx1"/>
+                </a:solidFill>
+                <a:effectLst/>
+                <a:latin typeface="Arial" panose="020B0604020202020204" pitchFamily="34" charset="0"/>
+              </a:rPr>
+              <a:t> </a:t>
+            </a:r>
+            <a:r>
+              <a:rPr kumimoji="0" lang="pt-BR" altLang="pt-BR" sz="1800" b="0" i="0" u="none" strike="noStrike" cap="none" normalizeH="0" baseline="0" dirty="0" err="1">
+                <a:ln>
+                  <a:noFill/>
+                </a:ln>
+                <a:solidFill>
+                  <a:schemeClr val="tx1"/>
+                </a:solidFill>
+                <a:effectLst/>
+                <a:latin typeface="Arial" panose="020B0604020202020204" pitchFamily="34" charset="0"/>
+              </a:rPr>
+              <a:t>last</a:t>
+            </a:r>
+            <a:r>
+              <a:rPr kumimoji="0" lang="pt-BR" altLang="pt-BR" sz="1800" b="0" i="0" u="none" strike="noStrike" cap="none" normalizeH="0" baseline="0" dirty="0">
+                <a:ln>
+                  <a:noFill/>
+                </a:ln>
+                <a:solidFill>
+                  <a:schemeClr val="tx1"/>
+                </a:solidFill>
+                <a:effectLst/>
+                <a:latin typeface="Arial" panose="020B0604020202020204" pitchFamily="34" charset="0"/>
+              </a:rPr>
+              <a:t> </a:t>
+            </a:r>
+            <a:r>
+              <a:rPr kumimoji="0" lang="pt-BR" altLang="pt-BR" sz="1800" b="0" i="0" u="none" strike="noStrike" cap="none" normalizeH="0" baseline="0" dirty="0" err="1">
+                <a:ln>
+                  <a:noFill/>
+                </a:ln>
+                <a:solidFill>
+                  <a:schemeClr val="tx1"/>
+                </a:solidFill>
+                <a:effectLst/>
+                <a:latin typeface="Arial" panose="020B0604020202020204" pitchFamily="34" charset="0"/>
+              </a:rPr>
+              <a:t>longer</a:t>
+            </a:r>
+            <a:r>
+              <a:rPr kumimoji="0" lang="pt-BR" altLang="pt-BR" sz="1800" b="0" i="0" u="none" strike="noStrike" cap="none" normalizeH="0" baseline="0" dirty="0">
+                <a:ln>
+                  <a:noFill/>
+                </a:ln>
+                <a:solidFill>
+                  <a:schemeClr val="tx1"/>
+                </a:solidFill>
+                <a:effectLst/>
+                <a:latin typeface="Arial" panose="020B0604020202020204" pitchFamily="34" charset="0"/>
+              </a:rPr>
+              <a:t>, as </a:t>
+            </a:r>
+            <a:r>
+              <a:rPr kumimoji="0" lang="pt-BR" altLang="pt-BR" sz="1800" b="0" i="0" u="none" strike="noStrike" cap="none" normalizeH="0" baseline="0" dirty="0" err="1">
+                <a:ln>
+                  <a:noFill/>
+                </a:ln>
+                <a:solidFill>
+                  <a:schemeClr val="tx1"/>
+                </a:solidFill>
+                <a:effectLst/>
+                <a:latin typeface="Arial" panose="020B0604020202020204" pitchFamily="34" charset="0"/>
+              </a:rPr>
+              <a:t>they</a:t>
+            </a:r>
+            <a:r>
+              <a:rPr kumimoji="0" lang="pt-BR" altLang="pt-BR" sz="1800" b="0" i="0" u="none" strike="noStrike" cap="none" normalizeH="0" baseline="0" dirty="0">
+                <a:ln>
+                  <a:noFill/>
+                </a:ln>
+                <a:solidFill>
+                  <a:schemeClr val="tx1"/>
+                </a:solidFill>
+                <a:effectLst/>
+                <a:latin typeface="Arial" panose="020B0604020202020204" pitchFamily="34" charset="0"/>
+              </a:rPr>
+              <a:t> </a:t>
+            </a:r>
+            <a:r>
+              <a:rPr kumimoji="0" lang="pt-BR" altLang="pt-BR" sz="1800" b="0" i="0" u="none" strike="noStrike" cap="none" normalizeH="0" baseline="0" dirty="0" err="1">
+                <a:ln>
+                  <a:noFill/>
+                </a:ln>
+                <a:solidFill>
+                  <a:schemeClr val="tx1"/>
+                </a:solidFill>
+                <a:effectLst/>
+                <a:latin typeface="Arial" panose="020B0604020202020204" pitchFamily="34" charset="0"/>
+              </a:rPr>
+              <a:t>involve</a:t>
+            </a:r>
+            <a:r>
+              <a:rPr kumimoji="0" lang="pt-BR" altLang="pt-BR" sz="1800" b="0" i="0" u="none" strike="noStrike" cap="none" normalizeH="0" baseline="0" dirty="0">
+                <a:ln>
+                  <a:noFill/>
+                </a:ln>
+                <a:solidFill>
+                  <a:schemeClr val="tx1"/>
+                </a:solidFill>
+                <a:effectLst/>
+                <a:latin typeface="Arial" panose="020B0604020202020204" pitchFamily="34" charset="0"/>
+              </a:rPr>
+              <a:t> </a:t>
+            </a:r>
+            <a:r>
+              <a:rPr kumimoji="0" lang="pt-BR" altLang="pt-BR" sz="1800" b="0" i="0" u="none" strike="noStrike" cap="none" normalizeH="0" baseline="0" dirty="0" err="1">
+                <a:ln>
+                  <a:noFill/>
+                </a:ln>
+                <a:solidFill>
+                  <a:schemeClr val="tx1"/>
+                </a:solidFill>
+                <a:effectLst/>
+                <a:latin typeface="Arial" panose="020B0604020202020204" pitchFamily="34" charset="0"/>
+              </a:rPr>
+              <a:t>discussing</a:t>
+            </a:r>
+            <a:r>
+              <a:rPr kumimoji="0" lang="pt-BR" altLang="pt-BR" sz="1800" b="0" i="0" u="none" strike="noStrike" cap="none" normalizeH="0" baseline="0" dirty="0">
+                <a:ln>
+                  <a:noFill/>
+                </a:ln>
+                <a:solidFill>
+                  <a:schemeClr val="tx1"/>
+                </a:solidFill>
+                <a:effectLst/>
+                <a:latin typeface="Arial" panose="020B0604020202020204" pitchFamily="34" charset="0"/>
+              </a:rPr>
+              <a:t> </a:t>
+            </a:r>
+            <a:r>
+              <a:rPr kumimoji="0" lang="pt-BR" altLang="pt-BR" sz="1800" b="0" i="0" u="none" strike="noStrike" cap="none" normalizeH="0" baseline="0" dirty="0" err="1">
+                <a:ln>
+                  <a:noFill/>
+                </a:ln>
+                <a:solidFill>
+                  <a:schemeClr val="tx1"/>
+                </a:solidFill>
+                <a:effectLst/>
+                <a:latin typeface="Arial" panose="020B0604020202020204" pitchFamily="34" charset="0"/>
+              </a:rPr>
+              <a:t>product</a:t>
+            </a:r>
+            <a:r>
+              <a:rPr kumimoji="0" lang="pt-BR" altLang="pt-BR" sz="1800" b="0" i="0" u="none" strike="noStrike" cap="none" normalizeH="0" baseline="0" dirty="0">
+                <a:ln>
+                  <a:noFill/>
+                </a:ln>
+                <a:solidFill>
+                  <a:schemeClr val="tx1"/>
+                </a:solidFill>
+                <a:effectLst/>
+                <a:latin typeface="Arial" panose="020B0604020202020204" pitchFamily="34" charset="0"/>
+              </a:rPr>
+              <a:t> </a:t>
+            </a:r>
+            <a:r>
+              <a:rPr kumimoji="0" lang="pt-BR" altLang="pt-BR" sz="1800" b="0" i="0" u="none" strike="noStrike" cap="none" normalizeH="0" baseline="0" dirty="0" err="1">
+                <a:ln>
+                  <a:noFill/>
+                </a:ln>
+                <a:solidFill>
+                  <a:schemeClr val="tx1"/>
+                </a:solidFill>
+                <a:effectLst/>
+                <a:latin typeface="Arial" panose="020B0604020202020204" pitchFamily="34" charset="0"/>
+              </a:rPr>
+              <a:t>details</a:t>
+            </a:r>
+            <a:r>
+              <a:rPr kumimoji="0" lang="pt-BR" altLang="pt-BR" sz="1800" b="0" i="0" u="none" strike="noStrike" cap="none" normalizeH="0" baseline="0" dirty="0">
+                <a:ln>
+                  <a:noFill/>
+                </a:ln>
+                <a:solidFill>
+                  <a:schemeClr val="tx1"/>
+                </a:solidFill>
+                <a:effectLst/>
+                <a:latin typeface="Arial" panose="020B0604020202020204" pitchFamily="34" charset="0"/>
+              </a:rPr>
+              <a:t> </a:t>
+            </a:r>
+            <a:r>
+              <a:rPr kumimoji="0" lang="pt-BR" altLang="pt-BR" sz="1800" b="0" i="0" u="none" strike="noStrike" cap="none" normalizeH="0" baseline="0" dirty="0" err="1">
+                <a:ln>
+                  <a:noFill/>
+                </a:ln>
+                <a:solidFill>
+                  <a:schemeClr val="tx1"/>
+                </a:solidFill>
+                <a:effectLst/>
+                <a:latin typeface="Arial" panose="020B0604020202020204" pitchFamily="34" charset="0"/>
+              </a:rPr>
+              <a:t>and</a:t>
+            </a:r>
+            <a:r>
+              <a:rPr kumimoji="0" lang="pt-BR" altLang="pt-BR" sz="1800" b="0" i="0" u="none" strike="noStrike" cap="none" normalizeH="0" baseline="0" dirty="0">
+                <a:ln>
+                  <a:noFill/>
+                </a:ln>
+                <a:solidFill>
+                  <a:schemeClr val="tx1"/>
+                </a:solidFill>
+                <a:effectLst/>
+                <a:latin typeface="Arial" panose="020B0604020202020204" pitchFamily="34" charset="0"/>
+              </a:rPr>
+              <a:t> </a:t>
+            </a:r>
+            <a:r>
+              <a:rPr kumimoji="0" lang="pt-BR" altLang="pt-BR" sz="1800" b="0" i="0" u="none" strike="noStrike" cap="none" normalizeH="0" baseline="0" dirty="0" err="1">
+                <a:ln>
+                  <a:noFill/>
+                </a:ln>
+                <a:solidFill>
+                  <a:schemeClr val="tx1"/>
+                </a:solidFill>
+                <a:effectLst/>
+                <a:latin typeface="Arial" panose="020B0604020202020204" pitchFamily="34" charset="0"/>
+              </a:rPr>
+              <a:t>other</a:t>
+            </a:r>
+            <a:r>
+              <a:rPr kumimoji="0" lang="pt-BR" altLang="pt-BR" sz="1800" b="0" i="0" u="none" strike="noStrike" cap="none" normalizeH="0" baseline="0" dirty="0">
+                <a:ln>
+                  <a:noFill/>
+                </a:ln>
+                <a:solidFill>
+                  <a:schemeClr val="tx1"/>
+                </a:solidFill>
+                <a:effectLst/>
+                <a:latin typeface="Arial" panose="020B0604020202020204" pitchFamily="34" charset="0"/>
+              </a:rPr>
+              <a:t> </a:t>
+            </a:r>
+            <a:r>
+              <a:rPr kumimoji="0" lang="pt-BR" altLang="pt-BR" sz="1800" b="0" i="0" u="none" strike="noStrike" cap="none" normalizeH="0" baseline="0" dirty="0" err="1">
+                <a:ln>
+                  <a:noFill/>
+                </a:ln>
+                <a:solidFill>
+                  <a:schemeClr val="tx1"/>
+                </a:solidFill>
+                <a:effectLst/>
+                <a:latin typeface="Arial" panose="020B0604020202020204" pitchFamily="34" charset="0"/>
+              </a:rPr>
+              <a:t>service</a:t>
+            </a:r>
+            <a:r>
+              <a:rPr kumimoji="0" lang="pt-BR" altLang="pt-BR" sz="1800" b="0" i="0" u="none" strike="noStrike" cap="none" normalizeH="0" baseline="0" dirty="0">
+                <a:ln>
+                  <a:noFill/>
+                </a:ln>
+                <a:solidFill>
+                  <a:schemeClr val="tx1"/>
+                </a:solidFill>
+                <a:effectLst/>
+                <a:latin typeface="Arial" panose="020B0604020202020204" pitchFamily="34" charset="0"/>
+              </a:rPr>
+              <a:t> </a:t>
+            </a:r>
+            <a:r>
+              <a:rPr kumimoji="0" lang="pt-BR" altLang="pt-BR" sz="1800" b="0" i="0" u="none" strike="noStrike" cap="none" normalizeH="0" baseline="0" dirty="0" err="1">
+                <a:ln>
+                  <a:noFill/>
+                </a:ln>
+                <a:solidFill>
+                  <a:schemeClr val="tx1"/>
+                </a:solidFill>
+                <a:effectLst/>
+                <a:latin typeface="Arial" panose="020B0604020202020204" pitchFamily="34" charset="0"/>
+              </a:rPr>
+              <a:t>offerings</a:t>
+            </a:r>
+            <a:r>
+              <a:rPr kumimoji="0" lang="pt-BR" altLang="pt-BR" sz="1800" b="0" i="0" u="none" strike="noStrike" cap="none" normalizeH="0" baseline="0" dirty="0">
+                <a:ln>
+                  <a:noFill/>
+                </a:ln>
+                <a:solidFill>
+                  <a:schemeClr val="tx1"/>
+                </a:solidFill>
+                <a:effectLst/>
+                <a:latin typeface="Arial" panose="020B0604020202020204" pitchFamily="34" charset="0"/>
+              </a:rPr>
+              <a:t>.</a:t>
+            </a:r>
+          </a:p>
+          <a:p>
+            <a:pPr marL="0" marR="0" lvl="0" indent="0" algn="l" defTabSz="914400" rtl="0" eaLnBrk="0" fontAlgn="base" latinLnBrk="0" hangingPunct="0">
+              <a:lnSpc>
+                <a:spcPct val="100000"/>
+              </a:lnSpc>
+              <a:spcBef>
+                <a:spcPct val="0"/>
+              </a:spcBef>
+              <a:spcAft>
+                <a:spcPct val="0"/>
+              </a:spcAft>
+              <a:buClrTx/>
+              <a:buSzTx/>
+              <a:tabLst/>
+            </a:pPr>
+            <a:endParaRPr kumimoji="0" lang="pt-BR" altLang="pt-BR" sz="1800" b="0" i="0" u="none" strike="noStrike" cap="none" normalizeH="0" baseline="0" dirty="0">
+              <a:ln>
+                <a:noFill/>
+              </a:ln>
+              <a:solidFill>
+                <a:schemeClr val="tx1"/>
+              </a:solidFill>
+              <a:effectLst/>
+              <a:latin typeface="Arial" panose="020B0604020202020204" pitchFamily="34" charset="0"/>
+            </a:endParaRPr>
+          </a:p>
+          <a:p>
+            <a:pPr marL="0" marR="0" lvl="0" indent="0" algn="l" defTabSz="914400" rtl="0" eaLnBrk="0" fontAlgn="base" latinLnBrk="0" hangingPunct="0">
+              <a:lnSpc>
+                <a:spcPct val="100000"/>
+              </a:lnSpc>
+              <a:spcBef>
+                <a:spcPct val="0"/>
+              </a:spcBef>
+              <a:spcAft>
+                <a:spcPct val="0"/>
+              </a:spcAft>
+              <a:buClrTx/>
+              <a:buSzTx/>
+              <a:tabLst/>
+            </a:pPr>
+            <a:r>
+              <a:rPr kumimoji="0" lang="pt-BR" altLang="pt-BR" sz="1800" b="0" i="0" u="none" strike="noStrike" cap="none" normalizeH="0" baseline="0" dirty="0">
+                <a:ln>
+                  <a:noFill/>
+                </a:ln>
+                <a:solidFill>
+                  <a:schemeClr val="tx1"/>
+                </a:solidFill>
+                <a:effectLst/>
+                <a:latin typeface="Arial" panose="020B0604020202020204" pitchFamily="34" charset="0"/>
+              </a:rPr>
+              <a:t>.</a:t>
+            </a:r>
+          </a:p>
+        </p:txBody>
+      </p:sp>
+      <p:pic>
+        <p:nvPicPr>
+          <p:cNvPr id="13" name="Imagem 12">
+            <a:extLst>
+              <a:ext uri="{FF2B5EF4-FFF2-40B4-BE49-F238E27FC236}">
+                <a16:creationId xmlns:a16="http://schemas.microsoft.com/office/drawing/2014/main" id="{4C17C3EA-FEBC-706D-8E17-BBEE77EC5278}"/>
+              </a:ext>
+            </a:extLst>
+          </p:cNvPr>
+          <p:cNvPicPr>
+            <a:picLocks noChangeAspect="1"/>
+          </p:cNvPicPr>
+          <p:nvPr/>
+        </p:nvPicPr>
+        <p:blipFill>
+          <a:blip r:embed="rId2"/>
+          <a:stretch>
+            <a:fillRect/>
+          </a:stretch>
+        </p:blipFill>
+        <p:spPr>
+          <a:xfrm>
+            <a:off x="6565613" y="2044700"/>
+            <a:ext cx="5312805" cy="6358596"/>
+          </a:xfrm>
+          <a:prstGeom prst="rect">
+            <a:avLst/>
+          </a:prstGeom>
+        </p:spPr>
+      </p:pic>
+      <p:pic>
+        <p:nvPicPr>
+          <p:cNvPr id="15" name="Imagem 14">
+            <a:extLst>
+              <a:ext uri="{FF2B5EF4-FFF2-40B4-BE49-F238E27FC236}">
+                <a16:creationId xmlns:a16="http://schemas.microsoft.com/office/drawing/2014/main" id="{F3869F2B-982F-69A9-5470-74E5EEE955A9}"/>
+              </a:ext>
+            </a:extLst>
+          </p:cNvPr>
+          <p:cNvPicPr>
+            <a:picLocks noChangeAspect="1"/>
+          </p:cNvPicPr>
+          <p:nvPr/>
+        </p:nvPicPr>
+        <p:blipFill>
+          <a:blip r:embed="rId3"/>
+          <a:stretch>
+            <a:fillRect/>
+          </a:stretch>
+        </p:blipFill>
+        <p:spPr>
+          <a:xfrm>
+            <a:off x="12420600" y="2044700"/>
+            <a:ext cx="5325218" cy="4706007"/>
+          </a:xfrm>
+          <a:prstGeom prst="rect">
+            <a:avLst/>
+          </a:prstGeom>
+        </p:spPr>
+      </p:pic>
     </p:spTree>
     <p:extLst>
       <p:ext uri="{BB962C8B-B14F-4D97-AF65-F5344CB8AC3E}">

--- a/files en-us/presentation-en-us.pptx
+++ b/files en-us/presentation-en-us.pptx
@@ -9017,7 +9017,7 @@
                 <a:latin typeface="Verdana"/>
                 <a:cs typeface="Verdana"/>
               </a:rPr>
-              <a:t>Matheus Felipe, 04/09/2025</a:t>
+              <a:t>Matheus Felipe, 09/04/2025</a:t>
             </a:r>
             <a:endParaRPr lang="pt-BR" sz="2400" dirty="0">
               <a:solidFill>
